--- a/beamer/Three_body_problem_powerpoint.pptx
+++ b/beamer/Three_body_problem_powerpoint.pptx
@@ -10,13 +10,15 @@
     <p:sldId id="258" r:id="rId4"/>
     <p:sldId id="268" r:id="rId5"/>
     <p:sldId id="260" r:id="rId6"/>
-    <p:sldId id="270" r:id="rId7"/>
+    <p:sldId id="276" r:id="rId7"/>
     <p:sldId id="271" r:id="rId8"/>
-    <p:sldId id="263" r:id="rId9"/>
-    <p:sldId id="264" r:id="rId10"/>
-    <p:sldId id="272" r:id="rId11"/>
-    <p:sldId id="273" r:id="rId12"/>
-    <p:sldId id="267" r:id="rId13"/>
+    <p:sldId id="277" r:id="rId9"/>
+    <p:sldId id="275" r:id="rId10"/>
+    <p:sldId id="274" r:id="rId11"/>
+    <p:sldId id="272" r:id="rId12"/>
+    <p:sldId id="273" r:id="rId13"/>
+    <p:sldId id="278" r:id="rId14"/>
+    <p:sldId id="267" r:id="rId15"/>
   </p:sldIdLst>
   <p:sldSz cx="9144000" cy="6858000" type="screen4x3"/>
   <p:notesSz cx="6858000" cy="9144000"/>
@@ -289,7 +291,7 @@
           <a:p>
             <a:fld id="{241EB5C9-1307-BA42-ABA2-0BC069CD8E7F}" type="datetimeFigureOut">
               <a:rPr lang="en-US" smtClean="0"/>
-              <a:t>4/23/2021</a:t>
+              <a:t>4/24/2021</a:t>
             </a:fld>
             <a:endParaRPr lang="en-US"/>
           </a:p>
@@ -487,7 +489,7 @@
           <a:p>
             <a:fld id="{241EB5C9-1307-BA42-ABA2-0BC069CD8E7F}" type="datetimeFigureOut">
               <a:rPr lang="en-US" smtClean="0"/>
-              <a:t>4/23/2021</a:t>
+              <a:t>4/24/2021</a:t>
             </a:fld>
             <a:endParaRPr lang="en-US"/>
           </a:p>
@@ -695,7 +697,7 @@
           <a:p>
             <a:fld id="{241EB5C9-1307-BA42-ABA2-0BC069CD8E7F}" type="datetimeFigureOut">
               <a:rPr lang="en-US" smtClean="0"/>
-              <a:t>4/23/2021</a:t>
+              <a:t>4/24/2021</a:t>
             </a:fld>
             <a:endParaRPr lang="en-US"/>
           </a:p>
@@ -893,7 +895,7 @@
           <a:p>
             <a:fld id="{241EB5C9-1307-BA42-ABA2-0BC069CD8E7F}" type="datetimeFigureOut">
               <a:rPr lang="en-US" smtClean="0"/>
-              <a:t>4/23/2021</a:t>
+              <a:t>4/24/2021</a:t>
             </a:fld>
             <a:endParaRPr lang="en-US"/>
           </a:p>
@@ -1168,7 +1170,7 @@
           <a:p>
             <a:fld id="{241EB5C9-1307-BA42-ABA2-0BC069CD8E7F}" type="datetimeFigureOut">
               <a:rPr lang="en-US" smtClean="0"/>
-              <a:t>4/23/2021</a:t>
+              <a:t>4/24/2021</a:t>
             </a:fld>
             <a:endParaRPr lang="en-US"/>
           </a:p>
@@ -1433,7 +1435,7 @@
           <a:p>
             <a:fld id="{241EB5C9-1307-BA42-ABA2-0BC069CD8E7F}" type="datetimeFigureOut">
               <a:rPr lang="en-US" smtClean="0"/>
-              <a:t>4/23/2021</a:t>
+              <a:t>4/24/2021</a:t>
             </a:fld>
             <a:endParaRPr lang="en-US"/>
           </a:p>
@@ -1845,7 +1847,7 @@
           <a:p>
             <a:fld id="{241EB5C9-1307-BA42-ABA2-0BC069CD8E7F}" type="datetimeFigureOut">
               <a:rPr lang="en-US" smtClean="0"/>
-              <a:t>4/23/2021</a:t>
+              <a:t>4/24/2021</a:t>
             </a:fld>
             <a:endParaRPr lang="en-US"/>
           </a:p>
@@ -1986,7 +1988,7 @@
           <a:p>
             <a:fld id="{241EB5C9-1307-BA42-ABA2-0BC069CD8E7F}" type="datetimeFigureOut">
               <a:rPr lang="en-US" smtClean="0"/>
-              <a:t>4/23/2021</a:t>
+              <a:t>4/24/2021</a:t>
             </a:fld>
             <a:endParaRPr lang="en-US"/>
           </a:p>
@@ -2099,7 +2101,7 @@
           <a:p>
             <a:fld id="{241EB5C9-1307-BA42-ABA2-0BC069CD8E7F}" type="datetimeFigureOut">
               <a:rPr lang="en-US" smtClean="0"/>
-              <a:t>4/23/2021</a:t>
+              <a:t>4/24/2021</a:t>
             </a:fld>
             <a:endParaRPr lang="en-US"/>
           </a:p>
@@ -2410,7 +2412,7 @@
           <a:p>
             <a:fld id="{241EB5C9-1307-BA42-ABA2-0BC069CD8E7F}" type="datetimeFigureOut">
               <a:rPr lang="en-US" smtClean="0"/>
-              <a:t>4/23/2021</a:t>
+              <a:t>4/24/2021</a:t>
             </a:fld>
             <a:endParaRPr lang="en-US"/>
           </a:p>
@@ -2698,7 +2700,7 @@
           <a:p>
             <a:fld id="{241EB5C9-1307-BA42-ABA2-0BC069CD8E7F}" type="datetimeFigureOut">
               <a:rPr lang="en-US" smtClean="0"/>
-              <a:t>4/23/2021</a:t>
+              <a:t>4/24/2021</a:t>
             </a:fld>
             <a:endParaRPr lang="en-US"/>
           </a:p>
@@ -2939,7 +2941,7 @@
           <a:p>
             <a:fld id="{241EB5C9-1307-BA42-ABA2-0BC069CD8E7F}" type="datetimeFigureOut">
               <a:rPr lang="en-US" smtClean="0"/>
-              <a:t>4/23/2021</a:t>
+              <a:t>4/24/2021</a:t>
             </a:fld>
             <a:endParaRPr lang="en-US"/>
           </a:p>
@@ -3754,7 +3756,7 @@
         </p:nvSpPr>
         <p:spPr>
           <a:xfrm>
-            <a:off x="819947" y="713984"/>
+            <a:off x="819945" y="713984"/>
             <a:ext cx="5146819" cy="1107943"/>
           </a:xfrm>
         </p:spPr>
@@ -3766,7 +3768,7 @@
           <a:p>
             <a:pPr marL="0" lvl="0" indent="0" defTabSz="914400"/>
             <a:r>
-              <a:rPr lang="en-US" sz="4200" b="1" kern="1200" dirty="0">
+              <a:rPr lang="en-US" sz="4400" b="1" kern="1200" dirty="0">
                 <a:solidFill>
                   <a:srgbClr val="FFFFFF"/>
                 </a:solidFill>
@@ -3867,8 +3869,8 @@
         </p:nvSpPr>
         <p:spPr>
           <a:xfrm>
-            <a:off x="1902760" y="2706514"/>
-            <a:ext cx="2835379" cy="996112"/>
+            <a:off x="1676950" y="2706514"/>
+            <a:ext cx="3432811" cy="996112"/>
           </a:xfrm>
         </p:spPr>
         <p:txBody>
@@ -3883,7 +3885,7 @@
               </a:lnSpc>
             </a:pPr>
             <a:r>
-              <a:rPr lang="en-US" sz="1400" dirty="0">
+              <a:rPr lang="en-US" sz="1600" dirty="0">
                 <a:solidFill>
                   <a:srgbClr val="FFFFFF"/>
                 </a:solidFill>
@@ -3891,7 +3893,7 @@
               <a:t>Mohamed </a:t>
             </a:r>
             <a:r>
-              <a:rPr lang="en-US" sz="1400" dirty="0" err="1">
+              <a:rPr lang="en-US" sz="1600" dirty="0" err="1">
                 <a:solidFill>
                   <a:srgbClr val="FFFFFF"/>
                 </a:solidFill>
@@ -3899,7 +3901,7 @@
               <a:t>Fattouhy</a:t>
             </a:r>
             <a:r>
-              <a:rPr lang="en-US" sz="1400" dirty="0">
+              <a:rPr lang="en-US" sz="1600" dirty="0">
                 <a:solidFill>
                   <a:srgbClr val="FFFFFF"/>
                 </a:solidFill>
@@ -3907,7 +3909,7 @@
               <a:t>   Amine </a:t>
             </a:r>
             <a:r>
-              <a:rPr lang="en-US" sz="1400" dirty="0" err="1">
+              <a:rPr lang="en-US" sz="1600" dirty="0" err="1">
                 <a:solidFill>
                   <a:srgbClr val="FFFFFF"/>
                 </a:solidFill>
@@ -3915,7 +3917,7 @@
               <a:t>Touzani</a:t>
             </a:r>
             <a:r>
-              <a:rPr lang="en-US" sz="1400" dirty="0">
+              <a:rPr lang="en-US" sz="1600" dirty="0">
                 <a:solidFill>
                   <a:srgbClr val="FFFFFF"/>
                 </a:solidFill>
@@ -3930,7 +3932,7 @@
               </a:lnSpc>
             </a:pPr>
             <a:r>
-              <a:rPr lang="en-US" sz="1400" dirty="0" err="1">
+              <a:rPr lang="en-US" sz="1600" dirty="0" err="1">
                 <a:solidFill>
                   <a:srgbClr val="FFFFFF"/>
                 </a:solidFill>
@@ -3938,7 +3940,7 @@
               <a:t>Gueladio</a:t>
             </a:r>
             <a:r>
-              <a:rPr lang="en-US" sz="1400" dirty="0">
+              <a:rPr lang="en-US" sz="1600" dirty="0">
                 <a:solidFill>
                   <a:srgbClr val="FFFFFF"/>
                 </a:solidFill>
@@ -3946,7 +3948,7 @@
               <a:t> </a:t>
             </a:r>
             <a:r>
-              <a:rPr lang="en-US" sz="1400" dirty="0" err="1">
+              <a:rPr lang="en-US" sz="1600" dirty="0" err="1">
                 <a:solidFill>
                   <a:srgbClr val="FFFFFF"/>
                 </a:solidFill>
@@ -3954,7 +3956,7 @@
               <a:t>Niasse</a:t>
             </a:r>
             <a:r>
-              <a:rPr lang="en-US" sz="1400" dirty="0">
+              <a:rPr lang="en-US" sz="1600" dirty="0">
                 <a:solidFill>
                   <a:srgbClr val="FFFFFF"/>
                 </a:solidFill>
@@ -4095,8 +4097,8 @@
         </p:nvSpPr>
         <p:spPr>
           <a:xfrm>
-            <a:off x="1051237" y="1869578"/>
-            <a:ext cx="4538427" cy="895030"/>
+            <a:off x="819947" y="1816706"/>
+            <a:ext cx="4812235" cy="895030"/>
           </a:xfrm>
           <a:prstGeom prst="rect">
             <a:avLst/>
@@ -4104,7 +4106,7 @@
         </p:spPr>
         <p:txBody>
           <a:bodyPr vert="horz" lIns="91440" tIns="45720" rIns="91440" bIns="45720" rtlCol="0">
-            <a:normAutofit/>
+            <a:noAutofit/>
           </a:bodyPr>
           <a:lstStyle>
             <a:lvl1pPr marL="0" indent="0" algn="ctr" defTabSz="685800" rtl="0" eaLnBrk="1" latinLnBrk="0" hangingPunct="1">
@@ -4273,7 +4275,7 @@
           <a:p>
             <a:pPr defTabSz="914400"/>
             <a:r>
-              <a:rPr lang="en-US" sz="2000" dirty="0">
+              <a:rPr lang="en-US" sz="2400" dirty="0">
                 <a:solidFill>
                   <a:srgbClr val="FFFFFF"/>
                 </a:solidFill>
@@ -4281,7 +4283,7 @@
               <a:t>HMMA238 - </a:t>
             </a:r>
             <a:r>
-              <a:rPr lang="en-US" sz="2000" dirty="0" err="1">
+              <a:rPr lang="en-US" sz="2400" dirty="0" err="1">
                 <a:solidFill>
                   <a:srgbClr val="FFFFFF"/>
                 </a:solidFill>
@@ -4289,7 +4291,7 @@
               <a:t>Développement</a:t>
             </a:r>
             <a:r>
-              <a:rPr lang="en-US" sz="2000" dirty="0">
+              <a:rPr lang="en-US" sz="2400" dirty="0">
                 <a:solidFill>
                   <a:srgbClr val="FFFFFF"/>
                 </a:solidFill>
@@ -4297,7 +4299,7 @@
               <a:t> </a:t>
             </a:r>
             <a:r>
-              <a:rPr lang="en-US" sz="2000" dirty="0" err="1">
+              <a:rPr lang="en-US" sz="2400" dirty="0" err="1">
                 <a:solidFill>
                   <a:srgbClr val="FFFFFF"/>
                 </a:solidFill>
@@ -4305,20 +4307,20 @@
               <a:t>logiciel</a:t>
             </a:r>
             <a:br>
-              <a:rPr lang="en-US" sz="1300" dirty="0">
+              <a:rPr lang="en-US" sz="2400" dirty="0">
                 <a:solidFill>
                   <a:srgbClr val="FFFFFF"/>
                 </a:solidFill>
               </a:rPr>
             </a:br>
             <a:br>
-              <a:rPr lang="en-US" sz="1300" dirty="0">
+              <a:rPr lang="en-US" sz="2400" dirty="0">
                 <a:solidFill>
                   <a:srgbClr val="FFFFFF"/>
                 </a:solidFill>
               </a:rPr>
             </a:br>
-            <a:endParaRPr lang="en-US" sz="1300" dirty="0">
+            <a:endParaRPr lang="en-US" sz="2400" dirty="0">
               <a:solidFill>
                 <a:srgbClr val="FFFFFF"/>
               </a:solidFill>
@@ -4780,13 +4782,13 @@
         </p:nvSpPr>
         <p:spPr>
           <a:xfrm>
-            <a:off x="619861" y="457629"/>
-            <a:ext cx="7920824" cy="1152660"/>
+            <a:off x="619860" y="457629"/>
+            <a:ext cx="8222481" cy="1152660"/>
           </a:xfrm>
         </p:spPr>
         <p:txBody>
           <a:bodyPr anchor="t">
-            <a:normAutofit/>
+            <a:noAutofit/>
           </a:bodyPr>
           <a:lstStyle/>
           <a:p>
@@ -4794,10 +4796,9 @@
               <a:buNone/>
             </a:pPr>
             <a:r>
-              <a:rPr lang="fr-FR" sz="3600" b="1" dirty="0"/>
-              <a:t>Trajectoires de la Terre et de Mars autour du soleil</a:t>
+              <a:rPr lang="fr-FR" sz="4000" b="1" dirty="0"/>
+              <a:t>Trajectoire de la Terre autour du soleil</a:t>
             </a:r>
-            <a:endParaRPr lang="fr-FR" sz="3500" b="1" dirty="0"/>
           </a:p>
         </p:txBody>
       </p:sp>
@@ -4949,15 +4950,15 @@
       </p:sp>
       <p:pic>
         <p:nvPicPr>
-          <p:cNvPr id="8" name="Picture 1" descr="Images/orbite.jpg">
-            <a:extLst>
-              <a:ext uri="{FF2B5EF4-FFF2-40B4-BE49-F238E27FC236}">
-                <a16:creationId xmlns:a16="http://schemas.microsoft.com/office/drawing/2014/main" id="{1535FFB9-DFF3-4A60-AC9E-1F04AAB21834}"/>
+          <p:cNvPr id="5" name="Image 4" descr="Une image contenant texte, étoile, ciel nocturne&#10;&#10;Description générée automatiquement">
+            <a:extLst>
+              <a:ext uri="{FF2B5EF4-FFF2-40B4-BE49-F238E27FC236}">
+                <a16:creationId xmlns:a16="http://schemas.microsoft.com/office/drawing/2014/main" id="{9B835CC5-EFEE-411E-8045-FDE026424CA6}"/>
               </a:ext>
             </a:extLst>
           </p:cNvPr>
           <p:cNvPicPr>
-            <a:picLocks noGrp="1" noChangeAspect="1"/>
+            <a:picLocks noChangeAspect="1"/>
           </p:cNvPicPr>
           <p:nvPr/>
         </p:nvPicPr>
@@ -4967,26 +4968,20 @@
             <a:fillRect/>
           </a:stretch>
         </p:blipFill>
-        <p:spPr bwMode="auto">
+        <p:spPr>
           <a:xfrm>
-            <a:off x="1954503" y="1820234"/>
-            <a:ext cx="5251540" cy="4046641"/>
+            <a:off x="1728787" y="1395412"/>
+            <a:ext cx="5686425" cy="4067175"/>
           </a:xfrm>
           <a:prstGeom prst="rect">
             <a:avLst/>
           </a:prstGeom>
-          <a:noFill/>
-          <a:ln w="9525">
-            <a:noFill/>
-            <a:headEnd/>
-            <a:tailEnd/>
-          </a:ln>
         </p:spPr>
       </p:pic>
     </p:spTree>
     <p:extLst>
       <p:ext uri="{BB962C8B-B14F-4D97-AF65-F5344CB8AC3E}">
-        <p14:creationId xmlns:p14="http://schemas.microsoft.com/office/powerpoint/2010/main" val="2966476844"/>
+        <p14:creationId xmlns:p14="http://schemas.microsoft.com/office/powerpoint/2010/main" val="3107823982"/>
       </p:ext>
     </p:extLst>
   </p:cSld>
@@ -5139,13 +5134,13 @@
         </p:nvSpPr>
         <p:spPr>
           <a:xfrm>
-            <a:off x="619861" y="457629"/>
-            <a:ext cx="7920824" cy="1152660"/>
+            <a:off x="619860" y="457629"/>
+            <a:ext cx="8222481" cy="1152660"/>
           </a:xfrm>
         </p:spPr>
         <p:txBody>
           <a:bodyPr anchor="t">
-            <a:normAutofit/>
+            <a:noAutofit/>
           </a:bodyPr>
           <a:lstStyle/>
           <a:p>
@@ -5153,10 +5148,9 @@
               <a:buNone/>
             </a:pPr>
             <a:r>
-              <a:rPr lang="fr-FR" sz="3600" b="1" dirty="0"/>
-              <a:t>Problème à 3 corps</a:t>
+              <a:rPr lang="fr-FR" sz="4000" b="1" dirty="0"/>
+              <a:t>Trajectoire de Mars autour du soleil</a:t>
             </a:r>
-            <a:endParaRPr lang="fr-FR" sz="3500" b="1" dirty="0"/>
           </a:p>
         </p:txBody>
       </p:sp>
@@ -5308,6 +5302,364 @@
       </p:sp>
       <p:pic>
         <p:nvPicPr>
+          <p:cNvPr id="8" name="Picture 1" descr="Images/orbite.jpg">
+            <a:extLst>
+              <a:ext uri="{FF2B5EF4-FFF2-40B4-BE49-F238E27FC236}">
+                <a16:creationId xmlns:a16="http://schemas.microsoft.com/office/drawing/2014/main" id="{1535FFB9-DFF3-4A60-AC9E-1F04AAB21834}"/>
+              </a:ext>
+            </a:extLst>
+          </p:cNvPr>
+          <p:cNvPicPr>
+            <a:picLocks noGrp="1" noChangeAspect="1"/>
+          </p:cNvPicPr>
+          <p:nvPr/>
+        </p:nvPicPr>
+        <p:blipFill>
+          <a:blip r:embed="rId3"/>
+          <a:stretch>
+            <a:fillRect/>
+          </a:stretch>
+        </p:blipFill>
+        <p:spPr bwMode="auto">
+          <a:xfrm>
+            <a:off x="1849808" y="1461691"/>
+            <a:ext cx="5444384" cy="4195239"/>
+          </a:xfrm>
+          <a:prstGeom prst="rect">
+            <a:avLst/>
+          </a:prstGeom>
+          <a:noFill/>
+          <a:ln w="9525">
+            <a:noFill/>
+            <a:headEnd/>
+            <a:tailEnd/>
+          </a:ln>
+        </p:spPr>
+      </p:pic>
+    </p:spTree>
+    <p:extLst>
+      <p:ext uri="{BB962C8B-B14F-4D97-AF65-F5344CB8AC3E}">
+        <p14:creationId xmlns:p14="http://schemas.microsoft.com/office/powerpoint/2010/main" val="2966476844"/>
+      </p:ext>
+    </p:extLst>
+  </p:cSld>
+  <p:clrMapOvr>
+    <a:masterClrMapping/>
+  </p:clrMapOvr>
+</p:sld>
+</file>
+
+<file path=ppt/slides/slide12.xml><?xml version="1.0" encoding="utf-8"?>
+<p:sld xmlns:a="http://schemas.openxmlformats.org/drawingml/2006/main" xmlns:r="http://schemas.openxmlformats.org/officeDocument/2006/relationships" xmlns:p="http://schemas.openxmlformats.org/presentationml/2006/main">
+  <p:cSld>
+    <p:bg>
+      <p:bgPr>
+        <a:solidFill>
+          <a:schemeClr val="bg1"/>
+        </a:solidFill>
+        <a:effectLst/>
+      </p:bgPr>
+    </p:bg>
+    <p:spTree>
+      <p:nvGrpSpPr>
+        <p:cNvPr id="1" name=""/>
+        <p:cNvGrpSpPr/>
+        <p:nvPr/>
+      </p:nvGrpSpPr>
+      <p:grpSpPr>
+        <a:xfrm>
+          <a:off x="0" y="0"/>
+          <a:ext cx="0" cy="0"/>
+          <a:chOff x="0" y="0"/>
+          <a:chExt cx="0" cy="0"/>
+        </a:xfrm>
+      </p:grpSpPr>
+      <p:sp useBgFill="1">
+        <p:nvSpPr>
+          <p:cNvPr id="91" name="Rectangle 50">
+            <a:extLst>
+              <a:ext uri="{FF2B5EF4-FFF2-40B4-BE49-F238E27FC236}">
+                <a16:creationId xmlns:a16="http://schemas.microsoft.com/office/drawing/2014/main" id="{979E27D9-03C7-44E2-9FF8-15D0C8506AF7}"/>
+              </a:ext>
+              <a:ext uri="{C183D7F6-B498-43B3-948B-1728B52AA6E4}">
+                <adec:decorative xmlns:adec="http://schemas.microsoft.com/office/drawing/2017/decorative" val="1"/>
+              </a:ext>
+            </a:extLst>
+          </p:cNvPr>
+          <p:cNvSpPr>
+            <a:spLocks noGrp="1" noRot="1" noChangeAspect="1" noMove="1" noResize="1" noEditPoints="1" noAdjustHandles="1" noChangeArrowheads="1" noChangeShapeType="1" noTextEdit="1"/>
+          </p:cNvSpPr>
+          <p:nvPr>
+            <p:extLst>
+              <p:ext uri="{386F3935-93C4-4BCD-93E2-E3B085C9AB24}">
+                <p16:designElem xmlns:p16="http://schemas.microsoft.com/office/powerpoint/2015/main" val="1"/>
+              </p:ext>
+            </p:extLst>
+          </p:nvPr>
+        </p:nvSpPr>
+        <p:spPr>
+          <a:xfrm>
+            <a:off x="0" y="0"/>
+            <a:ext cx="9144000" cy="6858000"/>
+          </a:xfrm>
+          <a:prstGeom prst="rect">
+            <a:avLst/>
+          </a:prstGeom>
+          <a:ln w="12700" cap="flat" cmpd="sng" algn="ctr">
+            <a:noFill/>
+            <a:prstDash val="solid"/>
+            <a:miter lim="800000"/>
+          </a:ln>
+          <a:effectLst/>
+          <a:extLst>
+            <a:ext uri="{91240B29-F687-4F45-9708-019B960494DF}">
+              <a14:hiddenLine xmlns:a14="http://schemas.microsoft.com/office/drawing/2010/main" w="12700" cap="flat" cmpd="sng" algn="ctr">
+                <a:solidFill>
+                  <a:schemeClr val="accent1">
+                    <a:shade val="50000"/>
+                  </a:schemeClr>
+                </a:solidFill>
+                <a:prstDash val="solid"/>
+                <a:miter lim="800000"/>
+              </a14:hiddenLine>
+            </a:ext>
+          </a:extLst>
+        </p:spPr>
+        <p:style>
+          <a:lnRef idx="2">
+            <a:schemeClr val="accent1">
+              <a:shade val="50000"/>
+            </a:schemeClr>
+          </a:lnRef>
+          <a:fillRef idx="1">
+            <a:schemeClr val="accent1"/>
+          </a:fillRef>
+          <a:effectRef idx="0">
+            <a:schemeClr val="accent1"/>
+          </a:effectRef>
+          <a:fontRef idx="minor">
+            <a:schemeClr val="lt1"/>
+          </a:fontRef>
+        </p:style>
+        <p:txBody>
+          <a:bodyPr rtlCol="0" anchor="ctr"/>
+          <a:lstStyle/>
+          <a:p>
+            <a:pPr algn="ctr"/>
+            <a:endParaRPr lang="en-US"/>
+          </a:p>
+        </p:txBody>
+      </p:sp>
+      <p:pic>
+        <p:nvPicPr>
+          <p:cNvPr id="4" name="Image 3">
+            <a:extLst>
+              <a:ext uri="{FF2B5EF4-FFF2-40B4-BE49-F238E27FC236}">
+                <a16:creationId xmlns:a16="http://schemas.microsoft.com/office/drawing/2014/main" id="{75CD7126-81CB-4F9E-971B-55D6AA480B84}"/>
+              </a:ext>
+            </a:extLst>
+          </p:cNvPr>
+          <p:cNvPicPr>
+            <a:picLocks noChangeAspect="1"/>
+          </p:cNvPicPr>
+          <p:nvPr/>
+        </p:nvPicPr>
+        <p:blipFill>
+          <a:blip r:embed="rId2"/>
+          <a:stretch>
+            <a:fillRect/>
+          </a:stretch>
+        </p:blipFill>
+        <p:spPr>
+          <a:xfrm>
+            <a:off x="0" y="-428"/>
+            <a:ext cx="9144000" cy="6400799"/>
+          </a:xfrm>
+          <a:prstGeom prst="rect">
+            <a:avLst/>
+          </a:prstGeom>
+        </p:spPr>
+      </p:pic>
+      <p:sp>
+        <p:nvSpPr>
+          <p:cNvPr id="2" name="Title 1"/>
+          <p:cNvSpPr>
+            <a:spLocks noGrp="1"/>
+          </p:cNvSpPr>
+          <p:nvPr>
+            <p:ph type="title"/>
+          </p:nvPr>
+        </p:nvSpPr>
+        <p:spPr>
+          <a:xfrm>
+            <a:off x="619861" y="457629"/>
+            <a:ext cx="7920824" cy="1152660"/>
+          </a:xfrm>
+        </p:spPr>
+        <p:txBody>
+          <a:bodyPr anchor="t">
+            <a:normAutofit/>
+          </a:bodyPr>
+          <a:lstStyle/>
+          <a:p>
+            <a:pPr marL="0" lvl="0" indent="0">
+              <a:buNone/>
+            </a:pPr>
+            <a:r>
+              <a:rPr lang="fr-FR" sz="4000" b="1" dirty="0"/>
+              <a:t>Problème à 3 corps</a:t>
+            </a:r>
+          </a:p>
+        </p:txBody>
+      </p:sp>
+      <p:sp>
+        <p:nvSpPr>
+          <p:cNvPr id="92" name="Rectangle 52">
+            <a:extLst>
+              <a:ext uri="{FF2B5EF4-FFF2-40B4-BE49-F238E27FC236}">
+                <a16:creationId xmlns:a16="http://schemas.microsoft.com/office/drawing/2014/main" id="{EEBF1590-3B36-48EE-A89D-3B6F3CB256AB}"/>
+              </a:ext>
+              <a:ext uri="{C183D7F6-B498-43B3-948B-1728B52AA6E4}">
+                <adec:decorative xmlns:adec="http://schemas.microsoft.com/office/drawing/2017/decorative" val="1"/>
+              </a:ext>
+            </a:extLst>
+          </p:cNvPr>
+          <p:cNvSpPr>
+            <a:spLocks noGrp="1" noRot="1" noChangeAspect="1" noMove="1" noResize="1" noEditPoints="1" noAdjustHandles="1" noChangeArrowheads="1" noChangeShapeType="1" noTextEdit="1"/>
+          </p:cNvSpPr>
+          <p:nvPr>
+            <p:extLst>
+              <p:ext uri="{386F3935-93C4-4BCD-93E2-E3B085C9AB24}">
+                <p16:designElem xmlns:p16="http://schemas.microsoft.com/office/powerpoint/2015/main" val="1"/>
+              </p:ext>
+            </p:extLst>
+          </p:nvPr>
+        </p:nvSpPr>
+        <p:spPr>
+          <a:xfrm rot="10800000" flipH="1">
+            <a:off x="0" y="6400799"/>
+            <a:ext cx="9144000" cy="456773"/>
+          </a:xfrm>
+          <a:prstGeom prst="rect">
+            <a:avLst/>
+          </a:prstGeom>
+          <a:gradFill>
+            <a:gsLst>
+              <a:gs pos="0">
+                <a:schemeClr val="accent1"/>
+              </a:gs>
+              <a:gs pos="78000">
+                <a:srgbClr val="000000"/>
+              </a:gs>
+            </a:gsLst>
+            <a:lin ang="7200000" scaled="0"/>
+          </a:gradFill>
+          <a:ln>
+            <a:noFill/>
+          </a:ln>
+        </p:spPr>
+        <p:style>
+          <a:lnRef idx="2">
+            <a:schemeClr val="accent1">
+              <a:shade val="50000"/>
+            </a:schemeClr>
+          </a:lnRef>
+          <a:fillRef idx="1">
+            <a:schemeClr val="accent1"/>
+          </a:fillRef>
+          <a:effectRef idx="0">
+            <a:schemeClr val="accent1"/>
+          </a:effectRef>
+          <a:fontRef idx="minor">
+            <a:schemeClr val="lt1"/>
+          </a:fontRef>
+        </p:style>
+        <p:txBody>
+          <a:bodyPr rtlCol="0" anchor="ctr"/>
+          <a:lstStyle/>
+          <a:p>
+            <a:pPr algn="ctr"/>
+            <a:endParaRPr lang="en-US"/>
+          </a:p>
+        </p:txBody>
+      </p:sp>
+      <p:sp>
+        <p:nvSpPr>
+          <p:cNvPr id="93" name="Rectangle 54">
+            <a:extLst>
+              <a:ext uri="{FF2B5EF4-FFF2-40B4-BE49-F238E27FC236}">
+                <a16:creationId xmlns:a16="http://schemas.microsoft.com/office/drawing/2014/main" id="{AC8F6C8C-AB5A-4548-942D-E3FD40ACBC49}"/>
+              </a:ext>
+              <a:ext uri="{C183D7F6-B498-43B3-948B-1728B52AA6E4}">
+                <adec:decorative xmlns:adec="http://schemas.microsoft.com/office/drawing/2017/decorative" val="1"/>
+              </a:ext>
+            </a:extLst>
+          </p:cNvPr>
+          <p:cNvSpPr>
+            <a:spLocks noGrp="1" noRot="1" noChangeAspect="1" noMove="1" noResize="1" noEditPoints="1" noAdjustHandles="1" noChangeArrowheads="1" noChangeShapeType="1" noTextEdit="1"/>
+          </p:cNvSpPr>
+          <p:nvPr>
+            <p:extLst>
+              <p:ext uri="{386F3935-93C4-4BCD-93E2-E3B085C9AB24}">
+                <p16:designElem xmlns:p16="http://schemas.microsoft.com/office/powerpoint/2015/main" val="1"/>
+              </p:ext>
+            </p:extLst>
+          </p:nvPr>
+        </p:nvSpPr>
+        <p:spPr>
+          <a:xfrm flipH="1">
+            <a:off x="0" y="6400800"/>
+            <a:ext cx="6115048" cy="456772"/>
+          </a:xfrm>
+          <a:prstGeom prst="rect">
+            <a:avLst/>
+          </a:prstGeom>
+          <a:gradFill>
+            <a:gsLst>
+              <a:gs pos="0">
+                <a:srgbClr val="000000">
+                  <a:alpha val="28000"/>
+                </a:srgbClr>
+              </a:gs>
+              <a:gs pos="100000">
+                <a:schemeClr val="accent1">
+                  <a:lumMod val="75000"/>
+                </a:schemeClr>
+              </a:gs>
+            </a:gsLst>
+            <a:lin ang="3000000" scaled="0"/>
+          </a:gradFill>
+          <a:ln>
+            <a:noFill/>
+          </a:ln>
+        </p:spPr>
+        <p:style>
+          <a:lnRef idx="2">
+            <a:schemeClr val="accent1">
+              <a:shade val="50000"/>
+            </a:schemeClr>
+          </a:lnRef>
+          <a:fillRef idx="1">
+            <a:schemeClr val="accent1"/>
+          </a:fillRef>
+          <a:effectRef idx="0">
+            <a:schemeClr val="accent1"/>
+          </a:effectRef>
+          <a:fontRef idx="minor">
+            <a:schemeClr val="lt1"/>
+          </a:fontRef>
+        </p:style>
+        <p:txBody>
+          <a:bodyPr rtlCol="0" anchor="ctr"/>
+          <a:lstStyle/>
+          <a:p>
+            <a:pPr algn="ctr"/>
+            <a:endParaRPr lang="en-US"/>
+          </a:p>
+        </p:txBody>
+      </p:sp>
+      <p:pic>
+        <p:nvPicPr>
           <p:cNvPr id="10" name="Picture 1" descr="Images/file_000.png">
             <a:extLst>
               <a:ext uri="{FF2B5EF4-FFF2-40B4-BE49-F238E27FC236}">
@@ -5355,7 +5707,7 @@
 </p:sld>
 </file>
 
-<file path=ppt/slides/slide12.xml><?xml version="1.0" encoding="utf-8"?>
+<file path=ppt/slides/slide13.xml><?xml version="1.0" encoding="utf-8"?>
 <p:sld xmlns:a="http://schemas.openxmlformats.org/drawingml/2006/main" xmlns:r="http://schemas.openxmlformats.org/officeDocument/2006/relationships" xmlns:p="http://schemas.openxmlformats.org/presentationml/2006/main">
   <p:cSld>
     <p:bg>
@@ -5516,6 +5868,499 @@
           </a:p>
         </p:txBody>
       </p:sp>
+      <p:sp>
+        <p:nvSpPr>
+          <p:cNvPr id="6" name="ZoneTexte 5">
+            <a:extLst>
+              <a:ext uri="{FF2B5EF4-FFF2-40B4-BE49-F238E27FC236}">
+                <a16:creationId xmlns:a16="http://schemas.microsoft.com/office/drawing/2014/main" id="{A05FB45A-29F0-4B4A-8B3B-975F6C25B227}"/>
+              </a:ext>
+            </a:extLst>
+          </p:cNvPr>
+          <p:cNvSpPr txBox="1"/>
+          <p:nvPr/>
+        </p:nvSpPr>
+        <p:spPr>
+          <a:xfrm>
+            <a:off x="692869" y="562532"/>
+            <a:ext cx="4572000" cy="707886"/>
+          </a:xfrm>
+          <a:prstGeom prst="rect">
+            <a:avLst/>
+          </a:prstGeom>
+          <a:noFill/>
+        </p:spPr>
+        <p:txBody>
+          <a:bodyPr wrap="square">
+            <a:spAutoFit/>
+          </a:bodyPr>
+          <a:lstStyle/>
+          <a:p>
+            <a:r>
+              <a:rPr lang="fr-FR" sz="4000" b="1" dirty="0"/>
+              <a:t>Conclusion</a:t>
+            </a:r>
+            <a:endParaRPr lang="fr-FR" sz="4000" dirty="0"/>
+          </a:p>
+        </p:txBody>
+      </p:sp>
+      <p:sp>
+        <p:nvSpPr>
+          <p:cNvPr id="7" name="Content Placeholder 2">
+            <a:extLst>
+              <a:ext uri="{FF2B5EF4-FFF2-40B4-BE49-F238E27FC236}">
+                <a16:creationId xmlns:a16="http://schemas.microsoft.com/office/drawing/2014/main" id="{D7DB6FAD-2B39-4546-BDE7-A9E69F0BBA07}"/>
+              </a:ext>
+            </a:extLst>
+          </p:cNvPr>
+          <p:cNvSpPr txBox="1">
+            <a:spLocks/>
+          </p:cNvSpPr>
+          <p:nvPr/>
+        </p:nvSpPr>
+        <p:spPr>
+          <a:xfrm>
+            <a:off x="619861" y="1475761"/>
+            <a:ext cx="8352148" cy="4743174"/>
+          </a:xfrm>
+          <a:prstGeom prst="rect">
+            <a:avLst/>
+          </a:prstGeom>
+        </p:spPr>
+        <p:txBody>
+          <a:bodyPr vert="horz" lIns="91440" tIns="45720" rIns="91440" bIns="45720" rtlCol="0" anchor="t">
+            <a:normAutofit/>
+          </a:bodyPr>
+          <a:lstStyle>
+            <a:lvl1pPr marL="0" indent="0" algn="l" defTabSz="685800" rtl="0" eaLnBrk="1" latinLnBrk="0" hangingPunct="1">
+              <a:lnSpc>
+                <a:spcPct val="90000"/>
+              </a:lnSpc>
+              <a:spcBef>
+                <a:spcPts val="750"/>
+              </a:spcBef>
+              <a:buFont typeface="Arial" panose="020B0604020202020204" pitchFamily="34" charset="0"/>
+              <a:buNone/>
+              <a:defRPr sz="1800" kern="1200">
+                <a:solidFill>
+                  <a:schemeClr val="tx1">
+                    <a:tint val="75000"/>
+                  </a:schemeClr>
+                </a:solidFill>
+                <a:latin typeface="+mn-lt"/>
+                <a:ea typeface="+mn-ea"/>
+                <a:cs typeface="+mn-cs"/>
+              </a:defRPr>
+            </a:lvl1pPr>
+            <a:lvl2pPr marL="342900" indent="0" algn="l" defTabSz="685800" rtl="0" eaLnBrk="1" latinLnBrk="0" hangingPunct="1">
+              <a:lnSpc>
+                <a:spcPct val="90000"/>
+              </a:lnSpc>
+              <a:spcBef>
+                <a:spcPts val="375"/>
+              </a:spcBef>
+              <a:buFont typeface="Arial" panose="020B0604020202020204" pitchFamily="34" charset="0"/>
+              <a:buNone/>
+              <a:defRPr sz="1500" kern="1200">
+                <a:solidFill>
+                  <a:schemeClr val="tx1">
+                    <a:tint val="75000"/>
+                  </a:schemeClr>
+                </a:solidFill>
+                <a:latin typeface="+mn-lt"/>
+                <a:ea typeface="+mn-ea"/>
+                <a:cs typeface="+mn-cs"/>
+              </a:defRPr>
+            </a:lvl2pPr>
+            <a:lvl3pPr marL="685800" indent="0" algn="l" defTabSz="685800" rtl="0" eaLnBrk="1" latinLnBrk="0" hangingPunct="1">
+              <a:lnSpc>
+                <a:spcPct val="90000"/>
+              </a:lnSpc>
+              <a:spcBef>
+                <a:spcPts val="375"/>
+              </a:spcBef>
+              <a:buFont typeface="Arial" panose="020B0604020202020204" pitchFamily="34" charset="0"/>
+              <a:buNone/>
+              <a:defRPr sz="1350" kern="1200">
+                <a:solidFill>
+                  <a:schemeClr val="tx1">
+                    <a:tint val="75000"/>
+                  </a:schemeClr>
+                </a:solidFill>
+                <a:latin typeface="+mn-lt"/>
+                <a:ea typeface="+mn-ea"/>
+                <a:cs typeface="+mn-cs"/>
+              </a:defRPr>
+            </a:lvl3pPr>
+            <a:lvl4pPr marL="1028700" indent="0" algn="l" defTabSz="685800" rtl="0" eaLnBrk="1" latinLnBrk="0" hangingPunct="1">
+              <a:lnSpc>
+                <a:spcPct val="90000"/>
+              </a:lnSpc>
+              <a:spcBef>
+                <a:spcPts val="375"/>
+              </a:spcBef>
+              <a:buFont typeface="Arial" panose="020B0604020202020204" pitchFamily="34" charset="0"/>
+              <a:buNone/>
+              <a:defRPr sz="1200" kern="1200">
+                <a:solidFill>
+                  <a:schemeClr val="tx1">
+                    <a:tint val="75000"/>
+                  </a:schemeClr>
+                </a:solidFill>
+                <a:latin typeface="+mn-lt"/>
+                <a:ea typeface="+mn-ea"/>
+                <a:cs typeface="+mn-cs"/>
+              </a:defRPr>
+            </a:lvl4pPr>
+            <a:lvl5pPr marL="1371600" indent="0" algn="l" defTabSz="685800" rtl="0" eaLnBrk="1" latinLnBrk="0" hangingPunct="1">
+              <a:lnSpc>
+                <a:spcPct val="90000"/>
+              </a:lnSpc>
+              <a:spcBef>
+                <a:spcPts val="375"/>
+              </a:spcBef>
+              <a:buFont typeface="Arial" panose="020B0604020202020204" pitchFamily="34" charset="0"/>
+              <a:buNone/>
+              <a:defRPr sz="1200" kern="1200">
+                <a:solidFill>
+                  <a:schemeClr val="tx1">
+                    <a:tint val="75000"/>
+                  </a:schemeClr>
+                </a:solidFill>
+                <a:latin typeface="+mn-lt"/>
+                <a:ea typeface="+mn-ea"/>
+                <a:cs typeface="+mn-cs"/>
+              </a:defRPr>
+            </a:lvl5pPr>
+            <a:lvl6pPr marL="1714500" indent="0" algn="l" defTabSz="685800" rtl="0" eaLnBrk="1" latinLnBrk="0" hangingPunct="1">
+              <a:lnSpc>
+                <a:spcPct val="90000"/>
+              </a:lnSpc>
+              <a:spcBef>
+                <a:spcPts val="375"/>
+              </a:spcBef>
+              <a:buFont typeface="Arial" panose="020B0604020202020204" pitchFamily="34" charset="0"/>
+              <a:buNone/>
+              <a:defRPr sz="1200" kern="1200">
+                <a:solidFill>
+                  <a:schemeClr val="tx1">
+                    <a:tint val="75000"/>
+                  </a:schemeClr>
+                </a:solidFill>
+                <a:latin typeface="+mn-lt"/>
+                <a:ea typeface="+mn-ea"/>
+                <a:cs typeface="+mn-cs"/>
+              </a:defRPr>
+            </a:lvl6pPr>
+            <a:lvl7pPr marL="2057400" indent="0" algn="l" defTabSz="685800" rtl="0" eaLnBrk="1" latinLnBrk="0" hangingPunct="1">
+              <a:lnSpc>
+                <a:spcPct val="90000"/>
+              </a:lnSpc>
+              <a:spcBef>
+                <a:spcPts val="375"/>
+              </a:spcBef>
+              <a:buFont typeface="Arial" panose="020B0604020202020204" pitchFamily="34" charset="0"/>
+              <a:buNone/>
+              <a:defRPr sz="1200" kern="1200">
+                <a:solidFill>
+                  <a:schemeClr val="tx1">
+                    <a:tint val="75000"/>
+                  </a:schemeClr>
+                </a:solidFill>
+                <a:latin typeface="+mn-lt"/>
+                <a:ea typeface="+mn-ea"/>
+                <a:cs typeface="+mn-cs"/>
+              </a:defRPr>
+            </a:lvl7pPr>
+            <a:lvl8pPr marL="2400300" indent="0" algn="l" defTabSz="685800" rtl="0" eaLnBrk="1" latinLnBrk="0" hangingPunct="1">
+              <a:lnSpc>
+                <a:spcPct val="90000"/>
+              </a:lnSpc>
+              <a:spcBef>
+                <a:spcPts val="375"/>
+              </a:spcBef>
+              <a:buFont typeface="Arial" panose="020B0604020202020204" pitchFamily="34" charset="0"/>
+              <a:buNone/>
+              <a:defRPr sz="1200" kern="1200">
+                <a:solidFill>
+                  <a:schemeClr val="tx1">
+                    <a:tint val="75000"/>
+                  </a:schemeClr>
+                </a:solidFill>
+                <a:latin typeface="+mn-lt"/>
+                <a:ea typeface="+mn-ea"/>
+                <a:cs typeface="+mn-cs"/>
+              </a:defRPr>
+            </a:lvl8pPr>
+            <a:lvl9pPr marL="2743200" indent="0" algn="l" defTabSz="685800" rtl="0" eaLnBrk="1" latinLnBrk="0" hangingPunct="1">
+              <a:lnSpc>
+                <a:spcPct val="90000"/>
+              </a:lnSpc>
+              <a:spcBef>
+                <a:spcPts val="375"/>
+              </a:spcBef>
+              <a:buFont typeface="Arial" panose="020B0604020202020204" pitchFamily="34" charset="0"/>
+              <a:buNone/>
+              <a:defRPr sz="1200" kern="1200">
+                <a:solidFill>
+                  <a:schemeClr val="tx1">
+                    <a:tint val="75000"/>
+                  </a:schemeClr>
+                </a:solidFill>
+                <a:latin typeface="+mn-lt"/>
+                <a:ea typeface="+mn-ea"/>
+                <a:cs typeface="+mn-cs"/>
+              </a:defRPr>
+            </a:lvl9pPr>
+          </a:lstStyle>
+          <a:p>
+            <a:pPr marL="685800" lvl="1" indent="-342900">
+              <a:buFont typeface="Arial" panose="020B0604020202020204" pitchFamily="34" charset="0"/>
+              <a:buChar char="•"/>
+            </a:pPr>
+            <a:r>
+              <a:rPr lang="fr-FR" sz="2400" dirty="0">
+                <a:solidFill>
+                  <a:schemeClr val="tx1"/>
+                </a:solidFill>
+              </a:rPr>
+              <a:t> Création d’un package python</a:t>
+            </a:r>
+          </a:p>
+          <a:p>
+            <a:pPr marL="685800" lvl="1" indent="-342900">
+              <a:buFontTx/>
+              <a:buChar char="-"/>
+            </a:pPr>
+            <a:endParaRPr lang="fr-FR" sz="2400" dirty="0">
+              <a:solidFill>
+                <a:schemeClr val="tx1"/>
+              </a:solidFill>
+            </a:endParaRPr>
+          </a:p>
+          <a:p>
+            <a:pPr marL="800100" lvl="1" indent="-457200">
+              <a:buFont typeface="Arial" panose="020B0604020202020204" pitchFamily="34" charset="0"/>
+              <a:buChar char="•"/>
+            </a:pPr>
+            <a:r>
+              <a:rPr lang="fr-FR" sz="2400" dirty="0">
+                <a:solidFill>
+                  <a:schemeClr val="tx1"/>
+                </a:solidFill>
+              </a:rPr>
+              <a:t>Plus d’informations disponibles sur le dépôt git</a:t>
+            </a:r>
+          </a:p>
+          <a:p>
+            <a:pPr lvl="1"/>
+            <a:endParaRPr lang="fr-FR" sz="2400" dirty="0">
+              <a:solidFill>
+                <a:schemeClr val="tx1"/>
+              </a:solidFill>
+            </a:endParaRPr>
+          </a:p>
+          <a:p>
+            <a:pPr marL="800100" lvl="1" indent="-457200">
+              <a:buFont typeface="Arial" panose="020B0604020202020204" pitchFamily="34" charset="0"/>
+              <a:buChar char="•"/>
+            </a:pPr>
+            <a:r>
+              <a:rPr lang="fr-FR" sz="2400" dirty="0">
+                <a:solidFill>
+                  <a:schemeClr val="tx1"/>
+                </a:solidFill>
+              </a:rPr>
+              <a:t>Pour aller plus loin : problème à 4 corps, 5 corps, etc…</a:t>
+            </a:r>
+          </a:p>
+          <a:p>
+            <a:pPr marL="800100" lvl="1" indent="-457200">
+              <a:buFont typeface="Arial" panose="020B0604020202020204" pitchFamily="34" charset="0"/>
+              <a:buChar char="•"/>
+            </a:pPr>
+            <a:endParaRPr lang="fr-FR" sz="2400" dirty="0">
+              <a:solidFill>
+                <a:schemeClr val="tx1"/>
+              </a:solidFill>
+            </a:endParaRPr>
+          </a:p>
+        </p:txBody>
+      </p:sp>
+    </p:spTree>
+    <p:extLst>
+      <p:ext uri="{BB962C8B-B14F-4D97-AF65-F5344CB8AC3E}">
+        <p14:creationId xmlns:p14="http://schemas.microsoft.com/office/powerpoint/2010/main" val="1682165025"/>
+      </p:ext>
+    </p:extLst>
+  </p:cSld>
+  <p:clrMapOvr>
+    <a:masterClrMapping/>
+  </p:clrMapOvr>
+</p:sld>
+</file>
+
+<file path=ppt/slides/slide14.xml><?xml version="1.0" encoding="utf-8"?>
+<p:sld xmlns:a="http://schemas.openxmlformats.org/drawingml/2006/main" xmlns:r="http://schemas.openxmlformats.org/officeDocument/2006/relationships" xmlns:p="http://schemas.openxmlformats.org/presentationml/2006/main">
+  <p:cSld>
+    <p:bg>
+      <p:bgPr>
+        <a:solidFill>
+          <a:schemeClr val="bg1"/>
+        </a:solidFill>
+        <a:effectLst/>
+      </p:bgPr>
+    </p:bg>
+    <p:spTree>
+      <p:nvGrpSpPr>
+        <p:cNvPr id="1" name=""/>
+        <p:cNvGrpSpPr/>
+        <p:nvPr/>
+      </p:nvGrpSpPr>
+      <p:grpSpPr>
+        <a:xfrm>
+          <a:off x="0" y="0"/>
+          <a:ext cx="0" cy="0"/>
+          <a:chOff x="0" y="0"/>
+          <a:chExt cx="0" cy="0"/>
+        </a:xfrm>
+      </p:grpSpPr>
+      <p:sp useBgFill="1">
+        <p:nvSpPr>
+          <p:cNvPr id="47" name="Rectangle 35">
+            <a:extLst>
+              <a:ext uri="{FF2B5EF4-FFF2-40B4-BE49-F238E27FC236}">
+                <a16:creationId xmlns:a16="http://schemas.microsoft.com/office/drawing/2014/main" id="{33ADEAE5-B080-4DEC-819A-00E41A93F881}"/>
+              </a:ext>
+              <a:ext uri="{C183D7F6-B498-43B3-948B-1728B52AA6E4}">
+                <adec:decorative xmlns:adec="http://schemas.microsoft.com/office/drawing/2017/decorative" val="1"/>
+              </a:ext>
+            </a:extLst>
+          </p:cNvPr>
+          <p:cNvSpPr>
+            <a:spLocks noGrp="1" noRot="1" noChangeAspect="1" noMove="1" noResize="1" noEditPoints="1" noAdjustHandles="1" noChangeArrowheads="1" noChangeShapeType="1" noTextEdit="1"/>
+          </p:cNvSpPr>
+          <p:nvPr>
+            <p:extLst>
+              <p:ext uri="{386F3935-93C4-4BCD-93E2-E3B085C9AB24}">
+                <p16:designElem xmlns:p16="http://schemas.microsoft.com/office/powerpoint/2015/main" val="1"/>
+              </p:ext>
+            </p:extLst>
+          </p:nvPr>
+        </p:nvSpPr>
+        <p:spPr>
+          <a:xfrm>
+            <a:off x="0" y="0"/>
+            <a:ext cx="9144000" cy="6858000"/>
+          </a:xfrm>
+          <a:prstGeom prst="rect">
+            <a:avLst/>
+          </a:prstGeom>
+          <a:ln>
+            <a:noFill/>
+          </a:ln>
+        </p:spPr>
+        <p:style>
+          <a:lnRef idx="2">
+            <a:schemeClr val="accent1">
+              <a:shade val="50000"/>
+            </a:schemeClr>
+          </a:lnRef>
+          <a:fillRef idx="1">
+            <a:schemeClr val="accent1"/>
+          </a:fillRef>
+          <a:effectRef idx="0">
+            <a:schemeClr val="accent1"/>
+          </a:effectRef>
+          <a:fontRef idx="minor">
+            <a:schemeClr val="lt1"/>
+          </a:fontRef>
+        </p:style>
+        <p:txBody>
+          <a:bodyPr rtlCol="0" anchor="ctr"/>
+          <a:lstStyle/>
+          <a:p>
+            <a:pPr algn="ctr"/>
+            <a:endParaRPr lang="en-US"/>
+          </a:p>
+        </p:txBody>
+      </p:sp>
+      <p:sp>
+        <p:nvSpPr>
+          <p:cNvPr id="48" name="Rectangle 37">
+            <a:extLst>
+              <a:ext uri="{FF2B5EF4-FFF2-40B4-BE49-F238E27FC236}">
+                <a16:creationId xmlns:a16="http://schemas.microsoft.com/office/drawing/2014/main" id="{D9FB580A-BA0E-4D5E-90F4-C42767A78389}"/>
+              </a:ext>
+              <a:ext uri="{C183D7F6-B498-43B3-948B-1728B52AA6E4}">
+                <adec:decorative xmlns:adec="http://schemas.microsoft.com/office/drawing/2017/decorative" val="1"/>
+              </a:ext>
+            </a:extLst>
+          </p:cNvPr>
+          <p:cNvSpPr>
+            <a:spLocks noGrp="1" noRot="1" noChangeAspect="1" noMove="1" noResize="1" noEditPoints="1" noAdjustHandles="1" noChangeArrowheads="1" noChangeShapeType="1" noTextEdit="1"/>
+          </p:cNvSpPr>
+          <p:nvPr>
+            <p:extLst>
+              <p:ext uri="{386F3935-93C4-4BCD-93E2-E3B085C9AB24}">
+                <p16:designElem xmlns:p16="http://schemas.microsoft.com/office/powerpoint/2015/main" val="1"/>
+              </p:ext>
+            </p:extLst>
+          </p:nvPr>
+        </p:nvSpPr>
+        <p:spPr>
+          <a:xfrm>
+            <a:off x="0" y="0"/>
+            <a:ext cx="9144000" cy="6858000"/>
+          </a:xfrm>
+          <a:prstGeom prst="rect">
+            <a:avLst/>
+          </a:prstGeom>
+          <a:gradFill flip="none" rotWithShape="1">
+            <a:gsLst>
+              <a:gs pos="0">
+                <a:schemeClr val="accent1"/>
+              </a:gs>
+              <a:gs pos="100000">
+                <a:schemeClr val="accent2"/>
+              </a:gs>
+            </a:gsLst>
+            <a:lin ang="18900000" scaled="0"/>
+            <a:tileRect/>
+          </a:gradFill>
+          <a:ln>
+            <a:noFill/>
+          </a:ln>
+        </p:spPr>
+        <p:style>
+          <a:lnRef idx="2">
+            <a:schemeClr val="accent1">
+              <a:shade val="50000"/>
+            </a:schemeClr>
+          </a:lnRef>
+          <a:fillRef idx="1">
+            <a:schemeClr val="accent1"/>
+          </a:fillRef>
+          <a:effectRef idx="0">
+            <a:schemeClr val="accent1"/>
+          </a:effectRef>
+          <a:fontRef idx="minor">
+            <a:schemeClr val="lt1"/>
+          </a:fontRef>
+        </p:style>
+        <p:txBody>
+          <a:bodyPr rtlCol="0" anchor="ctr"/>
+          <a:lstStyle/>
+          <a:p>
+            <a:pPr algn="ctr"/>
+            <a:endParaRPr lang="en-US">
+              <a:solidFill>
+                <a:srgbClr val="FFFFFF"/>
+              </a:solidFill>
+            </a:endParaRPr>
+          </a:p>
+        </p:txBody>
+      </p:sp>
       <p:pic>
         <p:nvPicPr>
           <p:cNvPr id="3" name="Three_body">
@@ -5546,8 +6391,8 @@
         </p:blipFill>
         <p:spPr>
           <a:xfrm>
-            <a:off x="2528519" y="1385519"/>
-            <a:ext cx="4086962" cy="4086962"/>
+            <a:off x="2272927" y="1129927"/>
+            <a:ext cx="4598145" cy="4598145"/>
           </a:xfrm>
           <a:prstGeom prst="rect">
             <a:avLst/>
@@ -5855,7 +6700,7 @@
           <a:p>
             <a:pPr marL="0" lvl="0" indent="0" defTabSz="914400"/>
             <a:r>
-              <a:rPr lang="en-US" sz="4200" b="1" kern="1200" dirty="0">
+              <a:rPr lang="en-US" sz="4400" b="1" kern="1200" dirty="0">
                 <a:solidFill>
                   <a:schemeClr val="tx1"/>
                 </a:solidFill>
@@ -6331,7 +7176,7 @@
               <a:buNone/>
             </a:pPr>
             <a:r>
-              <a:rPr lang="fr-FR" sz="3500" b="1" dirty="0"/>
+              <a:rPr lang="fr-FR" sz="4000" b="1" dirty="0"/>
               <a:t>Présentation du problème</a:t>
             </a:r>
           </a:p>
@@ -6350,7 +7195,7 @@
         <p:spPr>
           <a:xfrm>
             <a:off x="619861" y="1571061"/>
-            <a:ext cx="3546519" cy="4743174"/>
+            <a:ext cx="5564123" cy="4743174"/>
           </a:xfrm>
         </p:spPr>
         <p:txBody>
@@ -6361,18 +7206,49 @@
           <a:p>
             <a:pPr lvl="1"/>
             <a:r>
-              <a:rPr lang="fr-FR" sz="2000" dirty="0"/>
+              <a:rPr lang="fr-FR" sz="2400" dirty="0"/>
               <a:t>Approche historique</a:t>
             </a:r>
-            <a:br>
-              <a:rPr lang="fr-FR" sz="2000" dirty="0"/>
-            </a:br>
-            <a:endParaRPr lang="fr-FR" sz="2000" dirty="0"/>
+          </a:p>
+          <a:p>
+            <a:pPr marL="342900" lvl="1" indent="0">
+              <a:buNone/>
+            </a:pPr>
+            <a:endParaRPr lang="fr-FR" sz="2400" dirty="0"/>
           </a:p>
           <a:p>
             <a:pPr lvl="1"/>
             <a:r>
-              <a:rPr lang="fr-FR" sz="2000" dirty="0"/>
+              <a:rPr lang="fr-FR" sz="2400" dirty="0"/>
+              <a:t>Approche physique</a:t>
+            </a:r>
+          </a:p>
+          <a:p>
+            <a:pPr marL="342900" lvl="1" indent="0">
+              <a:buNone/>
+            </a:pPr>
+            <a:r>
+              <a:rPr lang="fr-FR" sz="2400" dirty="0"/>
+              <a:t>	- Problème à n corps</a:t>
+            </a:r>
+          </a:p>
+          <a:p>
+            <a:pPr marL="342900" lvl="1" indent="0">
+              <a:buNone/>
+            </a:pPr>
+            <a:r>
+              <a:rPr lang="fr-FR" sz="2400" dirty="0"/>
+              <a:t>	- Problème à 2 puis 3 corps</a:t>
+            </a:r>
+            <a:br>
+              <a:rPr lang="fr-FR" sz="2400" dirty="0"/>
+            </a:br>
+            <a:endParaRPr lang="fr-FR" sz="2400" dirty="0"/>
+          </a:p>
+          <a:p>
+            <a:pPr lvl="1"/>
+            <a:r>
+              <a:rPr lang="fr-FR" sz="2400" dirty="0"/>
               <a:t>Approche mathématiques</a:t>
             </a:r>
           </a:p>
@@ -6689,7 +7565,7 @@
               <a:buNone/>
             </a:pPr>
             <a:r>
-              <a:rPr lang="fr-FR" sz="3500" b="1" dirty="0"/>
+              <a:rPr lang="fr-FR" sz="4000" b="1" dirty="0"/>
               <a:t>Plan</a:t>
             </a:r>
           </a:p>
@@ -6707,8 +7583,8 @@
         </p:nvSpPr>
         <p:spPr>
           <a:xfrm>
-            <a:off x="619861" y="1571061"/>
-            <a:ext cx="3848444" cy="4743174"/>
+            <a:off x="619861" y="1475761"/>
+            <a:ext cx="8352148" cy="4743174"/>
           </a:xfrm>
         </p:spPr>
         <p:txBody>
@@ -6719,29 +7595,115 @@
           <a:p>
             <a:pPr lvl="1"/>
             <a:r>
-              <a:rPr lang="fr-FR" sz="2000" dirty="0"/>
+              <a:rPr lang="fr-FR" sz="2400" dirty="0"/>
               <a:t>Résolutions mathématiques</a:t>
             </a:r>
+          </a:p>
+          <a:p>
+            <a:pPr marL="342900" lvl="1" indent="0">
+              <a:buNone/>
+            </a:pPr>
+            <a:r>
+              <a:rPr lang="fr-FR" sz="2400" dirty="0"/>
+              <a:t>	- Première approche : Alpha </a:t>
+            </a:r>
+            <a:r>
+              <a:rPr lang="fr-FR" sz="2400" dirty="0" err="1"/>
+              <a:t>Centauri</a:t>
+            </a:r>
+            <a:r>
+              <a:rPr lang="fr-FR" sz="2400" dirty="0"/>
+              <a:t> A et Alpha </a:t>
+            </a:r>
+            <a:r>
+              <a:rPr lang="fr-FR" sz="2400" dirty="0" err="1"/>
+              <a:t>Centauri</a:t>
+            </a:r>
+            <a:r>
+              <a:rPr lang="fr-FR" sz="2400" dirty="0"/>
+              <a:t> B</a:t>
+            </a:r>
+          </a:p>
+          <a:p>
+            <a:pPr marL="342900" lvl="1" indent="0">
+              <a:buNone/>
+            </a:pPr>
+            <a:r>
+              <a:rPr lang="fr-FR" sz="2400" dirty="0"/>
+              <a:t>	- Problème à 3 corps </a:t>
+            </a:r>
             <a:br>
-              <a:rPr lang="fr-FR" sz="2000" dirty="0"/>
+              <a:rPr lang="fr-FR" sz="2400" dirty="0"/>
             </a:br>
-            <a:endParaRPr lang="fr-FR" sz="2000" dirty="0"/>
+            <a:endParaRPr lang="fr-FR" sz="2400" dirty="0"/>
           </a:p>
           <a:p>
             <a:pPr lvl="1"/>
             <a:r>
-              <a:rPr lang="fr-FR" sz="2000" dirty="0"/>
+              <a:rPr lang="fr-FR" sz="2400" dirty="0"/>
               <a:t>Visualisation</a:t>
             </a:r>
           </a:p>
           <a:p>
+            <a:pPr marL="342900" lvl="1" indent="0">
+              <a:buNone/>
+            </a:pPr>
+            <a:r>
+              <a:rPr lang="fr-FR" sz="2400" dirty="0"/>
+              <a:t>	- Alpha </a:t>
+            </a:r>
+            <a:r>
+              <a:rPr lang="fr-FR" sz="2400" dirty="0" err="1"/>
+              <a:t>Centauri</a:t>
+            </a:r>
+            <a:r>
+              <a:rPr lang="fr-FR" sz="2400" dirty="0"/>
+              <a:t> A et Alpha </a:t>
+            </a:r>
+            <a:r>
+              <a:rPr lang="fr-FR" sz="2400" dirty="0" err="1"/>
+              <a:t>Centauri</a:t>
+            </a:r>
+            <a:r>
+              <a:rPr lang="fr-FR" sz="2400" dirty="0"/>
+              <a:t> B </a:t>
+            </a:r>
+          </a:p>
+          <a:p>
+            <a:pPr marL="342900" lvl="1" indent="0">
+              <a:buNone/>
+            </a:pPr>
+            <a:r>
+              <a:rPr lang="fr-FR" sz="2400" dirty="0"/>
+              <a:t>	- Trajectoire de la Terre autour du soleil</a:t>
+            </a:r>
+          </a:p>
+          <a:p>
+            <a:pPr marL="342900" lvl="1" indent="0">
+              <a:buNone/>
+            </a:pPr>
+            <a:r>
+              <a:rPr lang="fr-FR" sz="2400" dirty="0"/>
+              <a:t>	- Trajectoire de Mars autour du soleil </a:t>
+            </a:r>
+          </a:p>
+          <a:p>
+            <a:pPr marL="342900" lvl="1" indent="0">
+              <a:buNone/>
+            </a:pPr>
+            <a:r>
+              <a:rPr lang="fr-FR" sz="2400" dirty="0"/>
+              <a:t>	- Problème à 3 corps</a:t>
+            </a:r>
+          </a:p>
+          <a:p>
             <a:pPr lvl="1"/>
-            <a:endParaRPr lang="fr-FR" sz="2000" dirty="0"/>
+            <a:endParaRPr lang="fr-FR" sz="2400" dirty="0"/>
           </a:p>
           <a:p>
             <a:pPr lvl="1"/>
             <a:r>
-              <a:rPr lang="fr-FR" sz="2000" dirty="0"/>
+              <a:rPr lang="fr-FR" sz="2400" dirty="0"/>
               <a:t>Conclusion</a:t>
             </a:r>
           </a:p>
@@ -7475,7 +8437,7 @@
           <a:p>
             <a:pPr marL="0" lvl="0" indent="0" defTabSz="914400"/>
             <a:r>
-              <a:rPr lang="en-US" sz="4200" b="1" kern="1200" dirty="0" err="1">
+              <a:rPr lang="en-US" sz="4400" b="1" kern="1200" dirty="0" err="1">
                 <a:solidFill>
                   <a:srgbClr val="FFFFFF"/>
                 </a:solidFill>
@@ -7486,7 +8448,7 @@
               <a:t>Résolutions</a:t>
             </a:r>
             <a:r>
-              <a:rPr lang="en-US" sz="4200" b="1" kern="1200" dirty="0">
+              <a:rPr lang="en-US" sz="4400" b="1" kern="1200" dirty="0">
                 <a:solidFill>
                   <a:srgbClr val="FFFFFF"/>
                 </a:solidFill>
@@ -7497,7 +8459,7 @@
               <a:t> </a:t>
             </a:r>
             <a:r>
-              <a:rPr lang="en-US" sz="4200" b="1" kern="1200" dirty="0" err="1">
+              <a:rPr lang="en-US" sz="4400" b="1" kern="1200" dirty="0" err="1">
                 <a:solidFill>
                   <a:srgbClr val="FFFFFF"/>
                 </a:solidFill>
@@ -7507,7 +8469,7 @@
               </a:rPr>
               <a:t>mathématiques</a:t>
             </a:r>
-            <a:endParaRPr lang="en-US" sz="4200" b="1" kern="1200" dirty="0">
+            <a:endParaRPr lang="en-US" sz="4400" b="1" kern="1200" dirty="0">
               <a:solidFill>
                 <a:srgbClr val="FFFFFF"/>
               </a:solidFill>
@@ -7583,10 +8545,10 @@
       </p:grpSpPr>
       <p:sp useBgFill="1">
         <p:nvSpPr>
-          <p:cNvPr id="15" name="Rectangle 14">
-            <a:extLst>
-              <a:ext uri="{FF2B5EF4-FFF2-40B4-BE49-F238E27FC236}">
-                <a16:creationId xmlns:a16="http://schemas.microsoft.com/office/drawing/2014/main" id="{A4E37431-20F0-4DD6-84A9-ED2B644943A2}"/>
+          <p:cNvPr id="91" name="Rectangle 50">
+            <a:extLst>
+              <a:ext uri="{FF2B5EF4-FFF2-40B4-BE49-F238E27FC236}">
+                <a16:creationId xmlns:a16="http://schemas.microsoft.com/office/drawing/2014/main" id="{979E27D9-03C7-44E2-9FF8-15D0C8506AF7}"/>
               </a:ext>
               <a:ext uri="{C183D7F6-B498-43B3-948B-1728B52AA6E4}">
                 <adec:decorative xmlns:adec="http://schemas.microsoft.com/office/drawing/2017/decorative" val="1"/>
@@ -7657,12 +8619,95 @@
           </a:p>
         </p:txBody>
       </p:sp>
+      <p:pic>
+        <p:nvPicPr>
+          <p:cNvPr id="4" name="Image 3">
+            <a:extLst>
+              <a:ext uri="{FF2B5EF4-FFF2-40B4-BE49-F238E27FC236}">
+                <a16:creationId xmlns:a16="http://schemas.microsoft.com/office/drawing/2014/main" id="{75CD7126-81CB-4F9E-971B-55D6AA480B84}"/>
+              </a:ext>
+            </a:extLst>
+          </p:cNvPr>
+          <p:cNvPicPr>
+            <a:picLocks noChangeAspect="1"/>
+          </p:cNvPicPr>
+          <p:nvPr/>
+        </p:nvPicPr>
+        <p:blipFill>
+          <a:blip r:embed="rId2"/>
+          <a:stretch>
+            <a:fillRect/>
+          </a:stretch>
+        </p:blipFill>
+        <p:spPr>
+          <a:xfrm>
+            <a:off x="0" y="-427"/>
+            <a:ext cx="9144000" cy="6400799"/>
+          </a:xfrm>
+          <a:prstGeom prst="rect">
+            <a:avLst/>
+          </a:prstGeom>
+        </p:spPr>
+      </p:pic>
       <p:sp>
         <p:nvSpPr>
-          <p:cNvPr id="17" name="Rectangle 16">
-            <a:extLst>
-              <a:ext uri="{FF2B5EF4-FFF2-40B4-BE49-F238E27FC236}">
-                <a16:creationId xmlns:a16="http://schemas.microsoft.com/office/drawing/2014/main" id="{0AE98B72-66C6-4AB4-AF0D-BA830DE86393}"/>
+          <p:cNvPr id="2" name="Title 1"/>
+          <p:cNvSpPr>
+            <a:spLocks noGrp="1"/>
+          </p:cNvSpPr>
+          <p:nvPr>
+            <p:ph type="title"/>
+          </p:nvPr>
+        </p:nvSpPr>
+        <p:spPr>
+          <a:xfrm>
+            <a:off x="619861" y="641655"/>
+            <a:ext cx="8118786" cy="1152660"/>
+          </a:xfrm>
+        </p:spPr>
+        <p:txBody>
+          <a:bodyPr anchor="t">
+            <a:noAutofit/>
+          </a:bodyPr>
+          <a:lstStyle/>
+          <a:p>
+            <a:pPr marL="0" lvl="0" indent="0">
+              <a:buNone/>
+            </a:pPr>
+            <a:r>
+              <a:rPr lang="en-US" sz="4000" b="1" kern="1200" dirty="0">
+                <a:latin typeface="+mj-lt"/>
+                <a:ea typeface="+mj-ea"/>
+                <a:cs typeface="+mj-cs"/>
+              </a:rPr>
+              <a:t>Première </a:t>
+            </a:r>
+            <a:r>
+              <a:rPr lang="en-US" sz="4000" b="1" kern="1200" dirty="0" err="1">
+                <a:latin typeface="+mj-lt"/>
+                <a:ea typeface="+mj-ea"/>
+                <a:cs typeface="+mj-cs"/>
+              </a:rPr>
+              <a:t>approche</a:t>
+            </a:r>
+            <a:r>
+              <a:rPr lang="en-US" sz="4000" b="1" kern="1200" dirty="0">
+                <a:latin typeface="+mj-lt"/>
+                <a:ea typeface="+mj-ea"/>
+                <a:cs typeface="+mj-cs"/>
+              </a:rPr>
+              <a:t> : Alpha Centauri A et Alpha Centauri B</a:t>
+            </a:r>
+            <a:endParaRPr lang="fr-FR" sz="4000" b="1" dirty="0"/>
+          </a:p>
+        </p:txBody>
+      </p:sp>
+      <p:sp>
+        <p:nvSpPr>
+          <p:cNvPr id="92" name="Rectangle 52">
+            <a:extLst>
+              <a:ext uri="{FF2B5EF4-FFF2-40B4-BE49-F238E27FC236}">
+                <a16:creationId xmlns:a16="http://schemas.microsoft.com/office/drawing/2014/main" id="{EEBF1590-3B36-48EE-A89D-3B6F3CB256AB}"/>
               </a:ext>
               <a:ext uri="{C183D7F6-B498-43B3-948B-1728B52AA6E4}">
                 <adec:decorative xmlns:adec="http://schemas.microsoft.com/office/drawing/2017/decorative" val="1"/>
@@ -7681,17 +8726,90 @@
           </p:nvPr>
         </p:nvSpPr>
         <p:spPr>
-          <a:xfrm rot="5400000" flipH="1">
-            <a:off x="-1336136" y="1336710"/>
-            <a:ext cx="6858000" cy="4184580"/>
+          <a:xfrm rot="10800000" flipH="1">
+            <a:off x="0" y="6400799"/>
+            <a:ext cx="9144000" cy="456773"/>
           </a:xfrm>
           <a:prstGeom prst="rect">
             <a:avLst/>
           </a:prstGeom>
           <a:gradFill>
             <a:gsLst>
-              <a:gs pos="8000">
+              <a:gs pos="0">
+                <a:schemeClr val="accent1"/>
+              </a:gs>
+              <a:gs pos="78000">
                 <a:srgbClr val="000000"/>
+              </a:gs>
+            </a:gsLst>
+            <a:lin ang="7200000" scaled="0"/>
+          </a:gradFill>
+          <a:ln>
+            <a:noFill/>
+          </a:ln>
+        </p:spPr>
+        <p:style>
+          <a:lnRef idx="2">
+            <a:schemeClr val="accent1">
+              <a:shade val="50000"/>
+            </a:schemeClr>
+          </a:lnRef>
+          <a:fillRef idx="1">
+            <a:schemeClr val="accent1"/>
+          </a:fillRef>
+          <a:effectRef idx="0">
+            <a:schemeClr val="accent1"/>
+          </a:effectRef>
+          <a:fontRef idx="minor">
+            <a:schemeClr val="lt1"/>
+          </a:fontRef>
+        </p:style>
+        <p:txBody>
+          <a:bodyPr rtlCol="0" anchor="ctr"/>
+          <a:lstStyle/>
+          <a:p>
+            <a:pPr algn="ctr"/>
+            <a:endParaRPr lang="en-US"/>
+          </a:p>
+        </p:txBody>
+      </p:sp>
+      <p:sp>
+        <p:nvSpPr>
+          <p:cNvPr id="93" name="Rectangle 54">
+            <a:extLst>
+              <a:ext uri="{FF2B5EF4-FFF2-40B4-BE49-F238E27FC236}">
+                <a16:creationId xmlns:a16="http://schemas.microsoft.com/office/drawing/2014/main" id="{AC8F6C8C-AB5A-4548-942D-E3FD40ACBC49}"/>
+              </a:ext>
+              <a:ext uri="{C183D7F6-B498-43B3-948B-1728B52AA6E4}">
+                <adec:decorative xmlns:adec="http://schemas.microsoft.com/office/drawing/2017/decorative" val="1"/>
+              </a:ext>
+            </a:extLst>
+          </p:cNvPr>
+          <p:cNvSpPr>
+            <a:spLocks noGrp="1" noRot="1" noChangeAspect="1" noMove="1" noResize="1" noEditPoints="1" noAdjustHandles="1" noChangeArrowheads="1" noChangeShapeType="1" noTextEdit="1"/>
+          </p:cNvSpPr>
+          <p:nvPr>
+            <p:extLst>
+              <p:ext uri="{386F3935-93C4-4BCD-93E2-E3B085C9AB24}">
+                <p16:designElem xmlns:p16="http://schemas.microsoft.com/office/powerpoint/2015/main" val="1"/>
+              </p:ext>
+            </p:extLst>
+          </p:nvPr>
+        </p:nvSpPr>
+        <p:spPr>
+          <a:xfrm flipH="1">
+            <a:off x="0" y="6400800"/>
+            <a:ext cx="6115048" cy="456772"/>
+          </a:xfrm>
+          <a:prstGeom prst="rect">
+            <a:avLst/>
+          </a:prstGeom>
+          <a:gradFill>
+            <a:gsLst>
+              <a:gs pos="0">
+                <a:srgbClr val="000000">
+                  <a:alpha val="28000"/>
+                </a:srgbClr>
               </a:gs>
               <a:gs pos="100000">
                 <a:schemeClr val="accent1">
@@ -7730,408 +8848,14 @@
           </a:p>
         </p:txBody>
       </p:sp>
-      <p:sp>
-        <p:nvSpPr>
-          <p:cNvPr id="19" name="Rectangle 18">
-            <a:extLst>
-              <a:ext uri="{FF2B5EF4-FFF2-40B4-BE49-F238E27FC236}">
-                <a16:creationId xmlns:a16="http://schemas.microsoft.com/office/drawing/2014/main" id="{407EAFC6-733F-403D-BB4D-05A3A28742F1}"/>
-              </a:ext>
-              <a:ext uri="{C183D7F6-B498-43B3-948B-1728B52AA6E4}">
-                <adec:decorative xmlns:adec="http://schemas.microsoft.com/office/drawing/2017/decorative" val="1"/>
-              </a:ext>
-            </a:extLst>
-          </p:cNvPr>
-          <p:cNvSpPr>
-            <a:spLocks noGrp="1" noRot="1" noChangeAspect="1" noMove="1" noResize="1" noEditPoints="1" noAdjustHandles="1" noChangeArrowheads="1" noChangeShapeType="1" noTextEdit="1"/>
-          </p:cNvSpPr>
-          <p:nvPr>
-            <p:extLst>
-              <p:ext uri="{386F3935-93C4-4BCD-93E2-E3B085C9AB24}">
-                <p16:designElem xmlns:p16="http://schemas.microsoft.com/office/powerpoint/2015/main" val="1"/>
-              </p:ext>
-            </p:extLst>
-          </p:nvPr>
-        </p:nvSpPr>
-        <p:spPr>
-          <a:xfrm rot="5400000" flipH="1">
-            <a:off x="-1088181" y="1092216"/>
-            <a:ext cx="6346209" cy="4182060"/>
-          </a:xfrm>
-          <a:prstGeom prst="rect">
-            <a:avLst/>
-          </a:prstGeom>
-          <a:gradFill>
-            <a:gsLst>
-              <a:gs pos="0">
-                <a:srgbClr val="000000">
-                  <a:alpha val="0"/>
-                </a:srgbClr>
-              </a:gs>
-              <a:gs pos="99000">
-                <a:schemeClr val="accent1">
-                  <a:alpha val="0"/>
-                </a:schemeClr>
-              </a:gs>
-            </a:gsLst>
-            <a:lin ang="1800000" scaled="0"/>
-          </a:gradFill>
-          <a:ln>
-            <a:noFill/>
-          </a:ln>
-        </p:spPr>
-        <p:style>
-          <a:lnRef idx="2">
-            <a:schemeClr val="accent1">
-              <a:shade val="50000"/>
-            </a:schemeClr>
-          </a:lnRef>
-          <a:fillRef idx="1">
-            <a:schemeClr val="accent1"/>
-          </a:fillRef>
-          <a:effectRef idx="0">
-            <a:schemeClr val="accent1"/>
-          </a:effectRef>
-          <a:fontRef idx="minor">
-            <a:schemeClr val="lt1"/>
-          </a:fontRef>
-        </p:style>
-        <p:txBody>
-          <a:bodyPr rtlCol="0" anchor="ctr"/>
-          <a:lstStyle/>
-          <a:p>
-            <a:pPr algn="ctr"/>
-            <a:endParaRPr lang="en-US"/>
-          </a:p>
-        </p:txBody>
-      </p:sp>
-      <p:sp>
-        <p:nvSpPr>
-          <p:cNvPr id="21" name="Rectangle 20">
-            <a:extLst>
-              <a:ext uri="{FF2B5EF4-FFF2-40B4-BE49-F238E27FC236}">
-                <a16:creationId xmlns:a16="http://schemas.microsoft.com/office/drawing/2014/main" id="{17A36730-4CB0-4F61-AD11-A44C9765833F}"/>
-              </a:ext>
-              <a:ext uri="{C183D7F6-B498-43B3-948B-1728B52AA6E4}">
-                <adec:decorative xmlns:adec="http://schemas.microsoft.com/office/drawing/2017/decorative" val="1"/>
-              </a:ext>
-            </a:extLst>
-          </p:cNvPr>
-          <p:cNvSpPr>
-            <a:spLocks noGrp="1" noRot="1" noChangeAspect="1" noMove="1" noResize="1" noEditPoints="1" noAdjustHandles="1" noChangeArrowheads="1" noChangeShapeType="1" noTextEdit="1"/>
-          </p:cNvSpPr>
-          <p:nvPr>
-            <p:extLst>
-              <p:ext uri="{386F3935-93C4-4BCD-93E2-E3B085C9AB24}">
-                <p16:designElem xmlns:p16="http://schemas.microsoft.com/office/powerpoint/2015/main" val="1"/>
-              </p:ext>
-            </p:extLst>
-          </p:nvPr>
-        </p:nvSpPr>
-        <p:spPr>
-          <a:xfrm rot="5400000" flipH="1">
-            <a:off x="833933" y="3515977"/>
-            <a:ext cx="2501979" cy="4182060"/>
-          </a:xfrm>
-          <a:prstGeom prst="rect">
-            <a:avLst/>
-          </a:prstGeom>
-          <a:gradFill>
-            <a:gsLst>
-              <a:gs pos="2000">
-                <a:schemeClr val="accent1">
-                  <a:alpha val="29000"/>
-                </a:schemeClr>
-              </a:gs>
-              <a:gs pos="100000">
-                <a:srgbClr val="000000">
-                  <a:alpha val="30000"/>
-                </a:srgbClr>
-              </a:gs>
-            </a:gsLst>
-            <a:lin ang="7800000" scaled="0"/>
-          </a:gradFill>
-          <a:ln>
-            <a:noFill/>
-          </a:ln>
-        </p:spPr>
-        <p:style>
-          <a:lnRef idx="2">
-            <a:schemeClr val="accent1">
-              <a:shade val="50000"/>
-            </a:schemeClr>
-          </a:lnRef>
-          <a:fillRef idx="1">
-            <a:schemeClr val="accent1"/>
-          </a:fillRef>
-          <a:effectRef idx="0">
-            <a:schemeClr val="accent1"/>
-          </a:effectRef>
-          <a:fontRef idx="minor">
-            <a:schemeClr val="lt1"/>
-          </a:fontRef>
-        </p:style>
-        <p:txBody>
-          <a:bodyPr rtlCol="0" anchor="ctr"/>
-          <a:lstStyle/>
-          <a:p>
-            <a:pPr algn="ctr"/>
-            <a:endParaRPr lang="en-US" dirty="0"/>
-          </a:p>
-        </p:txBody>
-      </p:sp>
-      <p:sp>
-        <p:nvSpPr>
-          <p:cNvPr id="23" name="Rectangle 22">
-            <a:extLst>
-              <a:ext uri="{FF2B5EF4-FFF2-40B4-BE49-F238E27FC236}">
-                <a16:creationId xmlns:a16="http://schemas.microsoft.com/office/drawing/2014/main" id="{C69C79E1-F916-4929-A4F3-DE763D4BFA57}"/>
-              </a:ext>
-              <a:ext uri="{C183D7F6-B498-43B3-948B-1728B52AA6E4}">
-                <adec:decorative xmlns:adec="http://schemas.microsoft.com/office/drawing/2017/decorative" val="1"/>
-              </a:ext>
-            </a:extLst>
-          </p:cNvPr>
-          <p:cNvSpPr>
-            <a:spLocks noGrp="1" noRot="1" noChangeAspect="1" noMove="1" noResize="1" noEditPoints="1" noAdjustHandles="1" noChangeArrowheads="1" noChangeShapeType="1" noTextEdit="1"/>
-          </p:cNvSpPr>
-          <p:nvPr>
-            <p:extLst>
-              <p:ext uri="{386F3935-93C4-4BCD-93E2-E3B085C9AB24}">
-                <p16:designElem xmlns:p16="http://schemas.microsoft.com/office/powerpoint/2015/main" val="1"/>
-              </p:ext>
-            </p:extLst>
-          </p:nvPr>
-        </p:nvSpPr>
-        <p:spPr>
-          <a:xfrm rot="5400000" flipH="1">
-            <a:off x="-1176002" y="1496845"/>
-            <a:ext cx="6858001" cy="3864309"/>
-          </a:xfrm>
-          <a:prstGeom prst="rect">
-            <a:avLst/>
-          </a:prstGeom>
-          <a:gradFill>
-            <a:gsLst>
-              <a:gs pos="0">
-                <a:srgbClr val="000000">
-                  <a:alpha val="0"/>
-                </a:srgbClr>
-              </a:gs>
-              <a:gs pos="99000">
-                <a:schemeClr val="accent1">
-                  <a:alpha val="11000"/>
-                </a:schemeClr>
-              </a:gs>
-            </a:gsLst>
-            <a:lin ang="7800000" scaled="0"/>
-          </a:gradFill>
-          <a:ln>
-            <a:noFill/>
-          </a:ln>
-        </p:spPr>
-        <p:style>
-          <a:lnRef idx="2">
-            <a:schemeClr val="accent1">
-              <a:shade val="50000"/>
-            </a:schemeClr>
-          </a:lnRef>
-          <a:fillRef idx="1">
-            <a:schemeClr val="accent1"/>
-          </a:fillRef>
-          <a:effectRef idx="0">
-            <a:schemeClr val="accent1"/>
-          </a:effectRef>
-          <a:fontRef idx="minor">
-            <a:schemeClr val="lt1"/>
-          </a:fontRef>
-        </p:style>
-        <p:txBody>
-          <a:bodyPr rtlCol="0" anchor="ctr"/>
-          <a:lstStyle/>
-          <a:p>
-            <a:pPr algn="ctr"/>
-            <a:endParaRPr lang="en-US"/>
-          </a:p>
-        </p:txBody>
-      </p:sp>
-      <p:sp>
-        <p:nvSpPr>
-          <p:cNvPr id="25" name="Oval 24">
-            <a:extLst>
-              <a:ext uri="{FF2B5EF4-FFF2-40B4-BE49-F238E27FC236}">
-                <a16:creationId xmlns:a16="http://schemas.microsoft.com/office/drawing/2014/main" id="{767334AB-16BD-4EC7-8C6B-4B5171600933}"/>
-              </a:ext>
-              <a:ext uri="{C183D7F6-B498-43B3-948B-1728B52AA6E4}">
-                <adec:decorative xmlns:adec="http://schemas.microsoft.com/office/drawing/2017/decorative" val="1"/>
-              </a:ext>
-            </a:extLst>
-          </p:cNvPr>
-          <p:cNvSpPr>
-            <a:spLocks noGrp="1" noRot="1" noChangeAspect="1" noMove="1" noResize="1" noEditPoints="1" noAdjustHandles="1" noChangeArrowheads="1" noChangeShapeType="1" noTextEdit="1"/>
-          </p:cNvSpPr>
-          <p:nvPr>
-            <p:extLst>
-              <p:ext uri="{386F3935-93C4-4BCD-93E2-E3B085C9AB24}">
-                <p16:designElem xmlns:p16="http://schemas.microsoft.com/office/powerpoint/2015/main" val="1"/>
-              </p:ext>
-            </p:extLst>
-          </p:nvPr>
-        </p:nvSpPr>
-        <p:spPr>
-          <a:xfrm rot="6097846">
-            <a:off x="74277" y="1668285"/>
-            <a:ext cx="4318303" cy="3238727"/>
-          </a:xfrm>
-          <a:prstGeom prst="ellipse">
-            <a:avLst/>
-          </a:prstGeom>
-          <a:gradFill>
-            <a:gsLst>
-              <a:gs pos="39000">
-                <a:schemeClr val="accent1">
-                  <a:alpha val="0"/>
-                </a:schemeClr>
-              </a:gs>
-              <a:gs pos="100000">
-                <a:schemeClr val="accent1">
-                  <a:lumMod val="60000"/>
-                  <a:lumOff val="40000"/>
-                  <a:alpha val="15000"/>
-                </a:schemeClr>
-              </a:gs>
-            </a:gsLst>
-            <a:lin ang="17400000" scaled="0"/>
-          </a:gradFill>
-          <a:ln>
-            <a:noFill/>
-          </a:ln>
-        </p:spPr>
-        <p:style>
-          <a:lnRef idx="2">
-            <a:schemeClr val="accent1">
-              <a:shade val="50000"/>
-            </a:schemeClr>
-          </a:lnRef>
-          <a:fillRef idx="1">
-            <a:schemeClr val="accent1"/>
-          </a:fillRef>
-          <a:effectRef idx="0">
-            <a:schemeClr val="accent1"/>
-          </a:effectRef>
-          <a:fontRef idx="minor">
-            <a:schemeClr val="lt1"/>
-          </a:fontRef>
-        </p:style>
-        <p:txBody>
-          <a:bodyPr rtlCol="0" anchor="ctr"/>
-          <a:lstStyle/>
-          <a:p>
-            <a:pPr algn="ctr"/>
-            <a:endParaRPr lang="en-US" dirty="0"/>
-          </a:p>
-        </p:txBody>
-      </p:sp>
-      <p:sp>
-        <p:nvSpPr>
-          <p:cNvPr id="2" name="Title 1"/>
-          <p:cNvSpPr>
-            <a:spLocks noGrp="1"/>
-          </p:cNvSpPr>
-          <p:nvPr>
-            <p:ph type="title"/>
-          </p:nvPr>
-        </p:nvSpPr>
-        <p:spPr>
-          <a:xfrm>
-            <a:off x="430414" y="1583702"/>
-            <a:ext cx="3309016" cy="3646145"/>
-          </a:xfrm>
-          <a:prstGeom prst="ellipse">
-            <a:avLst/>
-          </a:prstGeom>
-        </p:spPr>
-        <p:txBody>
-          <a:bodyPr vert="horz" lIns="91440" tIns="45720" rIns="91440" bIns="45720" rtlCol="0" anchor="b">
-            <a:noAutofit/>
-          </a:bodyPr>
-          <a:lstStyle/>
-          <a:p>
-            <a:pPr marL="0" lvl="0" indent="0" algn="ctr" defTabSz="914400"/>
-            <a:r>
-              <a:rPr lang="en-US" sz="3500" b="1" kern="1200" dirty="0">
-                <a:solidFill>
-                  <a:srgbClr val="FFFFFF"/>
-                </a:solidFill>
-                <a:latin typeface="+mj-lt"/>
-                <a:ea typeface="+mj-ea"/>
-                <a:cs typeface="+mj-cs"/>
-              </a:rPr>
-              <a:t>Première </a:t>
-            </a:r>
-            <a:r>
-              <a:rPr lang="en-US" sz="3500" b="1" kern="1200" dirty="0" err="1">
-                <a:solidFill>
-                  <a:srgbClr val="FFFFFF"/>
-                </a:solidFill>
-                <a:latin typeface="+mj-lt"/>
-                <a:ea typeface="+mj-ea"/>
-                <a:cs typeface="+mj-cs"/>
-              </a:rPr>
-              <a:t>approche</a:t>
-            </a:r>
-            <a:r>
-              <a:rPr lang="en-US" sz="3500" b="1" kern="1200" dirty="0">
-                <a:solidFill>
-                  <a:srgbClr val="FFFFFF"/>
-                </a:solidFill>
-                <a:latin typeface="+mj-lt"/>
-                <a:ea typeface="+mj-ea"/>
-                <a:cs typeface="+mj-cs"/>
-              </a:rPr>
-              <a:t> : Alpha Centauri A et Alpha Centauri B</a:t>
-            </a:r>
-          </a:p>
-        </p:txBody>
-      </p:sp>
-      <p:pic>
-        <p:nvPicPr>
-          <p:cNvPr id="4" name="Image 3">
-            <a:extLst>
-              <a:ext uri="{FF2B5EF4-FFF2-40B4-BE49-F238E27FC236}">
-                <a16:creationId xmlns:a16="http://schemas.microsoft.com/office/drawing/2014/main" id="{C0DFCA84-FD89-4283-8FBB-CB3F78DD4A77}"/>
-              </a:ext>
-            </a:extLst>
-          </p:cNvPr>
-          <p:cNvPicPr>
-            <a:picLocks noChangeAspect="1"/>
-          </p:cNvPicPr>
-          <p:nvPr/>
-        </p:nvPicPr>
-        <p:blipFill>
-          <a:blip r:embed="rId2"/>
-          <a:stretch>
-            <a:fillRect/>
-          </a:stretch>
-        </p:blipFill>
-        <p:spPr>
-          <a:xfrm>
-            <a:off x="4175953" y="10141"/>
-            <a:ext cx="4974154" cy="6857999"/>
-          </a:xfrm>
-          <a:prstGeom prst="rect">
-            <a:avLst/>
-          </a:prstGeom>
-        </p:spPr>
-      </p:pic>
       <mc:AlternateContent xmlns:mc="http://schemas.openxmlformats.org/markup-compatibility/2006">
         <mc:Choice xmlns:a14="http://schemas.microsoft.com/office/drawing/2010/main" Requires="a14">
           <p:sp>
             <p:nvSpPr>
-              <p:cNvPr id="14" name="ZoneTexte 13">
+              <p:cNvPr id="10" name="ZoneTexte 9">
                 <a:extLst>
                   <a:ext uri="{FF2B5EF4-FFF2-40B4-BE49-F238E27FC236}">
-                    <a16:creationId xmlns:a16="http://schemas.microsoft.com/office/drawing/2014/main" id="{74115200-4771-490F-9C7F-E660446F7A94}"/>
+                    <a16:creationId xmlns:a16="http://schemas.microsoft.com/office/drawing/2014/main" id="{C576A423-F277-458F-9349-3F653F5E9A88}"/>
                   </a:ext>
                 </a:extLst>
               </p:cNvPr>
@@ -8140,8 +8864,8 @@
             </p:nvSpPr>
             <p:spPr>
               <a:xfrm>
-                <a:off x="4353463" y="2410117"/>
-                <a:ext cx="4619134" cy="1546257"/>
+                <a:off x="1909727" y="2204954"/>
+                <a:ext cx="5324545" cy="3371564"/>
               </a:xfrm>
               <a:prstGeom prst="rect">
                 <a:avLst/>
@@ -8154,22 +8878,63 @@
               </a:bodyPr>
               <a:lstStyle/>
               <a:p>
-                <a:pPr marL="0" marR="0" lvl="0" indent="0" algn="l" defTabSz="685800" rtl="0" eaLnBrk="1" fontAlgn="auto" latinLnBrk="0" hangingPunct="1">
-                  <a:lnSpc>
-                    <a:spcPct val="90000"/>
-                  </a:lnSpc>
-                  <a:spcBef>
-                    <a:spcPts val="750"/>
-                  </a:spcBef>
-                  <a:spcAft>
-                    <a:spcPts val="0"/>
-                  </a:spcAft>
-                  <a:buClrTx/>
-                  <a:buSzTx/>
-                  <a:buFont typeface="Arial" panose="020B0604020202020204" pitchFamily="34" charset="0"/>
+                <a:pPr lvl="1" algn="ctr"/>
+                <a:r>
+                  <a:rPr lang="fr-FR" sz="2400" dirty="0">
+                    <a:latin typeface="Arial" panose="020B0604020202020204" pitchFamily="34" charset="0"/>
+                    <a:cs typeface="Arial" panose="020B0604020202020204" pitchFamily="34" charset="0"/>
+                  </a:rPr>
+                  <a:t>Force </a:t>
+                </a:r>
+                <a:r>
+                  <a:rPr lang="fr-FR" sz="2400" dirty="0" err="1">
+                    <a:latin typeface="Arial" panose="020B0604020202020204" pitchFamily="34" charset="0"/>
+                    <a:cs typeface="Arial" panose="020B0604020202020204" pitchFamily="34" charset="0"/>
+                  </a:rPr>
+                  <a:t>d’attraction</a:t>
+                </a:r>
+                <a:r>
+                  <a:rPr lang="fr-FR" sz="2400" dirty="0">
+                    <a:latin typeface="Arial" panose="020B0604020202020204" pitchFamily="34" charset="0"/>
+                    <a:cs typeface="Arial" panose="020B0604020202020204" pitchFamily="34" charset="0"/>
+                  </a:rPr>
+                  <a:t> </a:t>
+                </a:r>
+                <a:r>
+                  <a:rPr lang="fr-FR" sz="2400" dirty="0" err="1">
+                    <a:latin typeface="Arial" panose="020B0604020202020204" pitchFamily="34" charset="0"/>
+                    <a:cs typeface="Arial" panose="020B0604020202020204" pitchFamily="34" charset="0"/>
+                  </a:rPr>
+                  <a:t>gravitationnelle</a:t>
+                </a:r>
+                <a:r>
+                  <a:rPr lang="fr-FR" sz="2400" dirty="0">
+                    <a:latin typeface="Arial" panose="020B0604020202020204" pitchFamily="34" charset="0"/>
+                    <a:cs typeface="Arial" panose="020B0604020202020204" pitchFamily="34" charset="0"/>
+                  </a:rPr>
+                  <a:t> entre </a:t>
+                </a:r>
+                <a14:m>
+                  <m:oMath xmlns:m="http://schemas.openxmlformats.org/officeDocument/2006/math">
+                    <m:r>
+                      <a:rPr lang="fr-FR" sz="2400">
+                        <a:latin typeface="Cambria Math" panose="02040503050406030204" pitchFamily="18" charset="0"/>
+                      </a:rPr>
+                      <m:t>2</m:t>
+                    </m:r>
+                  </m:oMath>
+                </a14:m>
+                <a:r>
+                  <a:rPr lang="fr-FR" sz="2400" dirty="0">
+                    <a:latin typeface="Arial" panose="020B0604020202020204" pitchFamily="34" charset="0"/>
+                    <a:cs typeface="Arial" panose="020B0604020202020204" pitchFamily="34" charset="0"/>
+                  </a:rPr>
+                  <a:t> corps :</a:t>
+                </a:r>
+              </a:p>
+              <a:p>
+                <a:pPr marL="0" lvl="0" indent="0" algn="ctr">
                   <a:buNone/>
-                  <a:tabLst/>
-                  <a:defRPr/>
                 </a:pPr>
                 <a14:m>
                   <m:oMathPara xmlns:m="http://schemas.openxmlformats.org/officeDocument/2006/math">
@@ -8181,141 +8946,61 @@
                         <m:accPr>
                           <m:chr m:val="⃗"/>
                           <m:ctrlPr>
-                            <a:rPr kumimoji="0" lang="ar-AE" sz="2000" b="0" i="1" u="none" strike="noStrike" kern="1200" cap="none" spc="0" normalizeH="0" baseline="0" noProof="0" smtClean="0">
-                              <a:ln>
-                                <a:noFill/>
-                              </a:ln>
-                              <a:solidFill>
-                                <a:prstClr val="black"/>
-                              </a:solidFill>
-                              <a:effectLst/>
-                              <a:uLnTx/>
-                              <a:uFillTx/>
+                            <a:rPr lang="ar-AE" sz="2400" i="1">
                               <a:latin typeface="Cambria Math" panose="02040503050406030204" pitchFamily="18" charset="0"/>
-                              <a:ea typeface="+mn-ea"/>
                             </a:rPr>
                           </m:ctrlPr>
                         </m:accPr>
                         <m:e>
                           <m:r>
-                            <a:rPr kumimoji="0" lang="ar-AE" sz="2000" b="0" i="0" u="none" strike="noStrike" kern="1200" cap="none" spc="0" normalizeH="0" baseline="0" noProof="0">
-                              <a:ln>
-                                <a:noFill/>
-                              </a:ln>
-                              <a:solidFill>
-                                <a:prstClr val="black"/>
-                              </a:solidFill>
-                              <a:effectLst/>
-                              <a:uLnTx/>
-                              <a:uFillTx/>
+                            <a:rPr lang="ar-AE" sz="2400">
                               <a:latin typeface="Cambria Math" panose="02040503050406030204" pitchFamily="18" charset="0"/>
-                              <a:ea typeface="+mn-ea"/>
                             </a:rPr>
                             <m:t>𝐹</m:t>
                           </m:r>
                         </m:e>
                       </m:acc>
                       <m:r>
-                        <a:rPr kumimoji="0" lang="ar-AE" sz="2000" b="0" i="0" u="none" strike="noStrike" kern="1200" cap="none" spc="0" normalizeH="0" baseline="0" noProof="0">
-                          <a:ln>
-                            <a:noFill/>
-                          </a:ln>
-                          <a:solidFill>
-                            <a:prstClr val="black"/>
-                          </a:solidFill>
-                          <a:effectLst/>
-                          <a:uLnTx/>
-                          <a:uFillTx/>
+                        <a:rPr lang="ar-AE" sz="2400">
                           <a:latin typeface="Cambria Math" panose="02040503050406030204" pitchFamily="18" charset="0"/>
-                          <a:ea typeface="+mn-ea"/>
                         </a:rPr>
                         <m:t>=</m:t>
                       </m:r>
                       <m:f>
                         <m:fPr>
                           <m:ctrlPr>
-                            <a:rPr kumimoji="0" lang="ar-AE" sz="2000" b="0" i="1" u="none" strike="noStrike" kern="1200" cap="none" spc="0" normalizeH="0" baseline="0" noProof="0">
-                              <a:ln>
-                                <a:noFill/>
-                              </a:ln>
-                              <a:solidFill>
-                                <a:prstClr val="black"/>
-                              </a:solidFill>
-                              <a:effectLst/>
-                              <a:uLnTx/>
-                              <a:uFillTx/>
+                            <a:rPr lang="ar-AE" sz="2400" i="1">
                               <a:latin typeface="Cambria Math" panose="02040503050406030204" pitchFamily="18" charset="0"/>
-                              <a:ea typeface="+mn-ea"/>
                             </a:rPr>
                           </m:ctrlPr>
                         </m:fPr>
                         <m:num>
                           <m:r>
-                            <a:rPr kumimoji="0" lang="ar-AE" sz="2000" b="0" i="0" u="none" strike="noStrike" kern="1200" cap="none" spc="0" normalizeH="0" baseline="0" noProof="0">
-                              <a:ln>
-                                <a:noFill/>
-                              </a:ln>
-                              <a:solidFill>
-                                <a:prstClr val="black"/>
-                              </a:solidFill>
-                              <a:effectLst/>
-                              <a:uLnTx/>
-                              <a:uFillTx/>
+                            <a:rPr lang="ar-AE" sz="2400">
                               <a:latin typeface="Cambria Math" panose="02040503050406030204" pitchFamily="18" charset="0"/>
-                              <a:ea typeface="+mn-ea"/>
                             </a:rPr>
                             <m:t>𝐺</m:t>
                           </m:r>
                           <m:sSub>
                             <m:sSubPr>
                               <m:ctrlPr>
-                                <a:rPr kumimoji="0" lang="ar-AE" sz="2000" b="0" i="1" u="none" strike="noStrike" kern="1200" cap="none" spc="0" normalizeH="0" baseline="0" noProof="0">
-                                  <a:ln>
-                                    <a:noFill/>
-                                  </a:ln>
-                                  <a:solidFill>
-                                    <a:prstClr val="black"/>
-                                  </a:solidFill>
-                                  <a:effectLst/>
-                                  <a:uLnTx/>
-                                  <a:uFillTx/>
+                                <a:rPr lang="ar-AE" sz="2400" i="1">
                                   <a:latin typeface="Cambria Math" panose="02040503050406030204" pitchFamily="18" charset="0"/>
-                                  <a:ea typeface="+mn-ea"/>
                                 </a:rPr>
                               </m:ctrlPr>
                             </m:sSubPr>
                             <m:e>
                               <m:r>
-                                <a:rPr kumimoji="0" lang="ar-AE" sz="2000" b="0" i="0" u="none" strike="noStrike" kern="1200" cap="none" spc="0" normalizeH="0" baseline="0" noProof="0">
-                                  <a:ln>
-                                    <a:noFill/>
-                                  </a:ln>
-                                  <a:solidFill>
-                                    <a:prstClr val="black"/>
-                                  </a:solidFill>
-                                  <a:effectLst/>
-                                  <a:uLnTx/>
-                                  <a:uFillTx/>
+                                <a:rPr lang="ar-AE" sz="2400">
                                   <a:latin typeface="Cambria Math" panose="02040503050406030204" pitchFamily="18" charset="0"/>
-                                  <a:ea typeface="+mn-ea"/>
                                 </a:rPr>
                                 <m:t>𝑚</m:t>
                               </m:r>
                             </m:e>
                             <m:sub>
                               <m:r>
-                                <a:rPr kumimoji="0" lang="ar-AE" sz="2000" b="0" i="0" u="none" strike="noStrike" kern="1200" cap="none" spc="0" normalizeH="0" baseline="0" noProof="0">
-                                  <a:ln>
-                                    <a:noFill/>
-                                  </a:ln>
-                                  <a:solidFill>
-                                    <a:prstClr val="black"/>
-                                  </a:solidFill>
-                                  <a:effectLst/>
-                                  <a:uLnTx/>
-                                  <a:uFillTx/>
+                                <a:rPr lang="ar-AE" sz="2400">
                                   <a:latin typeface="Cambria Math" panose="02040503050406030204" pitchFamily="18" charset="0"/>
-                                  <a:ea typeface="+mn-ea"/>
                                 </a:rPr>
                                 <m:t>1</m:t>
                               </m:r>
@@ -8324,53 +9009,23 @@
                           <m:sSub>
                             <m:sSubPr>
                               <m:ctrlPr>
-                                <a:rPr kumimoji="0" lang="ar-AE" sz="2000" b="0" i="1" u="none" strike="noStrike" kern="1200" cap="none" spc="0" normalizeH="0" baseline="0" noProof="0">
-                                  <a:ln>
-                                    <a:noFill/>
-                                  </a:ln>
-                                  <a:solidFill>
-                                    <a:prstClr val="black"/>
-                                  </a:solidFill>
-                                  <a:effectLst/>
-                                  <a:uLnTx/>
-                                  <a:uFillTx/>
+                                <a:rPr lang="ar-AE" sz="2400" i="1">
                                   <a:latin typeface="Cambria Math" panose="02040503050406030204" pitchFamily="18" charset="0"/>
-                                  <a:ea typeface="+mn-ea"/>
                                 </a:rPr>
                               </m:ctrlPr>
                             </m:sSubPr>
                             <m:e>
                               <m:r>
-                                <a:rPr kumimoji="0" lang="ar-AE" sz="2000" b="0" i="0" u="none" strike="noStrike" kern="1200" cap="none" spc="0" normalizeH="0" baseline="0" noProof="0">
-                                  <a:ln>
-                                    <a:noFill/>
-                                  </a:ln>
-                                  <a:solidFill>
-                                    <a:prstClr val="black"/>
-                                  </a:solidFill>
-                                  <a:effectLst/>
-                                  <a:uLnTx/>
-                                  <a:uFillTx/>
+                                <a:rPr lang="ar-AE" sz="2400">
                                   <a:latin typeface="Cambria Math" panose="02040503050406030204" pitchFamily="18" charset="0"/>
-                                  <a:ea typeface="+mn-ea"/>
                                 </a:rPr>
                                 <m:t>𝑚</m:t>
                               </m:r>
                             </m:e>
                             <m:sub>
                               <m:r>
-                                <a:rPr kumimoji="0" lang="ar-AE" sz="2000" b="0" i="0" u="none" strike="noStrike" kern="1200" cap="none" spc="0" normalizeH="0" baseline="0" noProof="0">
-                                  <a:ln>
-                                    <a:noFill/>
-                                  </a:ln>
-                                  <a:solidFill>
-                                    <a:prstClr val="black"/>
-                                  </a:solidFill>
-                                  <a:effectLst/>
-                                  <a:uLnTx/>
-                                  <a:uFillTx/>
+                                <a:rPr lang="ar-AE" sz="2400">
                                   <a:latin typeface="Cambria Math" panose="02040503050406030204" pitchFamily="18" charset="0"/>
-                                  <a:ea typeface="+mn-ea"/>
                                 </a:rPr>
                                 <m:t>2</m:t>
                               </m:r>
@@ -8381,53 +9036,23 @@
                           <m:sSup>
                             <m:sSupPr>
                               <m:ctrlPr>
-                                <a:rPr kumimoji="0" lang="ar-AE" sz="2000" b="0" i="1" u="none" strike="noStrike" kern="1200" cap="none" spc="0" normalizeH="0" baseline="0" noProof="0">
-                                  <a:ln>
-                                    <a:noFill/>
-                                  </a:ln>
-                                  <a:solidFill>
-                                    <a:prstClr val="black"/>
-                                  </a:solidFill>
-                                  <a:effectLst/>
-                                  <a:uLnTx/>
-                                  <a:uFillTx/>
+                                <a:rPr lang="ar-AE" sz="2400" i="1">
                                   <a:latin typeface="Cambria Math" panose="02040503050406030204" pitchFamily="18" charset="0"/>
-                                  <a:ea typeface="+mn-ea"/>
                                 </a:rPr>
                               </m:ctrlPr>
                             </m:sSupPr>
                             <m:e>
                               <m:r>
-                                <a:rPr kumimoji="0" lang="ar-AE" sz="2000" b="0" i="0" u="none" strike="noStrike" kern="1200" cap="none" spc="0" normalizeH="0" baseline="0" noProof="0">
-                                  <a:ln>
-                                    <a:noFill/>
-                                  </a:ln>
-                                  <a:solidFill>
-                                    <a:prstClr val="black"/>
-                                  </a:solidFill>
-                                  <a:effectLst/>
-                                  <a:uLnTx/>
-                                  <a:uFillTx/>
+                                <a:rPr lang="ar-AE" sz="2400">
                                   <a:latin typeface="Cambria Math" panose="02040503050406030204" pitchFamily="18" charset="0"/>
-                                  <a:ea typeface="+mn-ea"/>
                                 </a:rPr>
                                 <m:t>𝑟</m:t>
                               </m:r>
                             </m:e>
                             <m:sup>
                               <m:r>
-                                <a:rPr kumimoji="0" lang="ar-AE" sz="2000" b="0" i="0" u="none" strike="noStrike" kern="1200" cap="none" spc="0" normalizeH="0" baseline="0" noProof="0">
-                                  <a:ln>
-                                    <a:noFill/>
-                                  </a:ln>
-                                  <a:solidFill>
-                                    <a:prstClr val="black"/>
-                                  </a:solidFill>
-                                  <a:effectLst/>
-                                  <a:uLnTx/>
-                                  <a:uFillTx/>
+                                <a:rPr lang="ar-AE" sz="2400">
                                   <a:latin typeface="Cambria Math" panose="02040503050406030204" pitchFamily="18" charset="0"/>
-                                  <a:ea typeface="+mn-ea"/>
                                 </a:rPr>
                                 <m:t>2</m:t>
                               </m:r>
@@ -8439,35 +9064,15 @@
                         <m:accPr>
                           <m:chr m:val="̂"/>
                           <m:ctrlPr>
-                            <a:rPr kumimoji="0" lang="ar-AE" sz="2000" b="0" i="1" u="none" strike="noStrike" kern="1200" cap="none" spc="0" normalizeH="0" baseline="0" noProof="0">
-                              <a:ln>
-                                <a:noFill/>
-                              </a:ln>
-                              <a:solidFill>
-                                <a:prstClr val="black"/>
-                              </a:solidFill>
-                              <a:effectLst/>
-                              <a:uLnTx/>
-                              <a:uFillTx/>
+                            <a:rPr lang="ar-AE" sz="2400" i="1">
                               <a:latin typeface="Cambria Math" panose="02040503050406030204" pitchFamily="18" charset="0"/>
-                              <a:ea typeface="+mn-ea"/>
                             </a:rPr>
                           </m:ctrlPr>
                         </m:accPr>
                         <m:e>
                           <m:r>
-                            <a:rPr kumimoji="0" lang="ar-AE" sz="2000" b="0" i="0" u="none" strike="noStrike" kern="1200" cap="none" spc="0" normalizeH="0" baseline="0" noProof="0">
-                              <a:ln>
-                                <a:noFill/>
-                              </a:ln>
-                              <a:solidFill>
-                                <a:prstClr val="black"/>
-                              </a:solidFill>
-                              <a:effectLst/>
-                              <a:uLnTx/>
-                              <a:uFillTx/>
+                            <a:rPr lang="ar-AE" sz="2400">
                               <a:latin typeface="Cambria Math" panose="02040503050406030204" pitchFamily="18" charset="0"/>
-                              <a:ea typeface="+mn-ea"/>
                             </a:rPr>
                             <m:t>𝑟</m:t>
                           </m:r>
@@ -8476,71 +9081,61 @@
                     </m:oMath>
                   </m:oMathPara>
                 </a14:m>
-                <a:endParaRPr kumimoji="0" lang="ar-AE" sz="2000" b="0" i="0" u="none" strike="noStrike" kern="1200" cap="none" spc="0" normalizeH="0" baseline="0" noProof="0" dirty="0">
-                  <a:ln>
-                    <a:noFill/>
-                  </a:ln>
-                  <a:solidFill>
-                    <a:prstClr val="black"/>
-                  </a:solidFill>
-                  <a:effectLst/>
-                  <a:uLnTx/>
-                  <a:uFillTx/>
-                  <a:latin typeface="Calibri" panose="020F0502020204030204"/>
-                  <a:ea typeface="+mn-ea"/>
+                <a:endParaRPr lang="fr-FR" sz="2400" dirty="0">
+                  <a:latin typeface="Arial" panose="020B0604020202020204" pitchFamily="34" charset="0"/>
                   <a:cs typeface="Arial" panose="020B0604020202020204" pitchFamily="34" charset="0"/>
                 </a:endParaRPr>
               </a:p>
               <a:p>
-                <a:pPr marL="0" marR="0" lvl="0" indent="0" algn="l" defTabSz="685800" rtl="0" eaLnBrk="1" fontAlgn="auto" latinLnBrk="0" hangingPunct="1">
-                  <a:lnSpc>
-                    <a:spcPct val="90000"/>
-                  </a:lnSpc>
-                  <a:spcBef>
-                    <a:spcPts val="750"/>
-                  </a:spcBef>
-                  <a:spcAft>
-                    <a:spcPts val="0"/>
-                  </a:spcAft>
-                  <a:buClrTx/>
-                  <a:buSzTx/>
-                  <a:buFont typeface="Arial" panose="020B0604020202020204" pitchFamily="34" charset="0"/>
+                <a:pPr marL="0" lvl="0" indent="0" algn="ctr">
                   <a:buNone/>
-                  <a:tabLst/>
-                  <a:defRPr/>
                 </a:pPr>
-                <a:endParaRPr kumimoji="0" lang="ar-AE" sz="2000" b="0" i="0" u="none" strike="noStrike" kern="1200" cap="none" spc="0" normalizeH="0" baseline="0" noProof="0" dirty="0">
-                  <a:ln>
-                    <a:noFill/>
-                  </a:ln>
-                  <a:solidFill>
-                    <a:prstClr val="black"/>
-                  </a:solidFill>
-                  <a:effectLst/>
-                  <a:uLnTx/>
-                  <a:uFillTx/>
-                  <a:latin typeface="Calibri" panose="020F0502020204030204"/>
-                  <a:ea typeface="+mn-ea"/>
+                <a:endParaRPr lang="ar-AE" sz="2400" dirty="0">
+                  <a:latin typeface="Arial" panose="020B0604020202020204" pitchFamily="34" charset="0"/>
                   <a:cs typeface="Arial" panose="020B0604020202020204" pitchFamily="34" charset="0"/>
                 </a:endParaRPr>
               </a:p>
               <a:p>
-                <a:pPr marL="0" marR="0" lvl="0" indent="0" algn="l" defTabSz="685800" rtl="0" eaLnBrk="1" fontAlgn="auto" latinLnBrk="0" hangingPunct="1">
-                  <a:lnSpc>
-                    <a:spcPct val="90000"/>
-                  </a:lnSpc>
-                  <a:spcBef>
-                    <a:spcPts val="750"/>
-                  </a:spcBef>
-                  <a:spcAft>
-                    <a:spcPts val="0"/>
-                  </a:spcAft>
-                  <a:buClrTx/>
-                  <a:buSzTx/>
-                  <a:buFont typeface="Arial" panose="020B0604020202020204" pitchFamily="34" charset="0"/>
+                <a:pPr lvl="1" algn="ctr"/>
+                <a:r>
+                  <a:rPr lang="fr-FR" sz="2400" dirty="0">
+                    <a:latin typeface="Arial" panose="020B0604020202020204" pitchFamily="34" charset="0"/>
+                    <a:cs typeface="Arial" panose="020B0604020202020204" pitchFamily="34" charset="0"/>
+                  </a:rPr>
+                  <a:t>Principe </a:t>
+                </a:r>
+                <a:r>
+                  <a:rPr lang="fr-FR" sz="2400" dirty="0" err="1">
+                    <a:latin typeface="Arial" panose="020B0604020202020204" pitchFamily="34" charset="0"/>
+                    <a:cs typeface="Arial" panose="020B0604020202020204" pitchFamily="34" charset="0"/>
+                  </a:rPr>
+                  <a:t>fondamental</a:t>
+                </a:r>
+                <a:r>
+                  <a:rPr lang="fr-FR" sz="2400" dirty="0">
+                    <a:latin typeface="Arial" panose="020B0604020202020204" pitchFamily="34" charset="0"/>
+                    <a:cs typeface="Arial" panose="020B0604020202020204" pitchFamily="34" charset="0"/>
+                  </a:rPr>
+                  <a:t> de la </a:t>
+                </a:r>
+                <a:r>
+                  <a:rPr lang="fr-FR" sz="2400" dirty="0" err="1">
+                    <a:latin typeface="Arial" panose="020B0604020202020204" pitchFamily="34" charset="0"/>
+                    <a:cs typeface="Arial" panose="020B0604020202020204" pitchFamily="34" charset="0"/>
+                  </a:rPr>
+                  <a:t>dynamique</a:t>
+                </a:r>
+                <a:r>
+                  <a:rPr lang="fr-FR" sz="2400" dirty="0">
+                    <a:latin typeface="Arial" panose="020B0604020202020204" pitchFamily="34" charset="0"/>
+                    <a:cs typeface="Arial" panose="020B0604020202020204" pitchFamily="34" charset="0"/>
+                  </a:rPr>
+                  <a:t> :</a:t>
+                </a:r>
+              </a:p>
+              <a:p>
+                <a:pPr marL="0" lvl="0" indent="0" algn="ctr">
                   <a:buNone/>
-                  <a:tabLst/>
-                  <a:defRPr/>
                 </a:pPr>
                 <a14:m>
                   <m:oMathPara xmlns:m="http://schemas.openxmlformats.org/officeDocument/2006/math">
@@ -8551,53 +9146,23 @@
                       <m:sSub>
                         <m:sSubPr>
                           <m:ctrlPr>
-                            <a:rPr kumimoji="0" lang="ar-AE" sz="2000" b="0" i="1" u="none" strike="noStrike" kern="1200" cap="none" spc="0" normalizeH="0" baseline="0" noProof="0">
-                              <a:ln>
-                                <a:noFill/>
-                              </a:ln>
-                              <a:solidFill>
-                                <a:prstClr val="black"/>
-                              </a:solidFill>
-                              <a:effectLst/>
-                              <a:uLnTx/>
-                              <a:uFillTx/>
+                            <a:rPr lang="ar-AE" sz="2400" i="1">
                               <a:latin typeface="Cambria Math" panose="02040503050406030204" pitchFamily="18" charset="0"/>
-                              <a:ea typeface="+mn-ea"/>
                             </a:rPr>
                           </m:ctrlPr>
                         </m:sSubPr>
                         <m:e>
                           <m:r>
-                            <a:rPr kumimoji="0" lang="ar-AE" sz="2000" b="0" i="0" u="none" strike="noStrike" kern="1200" cap="none" spc="0" normalizeH="0" baseline="0" noProof="0">
-                              <a:ln>
-                                <a:noFill/>
-                              </a:ln>
-                              <a:solidFill>
-                                <a:prstClr val="black"/>
-                              </a:solidFill>
-                              <a:effectLst/>
-                              <a:uLnTx/>
-                              <a:uFillTx/>
+                            <a:rPr lang="ar-AE" sz="2400">
                               <a:latin typeface="Cambria Math" panose="02040503050406030204" pitchFamily="18" charset="0"/>
-                              <a:ea typeface="+mn-ea"/>
                             </a:rPr>
                             <m:t>𝑚</m:t>
                           </m:r>
                         </m:e>
                         <m:sub>
                           <m:r>
-                            <a:rPr kumimoji="0" lang="ar-AE" sz="2000" b="0" i="0" u="none" strike="noStrike" kern="1200" cap="none" spc="0" normalizeH="0" baseline="0" noProof="0">
-                              <a:ln>
-                                <a:noFill/>
-                              </a:ln>
-                              <a:solidFill>
-                                <a:prstClr val="black"/>
-                              </a:solidFill>
-                              <a:effectLst/>
-                              <a:uLnTx/>
-                              <a:uFillTx/>
+                            <a:rPr lang="ar-AE" sz="2400">
                               <a:latin typeface="Cambria Math" panose="02040503050406030204" pitchFamily="18" charset="0"/>
-                              <a:ea typeface="+mn-ea"/>
                             </a:rPr>
                             <m:t>1</m:t>
                           </m:r>
@@ -8606,88 +9171,38 @@
                       <m:f>
                         <m:fPr>
                           <m:ctrlPr>
-                            <a:rPr kumimoji="0" lang="ar-AE" sz="2000" b="0" i="1" u="none" strike="noStrike" kern="1200" cap="none" spc="0" normalizeH="0" baseline="0" noProof="0">
-                              <a:ln>
-                                <a:noFill/>
-                              </a:ln>
-                              <a:solidFill>
-                                <a:prstClr val="black"/>
-                              </a:solidFill>
-                              <a:effectLst/>
-                              <a:uLnTx/>
-                              <a:uFillTx/>
+                            <a:rPr lang="ar-AE" sz="2400" i="1">
                               <a:latin typeface="Cambria Math" panose="02040503050406030204" pitchFamily="18" charset="0"/>
-                              <a:ea typeface="+mn-ea"/>
                             </a:rPr>
                           </m:ctrlPr>
                         </m:fPr>
                         <m:num>
                           <m:r>
-                            <a:rPr kumimoji="0" lang="ar-AE" sz="2000" b="0" i="0" u="none" strike="noStrike" kern="1200" cap="none" spc="0" normalizeH="0" baseline="0" noProof="0">
-                              <a:ln>
-                                <a:noFill/>
-                              </a:ln>
-                              <a:solidFill>
-                                <a:prstClr val="black"/>
-                              </a:solidFill>
-                              <a:effectLst/>
-                              <a:uLnTx/>
-                              <a:uFillTx/>
+                            <a:rPr lang="ar-AE" sz="2400">
                               <a:latin typeface="Cambria Math" panose="02040503050406030204" pitchFamily="18" charset="0"/>
-                              <a:ea typeface="+mn-ea"/>
                             </a:rPr>
                             <m:t>𝑑</m:t>
                           </m:r>
                           <m:sSup>
                             <m:sSupPr>
                               <m:ctrlPr>
-                                <a:rPr kumimoji="0" lang="ar-AE" sz="2000" b="0" i="1" u="none" strike="noStrike" kern="1200" cap="none" spc="0" normalizeH="0" baseline="0" noProof="0">
-                                  <a:ln>
-                                    <a:noFill/>
-                                  </a:ln>
-                                  <a:solidFill>
-                                    <a:prstClr val="black"/>
-                                  </a:solidFill>
-                                  <a:effectLst/>
-                                  <a:uLnTx/>
-                                  <a:uFillTx/>
+                                <a:rPr lang="ar-AE" sz="2400" i="1">
                                   <a:latin typeface="Cambria Math" panose="02040503050406030204" pitchFamily="18" charset="0"/>
-                                  <a:ea typeface="+mn-ea"/>
                                 </a:rPr>
                               </m:ctrlPr>
                             </m:sSupPr>
                             <m:e>
                               <m:r>
-                                <a:rPr kumimoji="0" lang="ar-AE" sz="2000" b="0" i="0" u="none" strike="noStrike" kern="1200" cap="none" spc="0" normalizeH="0" baseline="0" noProof="0">
-                                  <a:ln>
-                                    <a:noFill/>
-                                  </a:ln>
-                                  <a:solidFill>
-                                    <a:prstClr val="black"/>
-                                  </a:solidFill>
-                                  <a:effectLst/>
-                                  <a:uLnTx/>
-                                  <a:uFillTx/>
+                                <a:rPr lang="ar-AE" sz="2400">
                                   <a:latin typeface="Cambria Math" panose="02040503050406030204" pitchFamily="18" charset="0"/>
-                                  <a:ea typeface="+mn-ea"/>
                                 </a:rPr>
                                 <m:t>​</m:t>
                               </m:r>
                             </m:e>
                             <m:sup>
                               <m:r>
-                                <a:rPr kumimoji="0" lang="ar-AE" sz="2000" b="0" i="0" u="none" strike="noStrike" kern="1200" cap="none" spc="0" normalizeH="0" baseline="0" noProof="0">
-                                  <a:ln>
-                                    <a:noFill/>
-                                  </a:ln>
-                                  <a:solidFill>
-                                    <a:prstClr val="black"/>
-                                  </a:solidFill>
-                                  <a:effectLst/>
-                                  <a:uLnTx/>
-                                  <a:uFillTx/>
+                                <a:rPr lang="ar-AE" sz="2400">
                                   <a:latin typeface="Cambria Math" panose="02040503050406030204" pitchFamily="18" charset="0"/>
-                                  <a:ea typeface="+mn-ea"/>
                                 </a:rPr>
                                 <m:t>2</m:t>
                               </m:r>
@@ -8697,18 +9212,8 @@
                             <m:accPr>
                               <m:chr m:val="⃗"/>
                               <m:ctrlPr>
-                                <a:rPr kumimoji="0" lang="ar-AE" sz="2000" b="0" i="1" u="none" strike="noStrike" kern="1200" cap="none" spc="0" normalizeH="0" baseline="0" noProof="0">
-                                  <a:ln>
-                                    <a:noFill/>
-                                  </a:ln>
-                                  <a:solidFill>
-                                    <a:prstClr val="black"/>
-                                  </a:solidFill>
-                                  <a:effectLst/>
-                                  <a:uLnTx/>
-                                  <a:uFillTx/>
+                                <a:rPr lang="ar-AE" sz="2400" i="1">
                                   <a:latin typeface="Cambria Math" panose="02040503050406030204" pitchFamily="18" charset="0"/>
-                                  <a:ea typeface="+mn-ea"/>
                                 </a:rPr>
                               </m:ctrlPr>
                             </m:accPr>
@@ -8716,53 +9221,23 @@
                               <m:sSub>
                                 <m:sSubPr>
                                   <m:ctrlPr>
-                                    <a:rPr kumimoji="0" lang="ar-AE" sz="2000" b="0" i="1" u="none" strike="noStrike" kern="1200" cap="none" spc="0" normalizeH="0" baseline="0" noProof="0">
-                                      <a:ln>
-                                        <a:noFill/>
-                                      </a:ln>
-                                      <a:solidFill>
-                                        <a:prstClr val="black"/>
-                                      </a:solidFill>
-                                      <a:effectLst/>
-                                      <a:uLnTx/>
-                                      <a:uFillTx/>
+                                    <a:rPr lang="ar-AE" sz="2400" i="1">
                                       <a:latin typeface="Cambria Math" panose="02040503050406030204" pitchFamily="18" charset="0"/>
-                                      <a:ea typeface="+mn-ea"/>
                                     </a:rPr>
                                   </m:ctrlPr>
                                 </m:sSubPr>
                                 <m:e>
                                   <m:r>
-                                    <a:rPr kumimoji="0" lang="ar-AE" sz="2000" b="0" i="0" u="none" strike="noStrike" kern="1200" cap="none" spc="0" normalizeH="0" baseline="0" noProof="0">
-                                      <a:ln>
-                                        <a:noFill/>
-                                      </a:ln>
-                                      <a:solidFill>
-                                        <a:prstClr val="black"/>
-                                      </a:solidFill>
-                                      <a:effectLst/>
-                                      <a:uLnTx/>
-                                      <a:uFillTx/>
+                                    <a:rPr lang="ar-AE" sz="2400">
                                       <a:latin typeface="Cambria Math" panose="02040503050406030204" pitchFamily="18" charset="0"/>
-                                      <a:ea typeface="+mn-ea"/>
                                     </a:rPr>
                                     <m:t>𝑟</m:t>
                                   </m:r>
                                 </m:e>
                                 <m:sub>
                                   <m:r>
-                                    <a:rPr kumimoji="0" lang="ar-AE" sz="2000" b="0" i="0" u="none" strike="noStrike" kern="1200" cap="none" spc="0" normalizeH="0" baseline="0" noProof="0">
-                                      <a:ln>
-                                        <a:noFill/>
-                                      </a:ln>
-                                      <a:solidFill>
-                                        <a:prstClr val="black"/>
-                                      </a:solidFill>
-                                      <a:effectLst/>
-                                      <a:uLnTx/>
-                                      <a:uFillTx/>
+                                    <a:rPr lang="ar-AE" sz="2400">
                                       <a:latin typeface="Cambria Math" panose="02040503050406030204" pitchFamily="18" charset="0"/>
-                                      <a:ea typeface="+mn-ea"/>
                                     </a:rPr>
                                     <m:t>1</m:t>
                                   </m:r>
@@ -8773,71 +9248,31 @@
                         </m:num>
                         <m:den>
                           <m:r>
-                            <a:rPr kumimoji="0" lang="ar-AE" sz="2000" b="0" i="0" u="none" strike="noStrike" kern="1200" cap="none" spc="0" normalizeH="0" baseline="0" noProof="0">
-                              <a:ln>
-                                <a:noFill/>
-                              </a:ln>
-                              <a:solidFill>
-                                <a:prstClr val="black"/>
-                              </a:solidFill>
-                              <a:effectLst/>
-                              <a:uLnTx/>
-                              <a:uFillTx/>
+                            <a:rPr lang="ar-AE" sz="2400">
                               <a:latin typeface="Cambria Math" panose="02040503050406030204" pitchFamily="18" charset="0"/>
-                              <a:ea typeface="+mn-ea"/>
                             </a:rPr>
                             <m:t>𝑑</m:t>
                           </m:r>
                           <m:sSup>
                             <m:sSupPr>
                               <m:ctrlPr>
-                                <a:rPr kumimoji="0" lang="ar-AE" sz="2000" b="0" i="1" u="none" strike="noStrike" kern="1200" cap="none" spc="0" normalizeH="0" baseline="0" noProof="0">
-                                  <a:ln>
-                                    <a:noFill/>
-                                  </a:ln>
-                                  <a:solidFill>
-                                    <a:prstClr val="black"/>
-                                  </a:solidFill>
-                                  <a:effectLst/>
-                                  <a:uLnTx/>
-                                  <a:uFillTx/>
+                                <a:rPr lang="ar-AE" sz="2400" i="1">
                                   <a:latin typeface="Cambria Math" panose="02040503050406030204" pitchFamily="18" charset="0"/>
-                                  <a:ea typeface="+mn-ea"/>
                                 </a:rPr>
                               </m:ctrlPr>
                             </m:sSupPr>
                             <m:e>
                               <m:r>
-                                <a:rPr kumimoji="0" lang="ar-AE" sz="2000" b="0" i="0" u="none" strike="noStrike" kern="1200" cap="none" spc="0" normalizeH="0" baseline="0" noProof="0">
-                                  <a:ln>
-                                    <a:noFill/>
-                                  </a:ln>
-                                  <a:solidFill>
-                                    <a:prstClr val="black"/>
-                                  </a:solidFill>
-                                  <a:effectLst/>
-                                  <a:uLnTx/>
-                                  <a:uFillTx/>
+                                <a:rPr lang="ar-AE" sz="2400">
                                   <a:latin typeface="Cambria Math" panose="02040503050406030204" pitchFamily="18" charset="0"/>
-                                  <a:ea typeface="+mn-ea"/>
                                 </a:rPr>
                                 <m:t>𝑡</m:t>
                               </m:r>
                             </m:e>
                             <m:sup>
                               <m:r>
-                                <a:rPr kumimoji="0" lang="ar-AE" sz="2000" b="0" i="0" u="none" strike="noStrike" kern="1200" cap="none" spc="0" normalizeH="0" baseline="0" noProof="0">
-                                  <a:ln>
-                                    <a:noFill/>
-                                  </a:ln>
-                                  <a:solidFill>
-                                    <a:prstClr val="black"/>
-                                  </a:solidFill>
-                                  <a:effectLst/>
-                                  <a:uLnTx/>
-                                  <a:uFillTx/>
+                                <a:rPr lang="ar-AE" sz="2400">
                                   <a:latin typeface="Cambria Math" panose="02040503050406030204" pitchFamily="18" charset="0"/>
-                                  <a:ea typeface="+mn-ea"/>
                                 </a:rPr>
                                 <m:t>2</m:t>
                               </m:r>
@@ -8846,106 +9281,46 @@
                         </m:den>
                       </m:f>
                       <m:r>
-                        <a:rPr kumimoji="0" lang="ar-AE" sz="2000" b="0" i="0" u="none" strike="noStrike" kern="1200" cap="none" spc="0" normalizeH="0" baseline="0" noProof="0">
-                          <a:ln>
-                            <a:noFill/>
-                          </a:ln>
-                          <a:solidFill>
-                            <a:prstClr val="black"/>
-                          </a:solidFill>
-                          <a:effectLst/>
-                          <a:uLnTx/>
-                          <a:uFillTx/>
+                        <a:rPr lang="ar-AE" sz="2400">
                           <a:latin typeface="Cambria Math" panose="02040503050406030204" pitchFamily="18" charset="0"/>
-                          <a:ea typeface="+mn-ea"/>
                         </a:rPr>
                         <m:t>=</m:t>
                       </m:r>
                       <m:f>
                         <m:fPr>
                           <m:ctrlPr>
-                            <a:rPr kumimoji="0" lang="ar-AE" sz="2000" b="0" i="1" u="none" strike="noStrike" kern="1200" cap="none" spc="0" normalizeH="0" baseline="0" noProof="0">
-                              <a:ln>
-                                <a:noFill/>
-                              </a:ln>
-                              <a:solidFill>
-                                <a:prstClr val="black"/>
-                              </a:solidFill>
-                              <a:effectLst/>
-                              <a:uLnTx/>
-                              <a:uFillTx/>
+                            <a:rPr lang="ar-AE" sz="2400" i="1">
                               <a:latin typeface="Cambria Math" panose="02040503050406030204" pitchFamily="18" charset="0"/>
-                              <a:ea typeface="+mn-ea"/>
                             </a:rPr>
                           </m:ctrlPr>
                         </m:fPr>
                         <m:num>
                           <m:r>
-                            <a:rPr kumimoji="0" lang="ar-AE" sz="2000" b="0" i="0" u="none" strike="noStrike" kern="1200" cap="none" spc="0" normalizeH="0" baseline="0" noProof="0">
-                              <a:ln>
-                                <a:noFill/>
-                              </a:ln>
-                              <a:solidFill>
-                                <a:prstClr val="black"/>
-                              </a:solidFill>
-                              <a:effectLst/>
-                              <a:uLnTx/>
-                              <a:uFillTx/>
+                            <a:rPr lang="ar-AE" sz="2400">
                               <a:latin typeface="Cambria Math" panose="02040503050406030204" pitchFamily="18" charset="0"/>
-                              <a:ea typeface="+mn-ea"/>
                             </a:rPr>
                             <m:t>𝐺</m:t>
                           </m:r>
                           <m:sSub>
                             <m:sSubPr>
                               <m:ctrlPr>
-                                <a:rPr kumimoji="0" lang="ar-AE" sz="2000" b="0" i="1" u="none" strike="noStrike" kern="1200" cap="none" spc="0" normalizeH="0" baseline="0" noProof="0">
-                                  <a:ln>
-                                    <a:noFill/>
-                                  </a:ln>
-                                  <a:solidFill>
-                                    <a:prstClr val="black"/>
-                                  </a:solidFill>
-                                  <a:effectLst/>
-                                  <a:uLnTx/>
-                                  <a:uFillTx/>
+                                <a:rPr lang="ar-AE" sz="2400" i="1">
                                   <a:latin typeface="Cambria Math" panose="02040503050406030204" pitchFamily="18" charset="0"/>
-                                  <a:ea typeface="+mn-ea"/>
                                 </a:rPr>
                               </m:ctrlPr>
                             </m:sSubPr>
                             <m:e>
                               <m:r>
-                                <a:rPr kumimoji="0" lang="ar-AE" sz="2000" b="0" i="0" u="none" strike="noStrike" kern="1200" cap="none" spc="0" normalizeH="0" baseline="0" noProof="0">
-                                  <a:ln>
-                                    <a:noFill/>
-                                  </a:ln>
-                                  <a:solidFill>
-                                    <a:prstClr val="black"/>
-                                  </a:solidFill>
-                                  <a:effectLst/>
-                                  <a:uLnTx/>
-                                  <a:uFillTx/>
+                                <a:rPr lang="ar-AE" sz="2400">
                                   <a:latin typeface="Cambria Math" panose="02040503050406030204" pitchFamily="18" charset="0"/>
-                                  <a:ea typeface="+mn-ea"/>
                                 </a:rPr>
                                 <m:t>𝑚</m:t>
                               </m:r>
                             </m:e>
                             <m:sub>
                               <m:r>
-                                <a:rPr kumimoji="0" lang="ar-AE" sz="2000" b="0" i="0" u="none" strike="noStrike" kern="1200" cap="none" spc="0" normalizeH="0" baseline="0" noProof="0">
-                                  <a:ln>
-                                    <a:noFill/>
-                                  </a:ln>
-                                  <a:solidFill>
-                                    <a:prstClr val="black"/>
-                                  </a:solidFill>
-                                  <a:effectLst/>
-                                  <a:uLnTx/>
-                                  <a:uFillTx/>
+                                <a:rPr lang="ar-AE" sz="2400">
                                   <a:latin typeface="Cambria Math" panose="02040503050406030204" pitchFamily="18" charset="0"/>
-                                  <a:ea typeface="+mn-ea"/>
                                 </a:rPr>
                                 <m:t>1</m:t>
                               </m:r>
@@ -8954,53 +9329,23 @@
                           <m:sSub>
                             <m:sSubPr>
                               <m:ctrlPr>
-                                <a:rPr kumimoji="0" lang="ar-AE" sz="2000" b="0" i="1" u="none" strike="noStrike" kern="1200" cap="none" spc="0" normalizeH="0" baseline="0" noProof="0">
-                                  <a:ln>
-                                    <a:noFill/>
-                                  </a:ln>
-                                  <a:solidFill>
-                                    <a:prstClr val="black"/>
-                                  </a:solidFill>
-                                  <a:effectLst/>
-                                  <a:uLnTx/>
-                                  <a:uFillTx/>
+                                <a:rPr lang="ar-AE" sz="2400" i="1">
                                   <a:latin typeface="Cambria Math" panose="02040503050406030204" pitchFamily="18" charset="0"/>
-                                  <a:ea typeface="+mn-ea"/>
                                 </a:rPr>
                               </m:ctrlPr>
                             </m:sSubPr>
                             <m:e>
                               <m:r>
-                                <a:rPr kumimoji="0" lang="ar-AE" sz="2000" b="0" i="0" u="none" strike="noStrike" kern="1200" cap="none" spc="0" normalizeH="0" baseline="0" noProof="0">
-                                  <a:ln>
-                                    <a:noFill/>
-                                  </a:ln>
-                                  <a:solidFill>
-                                    <a:prstClr val="black"/>
-                                  </a:solidFill>
-                                  <a:effectLst/>
-                                  <a:uLnTx/>
-                                  <a:uFillTx/>
+                                <a:rPr lang="ar-AE" sz="2400">
                                   <a:latin typeface="Cambria Math" panose="02040503050406030204" pitchFamily="18" charset="0"/>
-                                  <a:ea typeface="+mn-ea"/>
                                 </a:rPr>
                                 <m:t>𝑚</m:t>
                               </m:r>
                             </m:e>
                             <m:sub>
                               <m:r>
-                                <a:rPr kumimoji="0" lang="ar-AE" sz="2000" b="0" i="0" u="none" strike="noStrike" kern="1200" cap="none" spc="0" normalizeH="0" baseline="0" noProof="0">
-                                  <a:ln>
-                                    <a:noFill/>
-                                  </a:ln>
-                                  <a:solidFill>
-                                    <a:prstClr val="black"/>
-                                  </a:solidFill>
-                                  <a:effectLst/>
-                                  <a:uLnTx/>
-                                  <a:uFillTx/>
+                                <a:rPr lang="ar-AE" sz="2400">
                                   <a:latin typeface="Cambria Math" panose="02040503050406030204" pitchFamily="18" charset="0"/>
-                                  <a:ea typeface="+mn-ea"/>
                                 </a:rPr>
                                 <m:t>2</m:t>
                               </m:r>
@@ -9011,53 +9356,23 @@
                           <m:sSup>
                             <m:sSupPr>
                               <m:ctrlPr>
-                                <a:rPr kumimoji="0" lang="ar-AE" sz="2000" b="0" i="1" u="none" strike="noStrike" kern="1200" cap="none" spc="0" normalizeH="0" baseline="0" noProof="0">
-                                  <a:ln>
-                                    <a:noFill/>
-                                  </a:ln>
-                                  <a:solidFill>
-                                    <a:prstClr val="black"/>
-                                  </a:solidFill>
-                                  <a:effectLst/>
-                                  <a:uLnTx/>
-                                  <a:uFillTx/>
+                                <a:rPr lang="ar-AE" sz="2400" i="1">
                                   <a:latin typeface="Cambria Math" panose="02040503050406030204" pitchFamily="18" charset="0"/>
-                                  <a:ea typeface="+mn-ea"/>
                                 </a:rPr>
                               </m:ctrlPr>
                             </m:sSupPr>
                             <m:e>
                               <m:r>
-                                <a:rPr kumimoji="0" lang="ar-AE" sz="2000" b="0" i="0" u="none" strike="noStrike" kern="1200" cap="none" spc="0" normalizeH="0" baseline="0" noProof="0">
-                                  <a:ln>
-                                    <a:noFill/>
-                                  </a:ln>
-                                  <a:solidFill>
-                                    <a:prstClr val="black"/>
-                                  </a:solidFill>
-                                  <a:effectLst/>
-                                  <a:uLnTx/>
-                                  <a:uFillTx/>
+                                <a:rPr lang="ar-AE" sz="2400">
                                   <a:latin typeface="Cambria Math" panose="02040503050406030204" pitchFamily="18" charset="0"/>
-                                  <a:ea typeface="+mn-ea"/>
                                 </a:rPr>
                                 <m:t>𝑟</m:t>
                               </m:r>
                             </m:e>
                             <m:sup>
                               <m:r>
-                                <a:rPr kumimoji="0" lang="ar-AE" sz="2000" b="0" i="0" u="none" strike="noStrike" kern="1200" cap="none" spc="0" normalizeH="0" baseline="0" noProof="0">
-                                  <a:ln>
-                                    <a:noFill/>
-                                  </a:ln>
-                                  <a:solidFill>
-                                    <a:prstClr val="black"/>
-                                  </a:solidFill>
-                                  <a:effectLst/>
-                                  <a:uLnTx/>
-                                  <a:uFillTx/>
+                                <a:rPr lang="ar-AE" sz="2400">
                                   <a:latin typeface="Cambria Math" panose="02040503050406030204" pitchFamily="18" charset="0"/>
-                                  <a:ea typeface="+mn-ea"/>
                                 </a:rPr>
                                 <m:t>3</m:t>
                               </m:r>
@@ -9068,53 +9383,23 @@
                       <m:sSub>
                         <m:sSubPr>
                           <m:ctrlPr>
-                            <a:rPr kumimoji="0" lang="ar-AE" sz="2000" b="0" i="1" u="none" strike="noStrike" kern="1200" cap="none" spc="0" normalizeH="0" baseline="0" noProof="0">
-                              <a:ln>
-                                <a:noFill/>
-                              </a:ln>
-                              <a:solidFill>
-                                <a:prstClr val="black"/>
-                              </a:solidFill>
-                              <a:effectLst/>
-                              <a:uLnTx/>
-                              <a:uFillTx/>
+                            <a:rPr lang="ar-AE" sz="2400" i="1">
                               <a:latin typeface="Cambria Math" panose="02040503050406030204" pitchFamily="18" charset="0"/>
-                              <a:ea typeface="+mn-ea"/>
                             </a:rPr>
                           </m:ctrlPr>
                         </m:sSubPr>
                         <m:e>
                           <m:r>
-                            <a:rPr kumimoji="0" lang="ar-AE" sz="2000" b="0" i="0" u="none" strike="noStrike" kern="1200" cap="none" spc="0" normalizeH="0" baseline="0" noProof="0">
-                              <a:ln>
-                                <a:noFill/>
-                              </a:ln>
-                              <a:solidFill>
-                                <a:prstClr val="black"/>
-                              </a:solidFill>
-                              <a:effectLst/>
-                              <a:uLnTx/>
-                              <a:uFillTx/>
+                            <a:rPr lang="ar-AE" sz="2400">
                               <a:latin typeface="Cambria Math" panose="02040503050406030204" pitchFamily="18" charset="0"/>
-                              <a:ea typeface="+mn-ea"/>
                             </a:rPr>
                             <m:t>𝑟</m:t>
                           </m:r>
                         </m:e>
                         <m:sub>
                           <m:r>
-                            <a:rPr kumimoji="0" lang="ar-AE" sz="2000" b="0" i="0" u="none" strike="noStrike" kern="1200" cap="none" spc="0" normalizeH="0" baseline="0" noProof="0">
-                              <a:ln>
-                                <a:noFill/>
-                              </a:ln>
-                              <a:solidFill>
-                                <a:prstClr val="black"/>
-                              </a:solidFill>
-                              <a:effectLst/>
-                              <a:uLnTx/>
-                              <a:uFillTx/>
+                            <a:rPr lang="ar-AE" sz="2400">
                               <a:latin typeface="Cambria Math" panose="02040503050406030204" pitchFamily="18" charset="0"/>
-                              <a:ea typeface="+mn-ea"/>
                             </a:rPr>
                             <m:t>12</m:t>
                           </m:r>
@@ -9123,18 +9408,8 @@
                     </m:oMath>
                   </m:oMathPara>
                 </a14:m>
-                <a:endParaRPr kumimoji="0" lang="ar-AE" sz="2000" b="0" i="0" u="none" strike="noStrike" kern="1200" cap="none" spc="0" normalizeH="0" baseline="0" noProof="0" dirty="0">
-                  <a:ln>
-                    <a:noFill/>
-                  </a:ln>
-                  <a:solidFill>
-                    <a:prstClr val="black"/>
-                  </a:solidFill>
-                  <a:effectLst/>
-                  <a:uLnTx/>
-                  <a:uFillTx/>
-                  <a:latin typeface="Calibri" panose="020F0502020204030204"/>
-                  <a:ea typeface="+mn-ea"/>
+                <a:endParaRPr lang="ar-AE" sz="2400" dirty="0">
+                  <a:latin typeface="Arial" panose="020B0604020202020204" pitchFamily="34" charset="0"/>
                   <a:cs typeface="Arial" panose="020B0604020202020204" pitchFamily="34" charset="0"/>
                 </a:endParaRPr>
               </a:p>
@@ -9144,10 +9419,10 @@
         <mc:Fallback>
           <p:sp>
             <p:nvSpPr>
-              <p:cNvPr id="14" name="ZoneTexte 13">
+              <p:cNvPr id="10" name="ZoneTexte 9">
                 <a:extLst>
                   <a:ext uri="{FF2B5EF4-FFF2-40B4-BE49-F238E27FC236}">
-                    <a16:creationId xmlns:a16="http://schemas.microsoft.com/office/drawing/2014/main" id="{74115200-4771-490F-9C7F-E660446F7A94}"/>
+                    <a16:creationId xmlns:a16="http://schemas.microsoft.com/office/drawing/2014/main" id="{C576A423-F277-458F-9349-3F653F5E9A88}"/>
                   </a:ext>
                 </a:extLst>
               </p:cNvPr>
@@ -9158,8 +9433,8 @@
             </p:nvSpPr>
             <p:spPr>
               <a:xfrm>
-                <a:off x="4353463" y="2410117"/>
-                <a:ext cx="4619134" cy="1546257"/>
+                <a:off x="1909727" y="2204954"/>
+                <a:ext cx="5324545" cy="3371564"/>
               </a:xfrm>
               <a:prstGeom prst="rect">
                 <a:avLst/>
@@ -9167,7 +9442,7 @@
               <a:blipFill>
                 <a:blip r:embed="rId3"/>
                 <a:stretch>
-                  <a:fillRect/>
+                  <a:fillRect t="-1266" r="-114"/>
                 </a:stretch>
               </a:blipFill>
             </p:spPr>
@@ -9189,7 +9464,7 @@
     </p:spTree>
     <p:extLst>
       <p:ext uri="{BB962C8B-B14F-4D97-AF65-F5344CB8AC3E}">
-        <p14:creationId xmlns:p14="http://schemas.microsoft.com/office/powerpoint/2010/main" val="2224258019"/>
+        <p14:creationId xmlns:p14="http://schemas.microsoft.com/office/powerpoint/2010/main" val="1306453787"/>
       </p:ext>
     </p:extLst>
   </p:cSld>
@@ -9356,7 +9631,7 @@
               <a:buNone/>
             </a:pPr>
             <a:r>
-              <a:rPr lang="fr-FR" sz="3500" b="1" dirty="0"/>
+              <a:rPr lang="fr-FR" sz="4000" b="1" dirty="0"/>
               <a:t>Problème à 3 corps</a:t>
             </a:r>
           </a:p>
@@ -9512,37 +9787,63 @@
         <mc:Choice xmlns:a14="http://schemas.microsoft.com/office/drawing/2010/main" Requires="a14">
           <p:sp>
             <p:nvSpPr>
-              <p:cNvPr id="9" name="ZoneTexte 8">
+              <p:cNvPr id="11" name="Content Placeholder 2">
                 <a:extLst>
                   <a:ext uri="{FF2B5EF4-FFF2-40B4-BE49-F238E27FC236}">
-                    <a16:creationId xmlns:a16="http://schemas.microsoft.com/office/drawing/2014/main" id="{48935827-3995-4D81-AE76-A28B09323603}"/>
+                    <a16:creationId xmlns:a16="http://schemas.microsoft.com/office/drawing/2014/main" id="{A2814AD1-5127-49A9-B9AC-0F11DC09BF8D}"/>
                   </a:ext>
                 </a:extLst>
               </p:cNvPr>
-              <p:cNvSpPr txBox="1"/>
-              <p:nvPr/>
+              <p:cNvSpPr>
+                <a:spLocks noGrp="1"/>
+              </p:cNvSpPr>
+              <p:nvPr>
+                <p:ph idx="1"/>
+              </p:nvPr>
             </p:nvSpPr>
             <p:spPr>
               <a:xfrm>
-                <a:off x="2248293" y="2188573"/>
-                <a:ext cx="4647414" cy="2022798"/>
+                <a:off x="294539" y="1511273"/>
+                <a:ext cx="8229600" cy="4525963"/>
               </a:xfrm>
-              <a:prstGeom prst="rect">
-                <a:avLst/>
-              </a:prstGeom>
-              <a:noFill/>
             </p:spPr>
             <p:txBody>
-              <a:bodyPr wrap="square">
-                <a:spAutoFit/>
-              </a:bodyPr>
+              <a:bodyPr/>
               <a:lstStyle/>
               <a:p>
-                <a:pPr/>
+                <a:pPr lvl="1"/>
+                <a:r>
+                  <a:rPr lang="fr-FR" sz="2400" dirty="0">
+                    <a:latin typeface="Arial" panose="020B0604020202020204" pitchFamily="34" charset="0"/>
+                    <a:cs typeface="Arial" panose="020B0604020202020204" pitchFamily="34" charset="0"/>
+                  </a:rPr>
+                  <a:t>Équations Newtoniennes du mouvement :</a:t>
+                </a:r>
+              </a:p>
+              <a:p>
+                <a:pPr lvl="1"/>
+                <a:endParaRPr lang="fr-FR" sz="2400" dirty="0">
+                  <a:latin typeface="Arial" panose="020B0604020202020204" pitchFamily="34" charset="0"/>
+                  <a:cs typeface="Arial" panose="020B0604020202020204" pitchFamily="34" charset="0"/>
+                </a:endParaRPr>
+              </a:p>
+              <a:p>
+                <a:pPr marL="342900" lvl="1" indent="0">
+                  <a:buNone/>
+                </a:pPr>
+                <a:endParaRPr lang="fr-FR" dirty="0">
+                  <a:latin typeface="Arial" panose="020B0604020202020204" pitchFamily="34" charset="0"/>
+                  <a:cs typeface="Arial" panose="020B0604020202020204" pitchFamily="34" charset="0"/>
+                </a:endParaRPr>
+              </a:p>
+              <a:p>
+                <a:pPr marL="0" lvl="0" indent="0">
+                  <a:buNone/>
+                </a:pPr>
                 <a14:m>
                   <m:oMathPara xmlns:m="http://schemas.openxmlformats.org/officeDocument/2006/math">
                     <m:oMathParaPr>
-                      <m:jc m:val="centerGroup"/>
+                      <m:jc m:val="center"/>
                     </m:oMathParaPr>
                     <m:oMath xmlns:m="http://schemas.openxmlformats.org/officeDocument/2006/math">
                       <m:m>
@@ -9556,19 +9857,8 @@
                             </m:mc>
                           </m:mcs>
                           <m:ctrlPr>
-                            <a:rPr kumimoji="0" lang="ar-AE" sz="2100" b="0" i="1" u="none" strike="noStrike" kern="1200" cap="none" spc="0" normalizeH="0" baseline="0" noProof="0" smtClean="0">
-                              <a:ln>
-                                <a:noFill/>
-                              </a:ln>
-                              <a:solidFill>
-                                <a:prstClr val="black"/>
-                              </a:solidFill>
-                              <a:effectLst/>
-                              <a:uLnTx/>
-                              <a:uFillTx/>
+                            <a:rPr lang="ar-AE" sz="2400">
                               <a:latin typeface="Cambria Math" panose="02040503050406030204" pitchFamily="18" charset="0"/>
-                              <a:ea typeface="+mn-ea"/>
-                              <a:cs typeface="+mn-cs"/>
                             </a:rPr>
                           </m:ctrlPr>
                         </m:mPr>
@@ -9577,19 +9867,8 @@
                             <m:sSub>
                               <m:sSubPr>
                                 <m:ctrlPr>
-                                  <a:rPr kumimoji="0" lang="ar-AE" sz="2100" b="0" i="1" u="none" strike="noStrike" kern="1200" cap="none" spc="0" normalizeH="0" baseline="0" noProof="0">
-                                    <a:ln>
-                                      <a:noFill/>
-                                    </a:ln>
-                                    <a:solidFill>
-                                      <a:prstClr val="black"/>
-                                    </a:solidFill>
-                                    <a:effectLst/>
-                                    <a:uLnTx/>
-                                    <a:uFillTx/>
+                                  <a:rPr lang="ar-AE" sz="2400">
                                     <a:latin typeface="Cambria Math" panose="02040503050406030204" pitchFamily="18" charset="0"/>
-                                    <a:ea typeface="+mn-ea"/>
-                                    <a:cs typeface="+mn-cs"/>
                                   </a:rPr>
                                 </m:ctrlPr>
                               </m:sSubPr>
@@ -9598,37 +9877,15 @@
                                   <m:accPr>
                                     <m:chr m:val="̈"/>
                                     <m:ctrlPr>
-                                      <a:rPr kumimoji="0" lang="ar-AE" sz="2100" b="0" i="1" u="none" strike="noStrike" kern="1200" cap="none" spc="0" normalizeH="0" baseline="0" noProof="0">
-                                        <a:ln>
-                                          <a:noFill/>
-                                        </a:ln>
-                                        <a:solidFill>
-                                          <a:prstClr val="black"/>
-                                        </a:solidFill>
-                                        <a:effectLst/>
-                                        <a:uLnTx/>
-                                        <a:uFillTx/>
+                                      <a:rPr lang="ar-AE" sz="2400">
                                         <a:latin typeface="Cambria Math" panose="02040503050406030204" pitchFamily="18" charset="0"/>
-                                        <a:ea typeface="+mn-ea"/>
-                                        <a:cs typeface="+mn-cs"/>
                                       </a:rPr>
                                     </m:ctrlPr>
                                   </m:accPr>
                                   <m:e>
                                     <m:r>
-                                      <a:rPr kumimoji="0" lang="ar-AE" sz="2100" b="0" i="0" u="none" strike="noStrike" kern="1200" cap="none" spc="0" normalizeH="0" baseline="0" noProof="0">
-                                        <a:ln>
-                                          <a:noFill/>
-                                        </a:ln>
-                                        <a:solidFill>
-                                          <a:prstClr val="black"/>
-                                        </a:solidFill>
-                                        <a:effectLst/>
-                                        <a:uLnTx/>
-                                        <a:uFillTx/>
+                                      <a:rPr lang="ar-AE" sz="2400">
                                         <a:latin typeface="Cambria Math" panose="02040503050406030204" pitchFamily="18" charset="0"/>
-                                        <a:ea typeface="+mn-ea"/>
-                                        <a:cs typeface="+mn-cs"/>
                                       </a:rPr>
                                       <m:t>𝐫</m:t>
                                     </m:r>
@@ -9637,19 +9894,8 @@
                               </m:e>
                               <m:sub>
                                 <m:r>
-                                  <a:rPr kumimoji="0" lang="ar-AE" sz="2100" b="0" i="0" u="none" strike="noStrike" kern="1200" cap="none" spc="0" normalizeH="0" baseline="0" noProof="0">
-                                    <a:ln>
-                                      <a:noFill/>
-                                    </a:ln>
-                                    <a:solidFill>
-                                      <a:prstClr val="black"/>
-                                    </a:solidFill>
-                                    <a:effectLst/>
-                                    <a:uLnTx/>
-                                    <a:uFillTx/>
+                                  <a:rPr lang="ar-AE" sz="2400">
                                     <a:latin typeface="Cambria Math" panose="02040503050406030204" pitchFamily="18" charset="0"/>
-                                    <a:ea typeface="+mn-ea"/>
-                                    <a:cs typeface="+mn-cs"/>
                                   </a:rPr>
                                   <m:t>𝟏</m:t>
                                 </m:r>
@@ -9658,92 +9904,37 @@
                           </m:e>
                           <m:e>
                             <m:r>
-                              <a:rPr kumimoji="0" lang="ar-AE" sz="2100" b="0" i="0" u="none" strike="noStrike" kern="1200" cap="none" spc="0" normalizeH="0" baseline="0" noProof="0">
-                                <a:ln>
-                                  <a:noFill/>
-                                </a:ln>
-                                <a:solidFill>
-                                  <a:prstClr val="black"/>
-                                </a:solidFill>
-                                <a:effectLst/>
-                                <a:uLnTx/>
-                                <a:uFillTx/>
+                              <a:rPr lang="ar-AE" sz="2400">
                                 <a:latin typeface="Cambria Math" panose="02040503050406030204" pitchFamily="18" charset="0"/>
-                                <a:ea typeface="+mn-ea"/>
-                                <a:cs typeface="+mn-cs"/>
                               </a:rPr>
                               <m:t>=−</m:t>
                             </m:r>
                             <m:r>
-                              <a:rPr kumimoji="0" lang="ar-AE" sz="2100" b="0" i="0" u="none" strike="noStrike" kern="1200" cap="none" spc="0" normalizeH="0" baseline="0" noProof="0">
-                                <a:ln>
-                                  <a:noFill/>
-                                </a:ln>
-                                <a:solidFill>
-                                  <a:prstClr val="black"/>
-                                </a:solidFill>
-                                <a:effectLst/>
-                                <a:uLnTx/>
-                                <a:uFillTx/>
+                              <a:rPr lang="ar-AE" sz="2400">
                                 <a:latin typeface="Cambria Math" panose="02040503050406030204" pitchFamily="18" charset="0"/>
-                                <a:ea typeface="+mn-ea"/>
-                                <a:cs typeface="+mn-cs"/>
                               </a:rPr>
                               <m:t>𝐺</m:t>
                             </m:r>
                             <m:sSub>
                               <m:sSubPr>
                                 <m:ctrlPr>
-                                  <a:rPr kumimoji="0" lang="ar-AE" sz="2100" b="0" i="1" u="none" strike="noStrike" kern="1200" cap="none" spc="0" normalizeH="0" baseline="0" noProof="0">
-                                    <a:ln>
-                                      <a:noFill/>
-                                    </a:ln>
-                                    <a:solidFill>
-                                      <a:prstClr val="black"/>
-                                    </a:solidFill>
-                                    <a:effectLst/>
-                                    <a:uLnTx/>
-                                    <a:uFillTx/>
+                                  <a:rPr lang="ar-AE" sz="2400" i="1">
                                     <a:latin typeface="Cambria Math" panose="02040503050406030204" pitchFamily="18" charset="0"/>
-                                    <a:ea typeface="+mn-ea"/>
-                                    <a:cs typeface="+mn-cs"/>
                                   </a:rPr>
                                 </m:ctrlPr>
                               </m:sSubPr>
                               <m:e>
                                 <m:r>
-                                  <a:rPr kumimoji="0" lang="ar-AE" sz="2100" b="0" i="0" u="none" strike="noStrike" kern="1200" cap="none" spc="0" normalizeH="0" baseline="0" noProof="0">
-                                    <a:ln>
-                                      <a:noFill/>
-                                    </a:ln>
-                                    <a:solidFill>
-                                      <a:prstClr val="black"/>
-                                    </a:solidFill>
-                                    <a:effectLst/>
-                                    <a:uLnTx/>
-                                    <a:uFillTx/>
+                                  <a:rPr lang="ar-AE" sz="2400">
                                     <a:latin typeface="Cambria Math" panose="02040503050406030204" pitchFamily="18" charset="0"/>
-                                    <a:ea typeface="+mn-ea"/>
-                                    <a:cs typeface="+mn-cs"/>
                                   </a:rPr>
                                   <m:t>𝑚</m:t>
                                 </m:r>
                               </m:e>
                               <m:sub>
                                 <m:r>
-                                  <a:rPr kumimoji="0" lang="ar-AE" sz="2100" b="0" i="0" u="none" strike="noStrike" kern="1200" cap="none" spc="0" normalizeH="0" baseline="0" noProof="0">
-                                    <a:ln>
-                                      <a:noFill/>
-                                    </a:ln>
-                                    <a:solidFill>
-                                      <a:prstClr val="black"/>
-                                    </a:solidFill>
-                                    <a:effectLst/>
-                                    <a:uLnTx/>
-                                    <a:uFillTx/>
+                                  <a:rPr lang="ar-AE" sz="2400">
                                     <a:latin typeface="Cambria Math" panose="02040503050406030204" pitchFamily="18" charset="0"/>
-                                    <a:ea typeface="+mn-ea"/>
-                                    <a:cs typeface="+mn-cs"/>
                                   </a:rPr>
                                   <m:t>2</m:t>
                                 </m:r>
@@ -9752,19 +9943,8 @@
                             <m:f>
                               <m:fPr>
                                 <m:ctrlPr>
-                                  <a:rPr kumimoji="0" lang="ar-AE" sz="2100" b="0" i="1" u="none" strike="noStrike" kern="1200" cap="none" spc="0" normalizeH="0" baseline="0" noProof="0">
-                                    <a:ln>
-                                      <a:noFill/>
-                                    </a:ln>
-                                    <a:solidFill>
-                                      <a:prstClr val="black"/>
-                                    </a:solidFill>
-                                    <a:effectLst/>
-                                    <a:uLnTx/>
-                                    <a:uFillTx/>
+                                  <a:rPr lang="ar-AE" sz="2400" i="1">
                                     <a:latin typeface="Cambria Math" panose="02040503050406030204" pitchFamily="18" charset="0"/>
-                                    <a:ea typeface="+mn-ea"/>
-                                    <a:cs typeface="+mn-cs"/>
                                   </a:rPr>
                                 </m:ctrlPr>
                               </m:fPr>
@@ -9772,131 +9952,54 @@
                                 <m:sSub>
                                   <m:sSubPr>
                                     <m:ctrlPr>
-                                      <a:rPr kumimoji="0" lang="ar-AE" sz="2100" b="0" i="1" u="none" strike="noStrike" kern="1200" cap="none" spc="0" normalizeH="0" baseline="0" noProof="0">
-                                        <a:ln>
-                                          <a:noFill/>
-                                        </a:ln>
-                                        <a:solidFill>
-                                          <a:prstClr val="black"/>
-                                        </a:solidFill>
-                                        <a:effectLst/>
-                                        <a:uLnTx/>
-                                        <a:uFillTx/>
+                                      <a:rPr lang="ar-AE" sz="2400" i="1">
                                         <a:latin typeface="Cambria Math" panose="02040503050406030204" pitchFamily="18" charset="0"/>
-                                        <a:ea typeface="+mn-ea"/>
-                                        <a:cs typeface="+mn-cs"/>
                                       </a:rPr>
                                     </m:ctrlPr>
                                   </m:sSubPr>
                                   <m:e>
                                     <m:r>
-                                      <a:rPr kumimoji="0" lang="ar-AE" sz="2100" b="0" i="0" u="none" strike="noStrike" kern="1200" cap="none" spc="0" normalizeH="0" baseline="0" noProof="0">
-                                        <a:ln>
-                                          <a:noFill/>
-                                        </a:ln>
-                                        <a:solidFill>
-                                          <a:prstClr val="black"/>
-                                        </a:solidFill>
-                                        <a:effectLst/>
-                                        <a:uLnTx/>
-                                        <a:uFillTx/>
+                                      <a:rPr lang="ar-AE" sz="2400">
                                         <a:latin typeface="Cambria Math" panose="02040503050406030204" pitchFamily="18" charset="0"/>
-                                        <a:ea typeface="+mn-ea"/>
-                                        <a:cs typeface="+mn-cs"/>
                                       </a:rPr>
                                       <m:t>𝐫</m:t>
                                     </m:r>
                                   </m:e>
                                   <m:sub>
                                     <m:r>
-                                      <a:rPr kumimoji="0" lang="ar-AE" sz="2100" b="0" i="0" u="none" strike="noStrike" kern="1200" cap="none" spc="0" normalizeH="0" baseline="0" noProof="0">
-                                        <a:ln>
-                                          <a:noFill/>
-                                        </a:ln>
-                                        <a:solidFill>
-                                          <a:prstClr val="black"/>
-                                        </a:solidFill>
-                                        <a:effectLst/>
-                                        <a:uLnTx/>
-                                        <a:uFillTx/>
+                                      <a:rPr lang="ar-AE" sz="2400">
                                         <a:latin typeface="Cambria Math" panose="02040503050406030204" pitchFamily="18" charset="0"/>
-                                        <a:ea typeface="+mn-ea"/>
-                                        <a:cs typeface="+mn-cs"/>
                                       </a:rPr>
                                       <m:t>𝟏</m:t>
                                     </m:r>
                                   </m:sub>
                                 </m:sSub>
                                 <m:r>
-                                  <a:rPr kumimoji="0" lang="ar-AE" sz="2100" b="0" i="0" u="none" strike="noStrike" kern="1200" cap="none" spc="0" normalizeH="0" baseline="0" noProof="0">
-                                    <a:ln>
-                                      <a:noFill/>
-                                    </a:ln>
-                                    <a:solidFill>
-                                      <a:prstClr val="black"/>
-                                    </a:solidFill>
-                                    <a:effectLst/>
-                                    <a:uLnTx/>
-                                    <a:uFillTx/>
+                                  <a:rPr lang="ar-AE" sz="2400">
                                     <a:latin typeface="Cambria Math" panose="02040503050406030204" pitchFamily="18" charset="0"/>
-                                    <a:ea typeface="+mn-ea"/>
-                                    <a:cs typeface="+mn-cs"/>
                                   </a:rPr>
                                   <m:t>−</m:t>
                                 </m:r>
                                 <m:sSub>
                                   <m:sSubPr>
                                     <m:ctrlPr>
-                                      <a:rPr kumimoji="0" lang="ar-AE" sz="2100" b="0" i="1" u="none" strike="noStrike" kern="1200" cap="none" spc="0" normalizeH="0" baseline="0" noProof="0">
-                                        <a:ln>
-                                          <a:noFill/>
-                                        </a:ln>
-                                        <a:solidFill>
-                                          <a:prstClr val="black"/>
-                                        </a:solidFill>
-                                        <a:effectLst/>
-                                        <a:uLnTx/>
-                                        <a:uFillTx/>
+                                      <a:rPr lang="ar-AE" sz="2400" i="1">
                                         <a:latin typeface="Cambria Math" panose="02040503050406030204" pitchFamily="18" charset="0"/>
-                                        <a:ea typeface="+mn-ea"/>
-                                        <a:cs typeface="+mn-cs"/>
                                       </a:rPr>
                                     </m:ctrlPr>
                                   </m:sSubPr>
                                   <m:e>
                                     <m:r>
-                                      <a:rPr kumimoji="0" lang="ar-AE" sz="2100" b="0" i="0" u="none" strike="noStrike" kern="1200" cap="none" spc="0" normalizeH="0" baseline="0" noProof="0">
-                                        <a:ln>
-                                          <a:noFill/>
-                                        </a:ln>
-                                        <a:solidFill>
-                                          <a:prstClr val="black"/>
-                                        </a:solidFill>
-                                        <a:effectLst/>
-                                        <a:uLnTx/>
-                                        <a:uFillTx/>
+                                      <a:rPr lang="ar-AE" sz="2400">
                                         <a:latin typeface="Cambria Math" panose="02040503050406030204" pitchFamily="18" charset="0"/>
-                                        <a:ea typeface="+mn-ea"/>
-                                        <a:cs typeface="+mn-cs"/>
                                       </a:rPr>
                                       <m:t>𝐫</m:t>
                                     </m:r>
                                   </m:e>
                                   <m:sub>
                                     <m:r>
-                                      <a:rPr kumimoji="0" lang="ar-AE" sz="2100" b="0" i="0" u="none" strike="noStrike" kern="1200" cap="none" spc="0" normalizeH="0" baseline="0" noProof="0">
-                                        <a:ln>
-                                          <a:noFill/>
-                                        </a:ln>
-                                        <a:solidFill>
-                                          <a:prstClr val="black"/>
-                                        </a:solidFill>
-                                        <a:effectLst/>
-                                        <a:uLnTx/>
-                                        <a:uFillTx/>
+                                      <a:rPr lang="ar-AE" sz="2400">
                                         <a:latin typeface="Cambria Math" panose="02040503050406030204" pitchFamily="18" charset="0"/>
-                                        <a:ea typeface="+mn-ea"/>
-                                        <a:cs typeface="+mn-cs"/>
                                       </a:rPr>
                                       <m:t>𝟐</m:t>
                                     </m:r>
@@ -9905,150 +10008,62 @@
                               </m:num>
                               <m:den>
                                 <m:r>
-                                  <a:rPr kumimoji="0" lang="ar-AE" sz="2100" b="0" i="0" u="none" strike="noStrike" kern="1200" cap="none" spc="0" normalizeH="0" baseline="0" noProof="0">
-                                    <a:ln>
-                                      <a:noFill/>
-                                    </a:ln>
-                                    <a:solidFill>
-                                      <a:prstClr val="black"/>
-                                    </a:solidFill>
-                                    <a:effectLst/>
-                                    <a:uLnTx/>
-                                    <a:uFillTx/>
+                                  <a:rPr lang="ar-AE" sz="2400">
                                     <a:latin typeface="Cambria Math" panose="02040503050406030204" pitchFamily="18" charset="0"/>
-                                    <a:ea typeface="+mn-ea"/>
-                                    <a:cs typeface="+mn-cs"/>
                                   </a:rPr>
                                   <m:t>|</m:t>
                                 </m:r>
                                 <m:sSub>
                                   <m:sSubPr>
                                     <m:ctrlPr>
-                                      <a:rPr kumimoji="0" lang="ar-AE" sz="2100" b="0" i="1" u="none" strike="noStrike" kern="1200" cap="none" spc="0" normalizeH="0" baseline="0" noProof="0">
-                                        <a:ln>
-                                          <a:noFill/>
-                                        </a:ln>
-                                        <a:solidFill>
-                                          <a:prstClr val="black"/>
-                                        </a:solidFill>
-                                        <a:effectLst/>
-                                        <a:uLnTx/>
-                                        <a:uFillTx/>
+                                      <a:rPr lang="ar-AE" sz="2400" i="1">
                                         <a:latin typeface="Cambria Math" panose="02040503050406030204" pitchFamily="18" charset="0"/>
-                                        <a:ea typeface="+mn-ea"/>
-                                        <a:cs typeface="+mn-cs"/>
                                       </a:rPr>
                                     </m:ctrlPr>
                                   </m:sSubPr>
                                   <m:e>
                                     <m:r>
-                                      <a:rPr kumimoji="0" lang="ar-AE" sz="2100" b="0" i="0" u="none" strike="noStrike" kern="1200" cap="none" spc="0" normalizeH="0" baseline="0" noProof="0">
-                                        <a:ln>
-                                          <a:noFill/>
-                                        </a:ln>
-                                        <a:solidFill>
-                                          <a:prstClr val="black"/>
-                                        </a:solidFill>
-                                        <a:effectLst/>
-                                        <a:uLnTx/>
-                                        <a:uFillTx/>
+                                      <a:rPr lang="ar-AE" sz="2400">
                                         <a:latin typeface="Cambria Math" panose="02040503050406030204" pitchFamily="18" charset="0"/>
-                                        <a:ea typeface="+mn-ea"/>
-                                        <a:cs typeface="+mn-cs"/>
                                       </a:rPr>
                                       <m:t>𝐫</m:t>
                                     </m:r>
                                   </m:e>
                                   <m:sub>
                                     <m:r>
-                                      <a:rPr kumimoji="0" lang="ar-AE" sz="2100" b="0" i="0" u="none" strike="noStrike" kern="1200" cap="none" spc="0" normalizeH="0" baseline="0" noProof="0">
-                                        <a:ln>
-                                          <a:noFill/>
-                                        </a:ln>
-                                        <a:solidFill>
-                                          <a:prstClr val="black"/>
-                                        </a:solidFill>
-                                        <a:effectLst/>
-                                        <a:uLnTx/>
-                                        <a:uFillTx/>
+                                      <a:rPr lang="ar-AE" sz="2400">
                                         <a:latin typeface="Cambria Math" panose="02040503050406030204" pitchFamily="18" charset="0"/>
-                                        <a:ea typeface="+mn-ea"/>
-                                        <a:cs typeface="+mn-cs"/>
                                       </a:rPr>
                                       <m:t>𝟏</m:t>
                                     </m:r>
                                   </m:sub>
                                 </m:sSub>
                                 <m:r>
-                                  <a:rPr kumimoji="0" lang="ar-AE" sz="2100" b="0" i="0" u="none" strike="noStrike" kern="1200" cap="none" spc="0" normalizeH="0" baseline="0" noProof="0">
-                                    <a:ln>
-                                      <a:noFill/>
-                                    </a:ln>
-                                    <a:solidFill>
-                                      <a:prstClr val="black"/>
-                                    </a:solidFill>
-                                    <a:effectLst/>
-                                    <a:uLnTx/>
-                                    <a:uFillTx/>
+                                  <a:rPr lang="ar-AE" sz="2400">
                                     <a:latin typeface="Cambria Math" panose="02040503050406030204" pitchFamily="18" charset="0"/>
-                                    <a:ea typeface="+mn-ea"/>
-                                    <a:cs typeface="+mn-cs"/>
                                   </a:rPr>
                                   <m:t>−</m:t>
                                 </m:r>
                                 <m:sSub>
                                   <m:sSubPr>
                                     <m:ctrlPr>
-                                      <a:rPr kumimoji="0" lang="ar-AE" sz="2100" b="0" i="1" u="none" strike="noStrike" kern="1200" cap="none" spc="0" normalizeH="0" baseline="0" noProof="0">
-                                        <a:ln>
-                                          <a:noFill/>
-                                        </a:ln>
-                                        <a:solidFill>
-                                          <a:prstClr val="black"/>
-                                        </a:solidFill>
-                                        <a:effectLst/>
-                                        <a:uLnTx/>
-                                        <a:uFillTx/>
+                                      <a:rPr lang="ar-AE" sz="2400" i="1">
                                         <a:latin typeface="Cambria Math" panose="02040503050406030204" pitchFamily="18" charset="0"/>
-                                        <a:ea typeface="+mn-ea"/>
-                                        <a:cs typeface="+mn-cs"/>
                                       </a:rPr>
                                     </m:ctrlPr>
                                   </m:sSubPr>
                                   <m:e>
                                     <m:r>
-                                      <a:rPr kumimoji="0" lang="ar-AE" sz="2100" b="0" i="0" u="none" strike="noStrike" kern="1200" cap="none" spc="0" normalizeH="0" baseline="0" noProof="0">
-                                        <a:ln>
-                                          <a:noFill/>
-                                        </a:ln>
-                                        <a:solidFill>
-                                          <a:prstClr val="black"/>
-                                        </a:solidFill>
-                                        <a:effectLst/>
-                                        <a:uLnTx/>
-                                        <a:uFillTx/>
+                                      <a:rPr lang="ar-AE" sz="2400">
                                         <a:latin typeface="Cambria Math" panose="02040503050406030204" pitchFamily="18" charset="0"/>
-                                        <a:ea typeface="+mn-ea"/>
-                                        <a:cs typeface="+mn-cs"/>
                                       </a:rPr>
                                       <m:t>𝐫</m:t>
                                     </m:r>
                                   </m:e>
                                   <m:sub>
                                     <m:r>
-                                      <a:rPr kumimoji="0" lang="ar-AE" sz="2100" b="0" i="0" u="none" strike="noStrike" kern="1200" cap="none" spc="0" normalizeH="0" baseline="0" noProof="0">
-                                        <a:ln>
-                                          <a:noFill/>
-                                        </a:ln>
-                                        <a:solidFill>
-                                          <a:prstClr val="black"/>
-                                        </a:solidFill>
-                                        <a:effectLst/>
-                                        <a:uLnTx/>
-                                        <a:uFillTx/>
+                                      <a:rPr lang="ar-AE" sz="2400">
                                         <a:latin typeface="Cambria Math" panose="02040503050406030204" pitchFamily="18" charset="0"/>
-                                        <a:ea typeface="+mn-ea"/>
-                                        <a:cs typeface="+mn-cs"/>
                                       </a:rPr>
                                       <m:t>𝟐</m:t>
                                     </m:r>
@@ -10057,56 +10072,23 @@
                                 <m:sSup>
                                   <m:sSupPr>
                                     <m:ctrlPr>
-                                      <a:rPr kumimoji="0" lang="ar-AE" sz="2100" b="0" i="1" u="none" strike="noStrike" kern="1200" cap="none" spc="0" normalizeH="0" baseline="0" noProof="0">
-                                        <a:ln>
-                                          <a:noFill/>
-                                        </a:ln>
-                                        <a:solidFill>
-                                          <a:prstClr val="black"/>
-                                        </a:solidFill>
-                                        <a:effectLst/>
-                                        <a:uLnTx/>
-                                        <a:uFillTx/>
+                                      <a:rPr lang="ar-AE" sz="2400" i="1">
                                         <a:latin typeface="Cambria Math" panose="02040503050406030204" pitchFamily="18" charset="0"/>
-                                        <a:ea typeface="+mn-ea"/>
-                                        <a:cs typeface="+mn-cs"/>
                                       </a:rPr>
                                     </m:ctrlPr>
                                   </m:sSupPr>
                                   <m:e>
                                     <m:r>
-                                      <a:rPr kumimoji="0" lang="ar-AE" sz="2100" b="0" i="0" u="none" strike="noStrike" kern="1200" cap="none" spc="0" normalizeH="0" baseline="0" noProof="0">
-                                        <a:ln>
-                                          <a:noFill/>
-                                        </a:ln>
-                                        <a:solidFill>
-                                          <a:prstClr val="black"/>
-                                        </a:solidFill>
-                                        <a:effectLst/>
-                                        <a:uLnTx/>
-                                        <a:uFillTx/>
+                                      <a:rPr lang="ar-AE" sz="2400">
                                         <a:latin typeface="Cambria Math" panose="02040503050406030204" pitchFamily="18" charset="0"/>
-                                        <a:ea typeface="+mn-ea"/>
-                                        <a:cs typeface="+mn-cs"/>
                                       </a:rPr>
                                       <m:t>|</m:t>
                                     </m:r>
                                   </m:e>
                                   <m:sup>
                                     <m:r>
-                                      <a:rPr kumimoji="0" lang="ar-AE" sz="2100" b="0" i="0" u="none" strike="noStrike" kern="1200" cap="none" spc="0" normalizeH="0" baseline="0" noProof="0">
-                                        <a:ln>
-                                          <a:noFill/>
-                                        </a:ln>
-                                        <a:solidFill>
-                                          <a:prstClr val="black"/>
-                                        </a:solidFill>
-                                        <a:effectLst/>
-                                        <a:uLnTx/>
-                                        <a:uFillTx/>
+                                      <a:rPr lang="ar-AE" sz="2400">
                                         <a:latin typeface="Cambria Math" panose="02040503050406030204" pitchFamily="18" charset="0"/>
-                                        <a:ea typeface="+mn-ea"/>
-                                        <a:cs typeface="+mn-cs"/>
                                       </a:rPr>
                                       <m:t>3</m:t>
                                     </m:r>
@@ -10115,92 +10097,37 @@
                               </m:den>
                             </m:f>
                             <m:r>
-                              <a:rPr kumimoji="0" lang="ar-AE" sz="2100" b="0" i="0" u="none" strike="noStrike" kern="1200" cap="none" spc="0" normalizeH="0" baseline="0" noProof="0">
-                                <a:ln>
-                                  <a:noFill/>
-                                </a:ln>
-                                <a:solidFill>
-                                  <a:prstClr val="black"/>
-                                </a:solidFill>
-                                <a:effectLst/>
-                                <a:uLnTx/>
-                                <a:uFillTx/>
+                              <a:rPr lang="ar-AE" sz="2400">
                                 <a:latin typeface="Cambria Math" panose="02040503050406030204" pitchFamily="18" charset="0"/>
-                                <a:ea typeface="+mn-ea"/>
-                                <a:cs typeface="+mn-cs"/>
                               </a:rPr>
                               <m:t>−</m:t>
                             </m:r>
                             <m:r>
-                              <a:rPr kumimoji="0" lang="ar-AE" sz="2100" b="0" i="0" u="none" strike="noStrike" kern="1200" cap="none" spc="0" normalizeH="0" baseline="0" noProof="0">
-                                <a:ln>
-                                  <a:noFill/>
-                                </a:ln>
-                                <a:solidFill>
-                                  <a:prstClr val="black"/>
-                                </a:solidFill>
-                                <a:effectLst/>
-                                <a:uLnTx/>
-                                <a:uFillTx/>
+                              <a:rPr lang="ar-AE" sz="2400">
                                 <a:latin typeface="Cambria Math" panose="02040503050406030204" pitchFamily="18" charset="0"/>
-                                <a:ea typeface="+mn-ea"/>
-                                <a:cs typeface="+mn-cs"/>
                               </a:rPr>
                               <m:t>𝐺</m:t>
                             </m:r>
                             <m:sSub>
                               <m:sSubPr>
                                 <m:ctrlPr>
-                                  <a:rPr kumimoji="0" lang="ar-AE" sz="2100" b="0" i="1" u="none" strike="noStrike" kern="1200" cap="none" spc="0" normalizeH="0" baseline="0" noProof="0">
-                                    <a:ln>
-                                      <a:noFill/>
-                                    </a:ln>
-                                    <a:solidFill>
-                                      <a:prstClr val="black"/>
-                                    </a:solidFill>
-                                    <a:effectLst/>
-                                    <a:uLnTx/>
-                                    <a:uFillTx/>
+                                  <a:rPr lang="ar-AE" sz="2400" i="1">
                                     <a:latin typeface="Cambria Math" panose="02040503050406030204" pitchFamily="18" charset="0"/>
-                                    <a:ea typeface="+mn-ea"/>
-                                    <a:cs typeface="+mn-cs"/>
                                   </a:rPr>
                                 </m:ctrlPr>
                               </m:sSubPr>
                               <m:e>
                                 <m:r>
-                                  <a:rPr kumimoji="0" lang="ar-AE" sz="2100" b="0" i="0" u="none" strike="noStrike" kern="1200" cap="none" spc="0" normalizeH="0" baseline="0" noProof="0">
-                                    <a:ln>
-                                      <a:noFill/>
-                                    </a:ln>
-                                    <a:solidFill>
-                                      <a:prstClr val="black"/>
-                                    </a:solidFill>
-                                    <a:effectLst/>
-                                    <a:uLnTx/>
-                                    <a:uFillTx/>
+                                  <a:rPr lang="ar-AE" sz="2400">
                                     <a:latin typeface="Cambria Math" panose="02040503050406030204" pitchFamily="18" charset="0"/>
-                                    <a:ea typeface="+mn-ea"/>
-                                    <a:cs typeface="+mn-cs"/>
                                   </a:rPr>
                                   <m:t>𝑚</m:t>
                                 </m:r>
                               </m:e>
                               <m:sub>
                                 <m:r>
-                                  <a:rPr kumimoji="0" lang="ar-AE" sz="2100" b="0" i="0" u="none" strike="noStrike" kern="1200" cap="none" spc="0" normalizeH="0" baseline="0" noProof="0">
-                                    <a:ln>
-                                      <a:noFill/>
-                                    </a:ln>
-                                    <a:solidFill>
-                                      <a:prstClr val="black"/>
-                                    </a:solidFill>
-                                    <a:effectLst/>
-                                    <a:uLnTx/>
-                                    <a:uFillTx/>
+                                  <a:rPr lang="ar-AE" sz="2400">
                                     <a:latin typeface="Cambria Math" panose="02040503050406030204" pitchFamily="18" charset="0"/>
-                                    <a:ea typeface="+mn-ea"/>
-                                    <a:cs typeface="+mn-cs"/>
                                   </a:rPr>
                                   <m:t>3</m:t>
                                 </m:r>
@@ -10209,19 +10136,8 @@
                             <m:f>
                               <m:fPr>
                                 <m:ctrlPr>
-                                  <a:rPr kumimoji="0" lang="ar-AE" sz="2100" b="0" i="1" u="none" strike="noStrike" kern="1200" cap="none" spc="0" normalizeH="0" baseline="0" noProof="0">
-                                    <a:ln>
-                                      <a:noFill/>
-                                    </a:ln>
-                                    <a:solidFill>
-                                      <a:prstClr val="black"/>
-                                    </a:solidFill>
-                                    <a:effectLst/>
-                                    <a:uLnTx/>
-                                    <a:uFillTx/>
+                                  <a:rPr lang="ar-AE" sz="2400" i="1">
                                     <a:latin typeface="Cambria Math" panose="02040503050406030204" pitchFamily="18" charset="0"/>
-                                    <a:ea typeface="+mn-ea"/>
-                                    <a:cs typeface="+mn-cs"/>
                                   </a:rPr>
                                 </m:ctrlPr>
                               </m:fPr>
@@ -10229,131 +10145,54 @@
                                 <m:sSub>
                                   <m:sSubPr>
                                     <m:ctrlPr>
-                                      <a:rPr kumimoji="0" lang="ar-AE" sz="2100" b="0" i="1" u="none" strike="noStrike" kern="1200" cap="none" spc="0" normalizeH="0" baseline="0" noProof="0">
-                                        <a:ln>
-                                          <a:noFill/>
-                                        </a:ln>
-                                        <a:solidFill>
-                                          <a:prstClr val="black"/>
-                                        </a:solidFill>
-                                        <a:effectLst/>
-                                        <a:uLnTx/>
-                                        <a:uFillTx/>
+                                      <a:rPr lang="ar-AE" sz="2400" i="1">
                                         <a:latin typeface="Cambria Math" panose="02040503050406030204" pitchFamily="18" charset="0"/>
-                                        <a:ea typeface="+mn-ea"/>
-                                        <a:cs typeface="+mn-cs"/>
                                       </a:rPr>
                                     </m:ctrlPr>
                                   </m:sSubPr>
                                   <m:e>
                                     <m:r>
-                                      <a:rPr kumimoji="0" lang="ar-AE" sz="2100" b="0" i="0" u="none" strike="noStrike" kern="1200" cap="none" spc="0" normalizeH="0" baseline="0" noProof="0">
-                                        <a:ln>
-                                          <a:noFill/>
-                                        </a:ln>
-                                        <a:solidFill>
-                                          <a:prstClr val="black"/>
-                                        </a:solidFill>
-                                        <a:effectLst/>
-                                        <a:uLnTx/>
-                                        <a:uFillTx/>
+                                      <a:rPr lang="ar-AE" sz="2400">
                                         <a:latin typeface="Cambria Math" panose="02040503050406030204" pitchFamily="18" charset="0"/>
-                                        <a:ea typeface="+mn-ea"/>
-                                        <a:cs typeface="+mn-cs"/>
                                       </a:rPr>
                                       <m:t>𝐫</m:t>
                                     </m:r>
                                   </m:e>
                                   <m:sub>
                                     <m:r>
-                                      <a:rPr kumimoji="0" lang="ar-AE" sz="2100" b="0" i="0" u="none" strike="noStrike" kern="1200" cap="none" spc="0" normalizeH="0" baseline="0" noProof="0">
-                                        <a:ln>
-                                          <a:noFill/>
-                                        </a:ln>
-                                        <a:solidFill>
-                                          <a:prstClr val="black"/>
-                                        </a:solidFill>
-                                        <a:effectLst/>
-                                        <a:uLnTx/>
-                                        <a:uFillTx/>
+                                      <a:rPr lang="ar-AE" sz="2400">
                                         <a:latin typeface="Cambria Math" panose="02040503050406030204" pitchFamily="18" charset="0"/>
-                                        <a:ea typeface="+mn-ea"/>
-                                        <a:cs typeface="+mn-cs"/>
                                       </a:rPr>
                                       <m:t>𝟏</m:t>
                                     </m:r>
                                   </m:sub>
                                 </m:sSub>
                                 <m:r>
-                                  <a:rPr kumimoji="0" lang="ar-AE" sz="2100" b="0" i="0" u="none" strike="noStrike" kern="1200" cap="none" spc="0" normalizeH="0" baseline="0" noProof="0">
-                                    <a:ln>
-                                      <a:noFill/>
-                                    </a:ln>
-                                    <a:solidFill>
-                                      <a:prstClr val="black"/>
-                                    </a:solidFill>
-                                    <a:effectLst/>
-                                    <a:uLnTx/>
-                                    <a:uFillTx/>
+                                  <a:rPr lang="ar-AE" sz="2400">
                                     <a:latin typeface="Cambria Math" panose="02040503050406030204" pitchFamily="18" charset="0"/>
-                                    <a:ea typeface="+mn-ea"/>
-                                    <a:cs typeface="+mn-cs"/>
                                   </a:rPr>
                                   <m:t>−</m:t>
                                 </m:r>
                                 <m:sSub>
                                   <m:sSubPr>
                                     <m:ctrlPr>
-                                      <a:rPr kumimoji="0" lang="ar-AE" sz="2100" b="0" i="1" u="none" strike="noStrike" kern="1200" cap="none" spc="0" normalizeH="0" baseline="0" noProof="0">
-                                        <a:ln>
-                                          <a:noFill/>
-                                        </a:ln>
-                                        <a:solidFill>
-                                          <a:prstClr val="black"/>
-                                        </a:solidFill>
-                                        <a:effectLst/>
-                                        <a:uLnTx/>
-                                        <a:uFillTx/>
+                                      <a:rPr lang="ar-AE" sz="2400" i="1">
                                         <a:latin typeface="Cambria Math" panose="02040503050406030204" pitchFamily="18" charset="0"/>
-                                        <a:ea typeface="+mn-ea"/>
-                                        <a:cs typeface="+mn-cs"/>
                                       </a:rPr>
                                     </m:ctrlPr>
                                   </m:sSubPr>
                                   <m:e>
                                     <m:r>
-                                      <a:rPr kumimoji="0" lang="ar-AE" sz="2100" b="0" i="0" u="none" strike="noStrike" kern="1200" cap="none" spc="0" normalizeH="0" baseline="0" noProof="0">
-                                        <a:ln>
-                                          <a:noFill/>
-                                        </a:ln>
-                                        <a:solidFill>
-                                          <a:prstClr val="black"/>
-                                        </a:solidFill>
-                                        <a:effectLst/>
-                                        <a:uLnTx/>
-                                        <a:uFillTx/>
+                                      <a:rPr lang="ar-AE" sz="2400">
                                         <a:latin typeface="Cambria Math" panose="02040503050406030204" pitchFamily="18" charset="0"/>
-                                        <a:ea typeface="+mn-ea"/>
-                                        <a:cs typeface="+mn-cs"/>
                                       </a:rPr>
                                       <m:t>𝐫</m:t>
                                     </m:r>
                                   </m:e>
                                   <m:sub>
                                     <m:r>
-                                      <a:rPr kumimoji="0" lang="ar-AE" sz="2100" b="0" i="0" u="none" strike="noStrike" kern="1200" cap="none" spc="0" normalizeH="0" baseline="0" noProof="0">
-                                        <a:ln>
-                                          <a:noFill/>
-                                        </a:ln>
-                                        <a:solidFill>
-                                          <a:prstClr val="black"/>
-                                        </a:solidFill>
-                                        <a:effectLst/>
-                                        <a:uLnTx/>
-                                        <a:uFillTx/>
+                                      <a:rPr lang="ar-AE" sz="2400">
                                         <a:latin typeface="Cambria Math" panose="02040503050406030204" pitchFamily="18" charset="0"/>
-                                        <a:ea typeface="+mn-ea"/>
-                                        <a:cs typeface="+mn-cs"/>
                                       </a:rPr>
                                       <m:t>𝟑</m:t>
                                     </m:r>
@@ -10362,150 +10201,62 @@
                               </m:num>
                               <m:den>
                                 <m:r>
-                                  <a:rPr kumimoji="0" lang="ar-AE" sz="2100" b="0" i="0" u="none" strike="noStrike" kern="1200" cap="none" spc="0" normalizeH="0" baseline="0" noProof="0">
-                                    <a:ln>
-                                      <a:noFill/>
-                                    </a:ln>
-                                    <a:solidFill>
-                                      <a:prstClr val="black"/>
-                                    </a:solidFill>
-                                    <a:effectLst/>
-                                    <a:uLnTx/>
-                                    <a:uFillTx/>
+                                  <a:rPr lang="ar-AE" sz="2400">
                                     <a:latin typeface="Cambria Math" panose="02040503050406030204" pitchFamily="18" charset="0"/>
-                                    <a:ea typeface="+mn-ea"/>
-                                    <a:cs typeface="+mn-cs"/>
                                   </a:rPr>
                                   <m:t>|</m:t>
                                 </m:r>
                                 <m:sSub>
                                   <m:sSubPr>
                                     <m:ctrlPr>
-                                      <a:rPr kumimoji="0" lang="ar-AE" sz="2100" b="0" i="1" u="none" strike="noStrike" kern="1200" cap="none" spc="0" normalizeH="0" baseline="0" noProof="0">
-                                        <a:ln>
-                                          <a:noFill/>
-                                        </a:ln>
-                                        <a:solidFill>
-                                          <a:prstClr val="black"/>
-                                        </a:solidFill>
-                                        <a:effectLst/>
-                                        <a:uLnTx/>
-                                        <a:uFillTx/>
+                                      <a:rPr lang="ar-AE" sz="2400" i="1">
                                         <a:latin typeface="Cambria Math" panose="02040503050406030204" pitchFamily="18" charset="0"/>
-                                        <a:ea typeface="+mn-ea"/>
-                                        <a:cs typeface="+mn-cs"/>
                                       </a:rPr>
                                     </m:ctrlPr>
                                   </m:sSubPr>
                                   <m:e>
                                     <m:r>
-                                      <a:rPr kumimoji="0" lang="ar-AE" sz="2100" b="0" i="0" u="none" strike="noStrike" kern="1200" cap="none" spc="0" normalizeH="0" baseline="0" noProof="0">
-                                        <a:ln>
-                                          <a:noFill/>
-                                        </a:ln>
-                                        <a:solidFill>
-                                          <a:prstClr val="black"/>
-                                        </a:solidFill>
-                                        <a:effectLst/>
-                                        <a:uLnTx/>
-                                        <a:uFillTx/>
+                                      <a:rPr lang="ar-AE" sz="2400">
                                         <a:latin typeface="Cambria Math" panose="02040503050406030204" pitchFamily="18" charset="0"/>
-                                        <a:ea typeface="+mn-ea"/>
-                                        <a:cs typeface="+mn-cs"/>
                                       </a:rPr>
                                       <m:t>𝐫</m:t>
                                     </m:r>
                                   </m:e>
                                   <m:sub>
                                     <m:r>
-                                      <a:rPr kumimoji="0" lang="ar-AE" sz="2100" b="0" i="0" u="none" strike="noStrike" kern="1200" cap="none" spc="0" normalizeH="0" baseline="0" noProof="0">
-                                        <a:ln>
-                                          <a:noFill/>
-                                        </a:ln>
-                                        <a:solidFill>
-                                          <a:prstClr val="black"/>
-                                        </a:solidFill>
-                                        <a:effectLst/>
-                                        <a:uLnTx/>
-                                        <a:uFillTx/>
+                                      <a:rPr lang="ar-AE" sz="2400">
                                         <a:latin typeface="Cambria Math" panose="02040503050406030204" pitchFamily="18" charset="0"/>
-                                        <a:ea typeface="+mn-ea"/>
-                                        <a:cs typeface="+mn-cs"/>
                                       </a:rPr>
                                       <m:t>𝟏</m:t>
                                     </m:r>
                                   </m:sub>
                                 </m:sSub>
                                 <m:r>
-                                  <a:rPr kumimoji="0" lang="ar-AE" sz="2100" b="0" i="0" u="none" strike="noStrike" kern="1200" cap="none" spc="0" normalizeH="0" baseline="0" noProof="0">
-                                    <a:ln>
-                                      <a:noFill/>
-                                    </a:ln>
-                                    <a:solidFill>
-                                      <a:prstClr val="black"/>
-                                    </a:solidFill>
-                                    <a:effectLst/>
-                                    <a:uLnTx/>
-                                    <a:uFillTx/>
+                                  <a:rPr lang="ar-AE" sz="2400">
                                     <a:latin typeface="Cambria Math" panose="02040503050406030204" pitchFamily="18" charset="0"/>
-                                    <a:ea typeface="+mn-ea"/>
-                                    <a:cs typeface="+mn-cs"/>
                                   </a:rPr>
                                   <m:t>−</m:t>
                                 </m:r>
                                 <m:sSub>
                                   <m:sSubPr>
                                     <m:ctrlPr>
-                                      <a:rPr kumimoji="0" lang="ar-AE" sz="2100" b="0" i="1" u="none" strike="noStrike" kern="1200" cap="none" spc="0" normalizeH="0" baseline="0" noProof="0">
-                                        <a:ln>
-                                          <a:noFill/>
-                                        </a:ln>
-                                        <a:solidFill>
-                                          <a:prstClr val="black"/>
-                                        </a:solidFill>
-                                        <a:effectLst/>
-                                        <a:uLnTx/>
-                                        <a:uFillTx/>
+                                      <a:rPr lang="ar-AE" sz="2400" i="1">
                                         <a:latin typeface="Cambria Math" panose="02040503050406030204" pitchFamily="18" charset="0"/>
-                                        <a:ea typeface="+mn-ea"/>
-                                        <a:cs typeface="+mn-cs"/>
                                       </a:rPr>
                                     </m:ctrlPr>
                                   </m:sSubPr>
                                   <m:e>
                                     <m:r>
-                                      <a:rPr kumimoji="0" lang="ar-AE" sz="2100" b="0" i="0" u="none" strike="noStrike" kern="1200" cap="none" spc="0" normalizeH="0" baseline="0" noProof="0">
-                                        <a:ln>
-                                          <a:noFill/>
-                                        </a:ln>
-                                        <a:solidFill>
-                                          <a:prstClr val="black"/>
-                                        </a:solidFill>
-                                        <a:effectLst/>
-                                        <a:uLnTx/>
-                                        <a:uFillTx/>
+                                      <a:rPr lang="ar-AE" sz="2400">
                                         <a:latin typeface="Cambria Math" panose="02040503050406030204" pitchFamily="18" charset="0"/>
-                                        <a:ea typeface="+mn-ea"/>
-                                        <a:cs typeface="+mn-cs"/>
                                       </a:rPr>
                                       <m:t>𝐫</m:t>
                                     </m:r>
                                   </m:e>
                                   <m:sub>
                                     <m:r>
-                                      <a:rPr kumimoji="0" lang="ar-AE" sz="2100" b="0" i="0" u="none" strike="noStrike" kern="1200" cap="none" spc="0" normalizeH="0" baseline="0" noProof="0">
-                                        <a:ln>
-                                          <a:noFill/>
-                                        </a:ln>
-                                        <a:solidFill>
-                                          <a:prstClr val="black"/>
-                                        </a:solidFill>
-                                        <a:effectLst/>
-                                        <a:uLnTx/>
-                                        <a:uFillTx/>
+                                      <a:rPr lang="ar-AE" sz="2400">
                                         <a:latin typeface="Cambria Math" panose="02040503050406030204" pitchFamily="18" charset="0"/>
-                                        <a:ea typeface="+mn-ea"/>
-                                        <a:cs typeface="+mn-cs"/>
                                       </a:rPr>
                                       <m:t>𝟑</m:t>
                                     </m:r>
@@ -10514,56 +10265,23 @@
                                 <m:sSup>
                                   <m:sSupPr>
                                     <m:ctrlPr>
-                                      <a:rPr kumimoji="0" lang="ar-AE" sz="2100" b="0" i="1" u="none" strike="noStrike" kern="1200" cap="none" spc="0" normalizeH="0" baseline="0" noProof="0">
-                                        <a:ln>
-                                          <a:noFill/>
-                                        </a:ln>
-                                        <a:solidFill>
-                                          <a:prstClr val="black"/>
-                                        </a:solidFill>
-                                        <a:effectLst/>
-                                        <a:uLnTx/>
-                                        <a:uFillTx/>
+                                      <a:rPr lang="ar-AE" sz="2400" i="1">
                                         <a:latin typeface="Cambria Math" panose="02040503050406030204" pitchFamily="18" charset="0"/>
-                                        <a:ea typeface="+mn-ea"/>
-                                        <a:cs typeface="+mn-cs"/>
                                       </a:rPr>
                                     </m:ctrlPr>
                                   </m:sSupPr>
                                   <m:e>
                                     <m:r>
-                                      <a:rPr kumimoji="0" lang="ar-AE" sz="2100" b="0" i="0" u="none" strike="noStrike" kern="1200" cap="none" spc="0" normalizeH="0" baseline="0" noProof="0">
-                                        <a:ln>
-                                          <a:noFill/>
-                                        </a:ln>
-                                        <a:solidFill>
-                                          <a:prstClr val="black"/>
-                                        </a:solidFill>
-                                        <a:effectLst/>
-                                        <a:uLnTx/>
-                                        <a:uFillTx/>
+                                      <a:rPr lang="ar-AE" sz="2400">
                                         <a:latin typeface="Cambria Math" panose="02040503050406030204" pitchFamily="18" charset="0"/>
-                                        <a:ea typeface="+mn-ea"/>
-                                        <a:cs typeface="+mn-cs"/>
                                       </a:rPr>
                                       <m:t>|</m:t>
                                     </m:r>
                                   </m:e>
                                   <m:sup>
                                     <m:r>
-                                      <a:rPr kumimoji="0" lang="ar-AE" sz="2100" b="0" i="0" u="none" strike="noStrike" kern="1200" cap="none" spc="0" normalizeH="0" baseline="0" noProof="0">
-                                        <a:ln>
-                                          <a:noFill/>
-                                        </a:ln>
-                                        <a:solidFill>
-                                          <a:prstClr val="black"/>
-                                        </a:solidFill>
-                                        <a:effectLst/>
-                                        <a:uLnTx/>
-                                        <a:uFillTx/>
+                                      <a:rPr lang="ar-AE" sz="2400">
                                         <a:latin typeface="Cambria Math" panose="02040503050406030204" pitchFamily="18" charset="0"/>
-                                        <a:ea typeface="+mn-ea"/>
-                                        <a:cs typeface="+mn-cs"/>
                                       </a:rPr>
                                       <m:t>3</m:t>
                                     </m:r>
@@ -10572,19 +10290,8 @@
                               </m:den>
                             </m:f>
                             <m:r>
-                              <a:rPr kumimoji="0" lang="ar-AE" sz="2100" b="0" i="0" u="none" strike="noStrike" kern="1200" cap="none" spc="0" normalizeH="0" baseline="0" noProof="0">
-                                <a:ln>
-                                  <a:noFill/>
-                                </a:ln>
-                                <a:solidFill>
-                                  <a:prstClr val="black"/>
-                                </a:solidFill>
-                                <a:effectLst/>
-                                <a:uLnTx/>
-                                <a:uFillTx/>
+                              <a:rPr lang="ar-AE" sz="2400">
                                 <a:latin typeface="Cambria Math" panose="02040503050406030204" pitchFamily="18" charset="0"/>
-                                <a:ea typeface="+mn-ea"/>
-                                <a:cs typeface="+mn-cs"/>
                               </a:rPr>
                               <m:t>,</m:t>
                             </m:r>
@@ -10595,19 +10302,8 @@
                             <m:sSub>
                               <m:sSubPr>
                                 <m:ctrlPr>
-                                  <a:rPr kumimoji="0" lang="ar-AE" sz="2100" b="0" i="1" u="none" strike="noStrike" kern="1200" cap="none" spc="0" normalizeH="0" baseline="0" noProof="0">
-                                    <a:ln>
-                                      <a:noFill/>
-                                    </a:ln>
-                                    <a:solidFill>
-                                      <a:prstClr val="black"/>
-                                    </a:solidFill>
-                                    <a:effectLst/>
-                                    <a:uLnTx/>
-                                    <a:uFillTx/>
+                                  <a:rPr lang="ar-AE" sz="2400" i="1">
                                     <a:latin typeface="Cambria Math" panose="02040503050406030204" pitchFamily="18" charset="0"/>
-                                    <a:ea typeface="+mn-ea"/>
-                                    <a:cs typeface="+mn-cs"/>
                                   </a:rPr>
                                 </m:ctrlPr>
                               </m:sSubPr>
@@ -10616,37 +10312,15 @@
                                   <m:accPr>
                                     <m:chr m:val="̈"/>
                                     <m:ctrlPr>
-                                      <a:rPr kumimoji="0" lang="ar-AE" sz="2100" b="0" i="1" u="none" strike="noStrike" kern="1200" cap="none" spc="0" normalizeH="0" baseline="0" noProof="0">
-                                        <a:ln>
-                                          <a:noFill/>
-                                        </a:ln>
-                                        <a:solidFill>
-                                          <a:prstClr val="black"/>
-                                        </a:solidFill>
-                                        <a:effectLst/>
-                                        <a:uLnTx/>
-                                        <a:uFillTx/>
+                                      <a:rPr lang="ar-AE" sz="2400" i="1">
                                         <a:latin typeface="Cambria Math" panose="02040503050406030204" pitchFamily="18" charset="0"/>
-                                        <a:ea typeface="+mn-ea"/>
-                                        <a:cs typeface="+mn-cs"/>
                                       </a:rPr>
                                     </m:ctrlPr>
                                   </m:accPr>
                                   <m:e>
                                     <m:r>
-                                      <a:rPr kumimoji="0" lang="ar-AE" sz="2100" b="0" i="0" u="none" strike="noStrike" kern="1200" cap="none" spc="0" normalizeH="0" baseline="0" noProof="0">
-                                        <a:ln>
-                                          <a:noFill/>
-                                        </a:ln>
-                                        <a:solidFill>
-                                          <a:prstClr val="black"/>
-                                        </a:solidFill>
-                                        <a:effectLst/>
-                                        <a:uLnTx/>
-                                        <a:uFillTx/>
+                                      <a:rPr lang="ar-AE" sz="2400">
                                         <a:latin typeface="Cambria Math" panose="02040503050406030204" pitchFamily="18" charset="0"/>
-                                        <a:ea typeface="+mn-ea"/>
-                                        <a:cs typeface="+mn-cs"/>
                                       </a:rPr>
                                       <m:t>𝐫</m:t>
                                     </m:r>
@@ -10655,19 +10329,8 @@
                               </m:e>
                               <m:sub>
                                 <m:r>
-                                  <a:rPr kumimoji="0" lang="ar-AE" sz="2100" b="0" i="0" u="none" strike="noStrike" kern="1200" cap="none" spc="0" normalizeH="0" baseline="0" noProof="0">
-                                    <a:ln>
-                                      <a:noFill/>
-                                    </a:ln>
-                                    <a:solidFill>
-                                      <a:prstClr val="black"/>
-                                    </a:solidFill>
-                                    <a:effectLst/>
-                                    <a:uLnTx/>
-                                    <a:uFillTx/>
+                                  <a:rPr lang="ar-AE" sz="2400">
                                     <a:latin typeface="Cambria Math" panose="02040503050406030204" pitchFamily="18" charset="0"/>
-                                    <a:ea typeface="+mn-ea"/>
-                                    <a:cs typeface="+mn-cs"/>
                                   </a:rPr>
                                   <m:t>𝟐</m:t>
                                 </m:r>
@@ -10676,92 +10339,37 @@
                           </m:e>
                           <m:e>
                             <m:r>
-                              <a:rPr kumimoji="0" lang="ar-AE" sz="2100" b="0" i="0" u="none" strike="noStrike" kern="1200" cap="none" spc="0" normalizeH="0" baseline="0" noProof="0">
-                                <a:ln>
-                                  <a:noFill/>
-                                </a:ln>
-                                <a:solidFill>
-                                  <a:prstClr val="black"/>
-                                </a:solidFill>
-                                <a:effectLst/>
-                                <a:uLnTx/>
-                                <a:uFillTx/>
+                              <a:rPr lang="ar-AE" sz="2400">
                                 <a:latin typeface="Cambria Math" panose="02040503050406030204" pitchFamily="18" charset="0"/>
-                                <a:ea typeface="+mn-ea"/>
-                                <a:cs typeface="+mn-cs"/>
                               </a:rPr>
                               <m:t>=−</m:t>
                             </m:r>
                             <m:r>
-                              <a:rPr kumimoji="0" lang="ar-AE" sz="2100" b="0" i="0" u="none" strike="noStrike" kern="1200" cap="none" spc="0" normalizeH="0" baseline="0" noProof="0">
-                                <a:ln>
-                                  <a:noFill/>
-                                </a:ln>
-                                <a:solidFill>
-                                  <a:prstClr val="black"/>
-                                </a:solidFill>
-                                <a:effectLst/>
-                                <a:uLnTx/>
-                                <a:uFillTx/>
+                              <a:rPr lang="ar-AE" sz="2400">
                                 <a:latin typeface="Cambria Math" panose="02040503050406030204" pitchFamily="18" charset="0"/>
-                                <a:ea typeface="+mn-ea"/>
-                                <a:cs typeface="+mn-cs"/>
                               </a:rPr>
                               <m:t>𝐺</m:t>
                             </m:r>
                             <m:sSub>
                               <m:sSubPr>
                                 <m:ctrlPr>
-                                  <a:rPr kumimoji="0" lang="ar-AE" sz="2100" b="0" i="1" u="none" strike="noStrike" kern="1200" cap="none" spc="0" normalizeH="0" baseline="0" noProof="0">
-                                    <a:ln>
-                                      <a:noFill/>
-                                    </a:ln>
-                                    <a:solidFill>
-                                      <a:prstClr val="black"/>
-                                    </a:solidFill>
-                                    <a:effectLst/>
-                                    <a:uLnTx/>
-                                    <a:uFillTx/>
+                                  <a:rPr lang="ar-AE" sz="2400" i="1">
                                     <a:latin typeface="Cambria Math" panose="02040503050406030204" pitchFamily="18" charset="0"/>
-                                    <a:ea typeface="+mn-ea"/>
-                                    <a:cs typeface="+mn-cs"/>
                                   </a:rPr>
                                 </m:ctrlPr>
                               </m:sSubPr>
                               <m:e>
                                 <m:r>
-                                  <a:rPr kumimoji="0" lang="ar-AE" sz="2100" b="0" i="0" u="none" strike="noStrike" kern="1200" cap="none" spc="0" normalizeH="0" baseline="0" noProof="0">
-                                    <a:ln>
-                                      <a:noFill/>
-                                    </a:ln>
-                                    <a:solidFill>
-                                      <a:prstClr val="black"/>
-                                    </a:solidFill>
-                                    <a:effectLst/>
-                                    <a:uLnTx/>
-                                    <a:uFillTx/>
+                                  <a:rPr lang="ar-AE" sz="2400">
                                     <a:latin typeface="Cambria Math" panose="02040503050406030204" pitchFamily="18" charset="0"/>
-                                    <a:ea typeface="+mn-ea"/>
-                                    <a:cs typeface="+mn-cs"/>
                                   </a:rPr>
                                   <m:t>𝑚</m:t>
                                 </m:r>
                               </m:e>
                               <m:sub>
                                 <m:r>
-                                  <a:rPr kumimoji="0" lang="ar-AE" sz="2100" b="0" i="0" u="none" strike="noStrike" kern="1200" cap="none" spc="0" normalizeH="0" baseline="0" noProof="0">
-                                    <a:ln>
-                                      <a:noFill/>
-                                    </a:ln>
-                                    <a:solidFill>
-                                      <a:prstClr val="black"/>
-                                    </a:solidFill>
-                                    <a:effectLst/>
-                                    <a:uLnTx/>
-                                    <a:uFillTx/>
+                                  <a:rPr lang="ar-AE" sz="2400">
                                     <a:latin typeface="Cambria Math" panose="02040503050406030204" pitchFamily="18" charset="0"/>
-                                    <a:ea typeface="+mn-ea"/>
-                                    <a:cs typeface="+mn-cs"/>
                                   </a:rPr>
                                   <m:t>3</m:t>
                                 </m:r>
@@ -10770,19 +10378,8 @@
                             <m:f>
                               <m:fPr>
                                 <m:ctrlPr>
-                                  <a:rPr kumimoji="0" lang="ar-AE" sz="2100" b="0" i="1" u="none" strike="noStrike" kern="1200" cap="none" spc="0" normalizeH="0" baseline="0" noProof="0">
-                                    <a:ln>
-                                      <a:noFill/>
-                                    </a:ln>
-                                    <a:solidFill>
-                                      <a:prstClr val="black"/>
-                                    </a:solidFill>
-                                    <a:effectLst/>
-                                    <a:uLnTx/>
-                                    <a:uFillTx/>
+                                  <a:rPr lang="ar-AE" sz="2400" i="1">
                                     <a:latin typeface="Cambria Math" panose="02040503050406030204" pitchFamily="18" charset="0"/>
-                                    <a:ea typeface="+mn-ea"/>
-                                    <a:cs typeface="+mn-cs"/>
                                   </a:rPr>
                                 </m:ctrlPr>
                               </m:fPr>
@@ -10790,131 +10387,54 @@
                                 <m:sSub>
                                   <m:sSubPr>
                                     <m:ctrlPr>
-                                      <a:rPr kumimoji="0" lang="ar-AE" sz="2100" b="0" i="1" u="none" strike="noStrike" kern="1200" cap="none" spc="0" normalizeH="0" baseline="0" noProof="0">
-                                        <a:ln>
-                                          <a:noFill/>
-                                        </a:ln>
-                                        <a:solidFill>
-                                          <a:prstClr val="black"/>
-                                        </a:solidFill>
-                                        <a:effectLst/>
-                                        <a:uLnTx/>
-                                        <a:uFillTx/>
+                                      <a:rPr lang="ar-AE" sz="2400" i="1">
                                         <a:latin typeface="Cambria Math" panose="02040503050406030204" pitchFamily="18" charset="0"/>
-                                        <a:ea typeface="+mn-ea"/>
-                                        <a:cs typeface="+mn-cs"/>
                                       </a:rPr>
                                     </m:ctrlPr>
                                   </m:sSubPr>
                                   <m:e>
                                     <m:r>
-                                      <a:rPr kumimoji="0" lang="ar-AE" sz="2100" b="0" i="0" u="none" strike="noStrike" kern="1200" cap="none" spc="0" normalizeH="0" baseline="0" noProof="0">
-                                        <a:ln>
-                                          <a:noFill/>
-                                        </a:ln>
-                                        <a:solidFill>
-                                          <a:prstClr val="black"/>
-                                        </a:solidFill>
-                                        <a:effectLst/>
-                                        <a:uLnTx/>
-                                        <a:uFillTx/>
+                                      <a:rPr lang="ar-AE" sz="2400">
                                         <a:latin typeface="Cambria Math" panose="02040503050406030204" pitchFamily="18" charset="0"/>
-                                        <a:ea typeface="+mn-ea"/>
-                                        <a:cs typeface="+mn-cs"/>
                                       </a:rPr>
                                       <m:t>𝐫</m:t>
                                     </m:r>
                                   </m:e>
                                   <m:sub>
                                     <m:r>
-                                      <a:rPr kumimoji="0" lang="ar-AE" sz="2100" b="0" i="0" u="none" strike="noStrike" kern="1200" cap="none" spc="0" normalizeH="0" baseline="0" noProof="0">
-                                        <a:ln>
-                                          <a:noFill/>
-                                        </a:ln>
-                                        <a:solidFill>
-                                          <a:prstClr val="black"/>
-                                        </a:solidFill>
-                                        <a:effectLst/>
-                                        <a:uLnTx/>
-                                        <a:uFillTx/>
+                                      <a:rPr lang="ar-AE" sz="2400">
                                         <a:latin typeface="Cambria Math" panose="02040503050406030204" pitchFamily="18" charset="0"/>
-                                        <a:ea typeface="+mn-ea"/>
-                                        <a:cs typeface="+mn-cs"/>
                                       </a:rPr>
                                       <m:t>𝟐</m:t>
                                     </m:r>
                                   </m:sub>
                                 </m:sSub>
                                 <m:r>
-                                  <a:rPr kumimoji="0" lang="ar-AE" sz="2100" b="0" i="0" u="none" strike="noStrike" kern="1200" cap="none" spc="0" normalizeH="0" baseline="0" noProof="0">
-                                    <a:ln>
-                                      <a:noFill/>
-                                    </a:ln>
-                                    <a:solidFill>
-                                      <a:prstClr val="black"/>
-                                    </a:solidFill>
-                                    <a:effectLst/>
-                                    <a:uLnTx/>
-                                    <a:uFillTx/>
+                                  <a:rPr lang="ar-AE" sz="2400">
                                     <a:latin typeface="Cambria Math" panose="02040503050406030204" pitchFamily="18" charset="0"/>
-                                    <a:ea typeface="+mn-ea"/>
-                                    <a:cs typeface="+mn-cs"/>
                                   </a:rPr>
                                   <m:t>−</m:t>
                                 </m:r>
                                 <m:sSub>
                                   <m:sSubPr>
                                     <m:ctrlPr>
-                                      <a:rPr kumimoji="0" lang="ar-AE" sz="2100" b="0" i="1" u="none" strike="noStrike" kern="1200" cap="none" spc="0" normalizeH="0" baseline="0" noProof="0">
-                                        <a:ln>
-                                          <a:noFill/>
-                                        </a:ln>
-                                        <a:solidFill>
-                                          <a:prstClr val="black"/>
-                                        </a:solidFill>
-                                        <a:effectLst/>
-                                        <a:uLnTx/>
-                                        <a:uFillTx/>
+                                      <a:rPr lang="ar-AE" sz="2400" i="1">
                                         <a:latin typeface="Cambria Math" panose="02040503050406030204" pitchFamily="18" charset="0"/>
-                                        <a:ea typeface="+mn-ea"/>
-                                        <a:cs typeface="+mn-cs"/>
                                       </a:rPr>
                                     </m:ctrlPr>
                                   </m:sSubPr>
                                   <m:e>
                                     <m:r>
-                                      <a:rPr kumimoji="0" lang="ar-AE" sz="2100" b="0" i="0" u="none" strike="noStrike" kern="1200" cap="none" spc="0" normalizeH="0" baseline="0" noProof="0">
-                                        <a:ln>
-                                          <a:noFill/>
-                                        </a:ln>
-                                        <a:solidFill>
-                                          <a:prstClr val="black"/>
-                                        </a:solidFill>
-                                        <a:effectLst/>
-                                        <a:uLnTx/>
-                                        <a:uFillTx/>
+                                      <a:rPr lang="ar-AE" sz="2400">
                                         <a:latin typeface="Cambria Math" panose="02040503050406030204" pitchFamily="18" charset="0"/>
-                                        <a:ea typeface="+mn-ea"/>
-                                        <a:cs typeface="+mn-cs"/>
                                       </a:rPr>
                                       <m:t>𝐫</m:t>
                                     </m:r>
                                   </m:e>
                                   <m:sub>
                                     <m:r>
-                                      <a:rPr kumimoji="0" lang="ar-AE" sz="2100" b="0" i="0" u="none" strike="noStrike" kern="1200" cap="none" spc="0" normalizeH="0" baseline="0" noProof="0">
-                                        <a:ln>
-                                          <a:noFill/>
-                                        </a:ln>
-                                        <a:solidFill>
-                                          <a:prstClr val="black"/>
-                                        </a:solidFill>
-                                        <a:effectLst/>
-                                        <a:uLnTx/>
-                                        <a:uFillTx/>
+                                      <a:rPr lang="ar-AE" sz="2400">
                                         <a:latin typeface="Cambria Math" panose="02040503050406030204" pitchFamily="18" charset="0"/>
-                                        <a:ea typeface="+mn-ea"/>
-                                        <a:cs typeface="+mn-cs"/>
                                       </a:rPr>
                                       <m:t>𝟑</m:t>
                                     </m:r>
@@ -10923,150 +10443,62 @@
                               </m:num>
                               <m:den>
                                 <m:r>
-                                  <a:rPr kumimoji="0" lang="ar-AE" sz="2100" b="0" i="0" u="none" strike="noStrike" kern="1200" cap="none" spc="0" normalizeH="0" baseline="0" noProof="0">
-                                    <a:ln>
-                                      <a:noFill/>
-                                    </a:ln>
-                                    <a:solidFill>
-                                      <a:prstClr val="black"/>
-                                    </a:solidFill>
-                                    <a:effectLst/>
-                                    <a:uLnTx/>
-                                    <a:uFillTx/>
+                                  <a:rPr lang="ar-AE" sz="2400">
                                     <a:latin typeface="Cambria Math" panose="02040503050406030204" pitchFamily="18" charset="0"/>
-                                    <a:ea typeface="+mn-ea"/>
-                                    <a:cs typeface="+mn-cs"/>
                                   </a:rPr>
                                   <m:t>|</m:t>
                                 </m:r>
                                 <m:sSub>
                                   <m:sSubPr>
                                     <m:ctrlPr>
-                                      <a:rPr kumimoji="0" lang="ar-AE" sz="2100" b="0" i="1" u="none" strike="noStrike" kern="1200" cap="none" spc="0" normalizeH="0" baseline="0" noProof="0">
-                                        <a:ln>
-                                          <a:noFill/>
-                                        </a:ln>
-                                        <a:solidFill>
-                                          <a:prstClr val="black"/>
-                                        </a:solidFill>
-                                        <a:effectLst/>
-                                        <a:uLnTx/>
-                                        <a:uFillTx/>
+                                      <a:rPr lang="ar-AE" sz="2400" i="1">
                                         <a:latin typeface="Cambria Math" panose="02040503050406030204" pitchFamily="18" charset="0"/>
-                                        <a:ea typeface="+mn-ea"/>
-                                        <a:cs typeface="+mn-cs"/>
                                       </a:rPr>
                                     </m:ctrlPr>
                                   </m:sSubPr>
                                   <m:e>
                                     <m:r>
-                                      <a:rPr kumimoji="0" lang="ar-AE" sz="2100" b="0" i="0" u="none" strike="noStrike" kern="1200" cap="none" spc="0" normalizeH="0" baseline="0" noProof="0">
-                                        <a:ln>
-                                          <a:noFill/>
-                                        </a:ln>
-                                        <a:solidFill>
-                                          <a:prstClr val="black"/>
-                                        </a:solidFill>
-                                        <a:effectLst/>
-                                        <a:uLnTx/>
-                                        <a:uFillTx/>
+                                      <a:rPr lang="ar-AE" sz="2400">
                                         <a:latin typeface="Cambria Math" panose="02040503050406030204" pitchFamily="18" charset="0"/>
-                                        <a:ea typeface="+mn-ea"/>
-                                        <a:cs typeface="+mn-cs"/>
                                       </a:rPr>
                                       <m:t>𝐫</m:t>
                                     </m:r>
                                   </m:e>
                                   <m:sub>
                                     <m:r>
-                                      <a:rPr kumimoji="0" lang="ar-AE" sz="2100" b="0" i="0" u="none" strike="noStrike" kern="1200" cap="none" spc="0" normalizeH="0" baseline="0" noProof="0">
-                                        <a:ln>
-                                          <a:noFill/>
-                                        </a:ln>
-                                        <a:solidFill>
-                                          <a:prstClr val="black"/>
-                                        </a:solidFill>
-                                        <a:effectLst/>
-                                        <a:uLnTx/>
-                                        <a:uFillTx/>
+                                      <a:rPr lang="ar-AE" sz="2400">
                                         <a:latin typeface="Cambria Math" panose="02040503050406030204" pitchFamily="18" charset="0"/>
-                                        <a:ea typeface="+mn-ea"/>
-                                        <a:cs typeface="+mn-cs"/>
                                       </a:rPr>
                                       <m:t>𝟐</m:t>
                                     </m:r>
                                   </m:sub>
                                 </m:sSub>
                                 <m:r>
-                                  <a:rPr kumimoji="0" lang="ar-AE" sz="2100" b="0" i="0" u="none" strike="noStrike" kern="1200" cap="none" spc="0" normalizeH="0" baseline="0" noProof="0">
-                                    <a:ln>
-                                      <a:noFill/>
-                                    </a:ln>
-                                    <a:solidFill>
-                                      <a:prstClr val="black"/>
-                                    </a:solidFill>
-                                    <a:effectLst/>
-                                    <a:uLnTx/>
-                                    <a:uFillTx/>
+                                  <a:rPr lang="ar-AE" sz="2400">
                                     <a:latin typeface="Cambria Math" panose="02040503050406030204" pitchFamily="18" charset="0"/>
-                                    <a:ea typeface="+mn-ea"/>
-                                    <a:cs typeface="+mn-cs"/>
                                   </a:rPr>
                                   <m:t>−</m:t>
                                 </m:r>
                                 <m:sSub>
                                   <m:sSubPr>
                                     <m:ctrlPr>
-                                      <a:rPr kumimoji="0" lang="ar-AE" sz="2100" b="0" i="1" u="none" strike="noStrike" kern="1200" cap="none" spc="0" normalizeH="0" baseline="0" noProof="0">
-                                        <a:ln>
-                                          <a:noFill/>
-                                        </a:ln>
-                                        <a:solidFill>
-                                          <a:prstClr val="black"/>
-                                        </a:solidFill>
-                                        <a:effectLst/>
-                                        <a:uLnTx/>
-                                        <a:uFillTx/>
+                                      <a:rPr lang="ar-AE" sz="2400" i="1">
                                         <a:latin typeface="Cambria Math" panose="02040503050406030204" pitchFamily="18" charset="0"/>
-                                        <a:ea typeface="+mn-ea"/>
-                                        <a:cs typeface="+mn-cs"/>
                                       </a:rPr>
                                     </m:ctrlPr>
                                   </m:sSubPr>
                                   <m:e>
                                     <m:r>
-                                      <a:rPr kumimoji="0" lang="ar-AE" sz="2100" b="0" i="0" u="none" strike="noStrike" kern="1200" cap="none" spc="0" normalizeH="0" baseline="0" noProof="0">
-                                        <a:ln>
-                                          <a:noFill/>
-                                        </a:ln>
-                                        <a:solidFill>
-                                          <a:prstClr val="black"/>
-                                        </a:solidFill>
-                                        <a:effectLst/>
-                                        <a:uLnTx/>
-                                        <a:uFillTx/>
+                                      <a:rPr lang="ar-AE" sz="2400">
                                         <a:latin typeface="Cambria Math" panose="02040503050406030204" pitchFamily="18" charset="0"/>
-                                        <a:ea typeface="+mn-ea"/>
-                                        <a:cs typeface="+mn-cs"/>
                                       </a:rPr>
                                       <m:t>𝐫</m:t>
                                     </m:r>
                                   </m:e>
                                   <m:sub>
                                     <m:r>
-                                      <a:rPr kumimoji="0" lang="ar-AE" sz="2100" b="0" i="0" u="none" strike="noStrike" kern="1200" cap="none" spc="0" normalizeH="0" baseline="0" noProof="0">
-                                        <a:ln>
-                                          <a:noFill/>
-                                        </a:ln>
-                                        <a:solidFill>
-                                          <a:prstClr val="black"/>
-                                        </a:solidFill>
-                                        <a:effectLst/>
-                                        <a:uLnTx/>
-                                        <a:uFillTx/>
+                                      <a:rPr lang="ar-AE" sz="2400">
                                         <a:latin typeface="Cambria Math" panose="02040503050406030204" pitchFamily="18" charset="0"/>
-                                        <a:ea typeface="+mn-ea"/>
-                                        <a:cs typeface="+mn-cs"/>
                                       </a:rPr>
                                       <m:t>𝟑</m:t>
                                     </m:r>
@@ -11075,56 +10507,23 @@
                                 <m:sSup>
                                   <m:sSupPr>
                                     <m:ctrlPr>
-                                      <a:rPr kumimoji="0" lang="ar-AE" sz="2100" b="0" i="1" u="none" strike="noStrike" kern="1200" cap="none" spc="0" normalizeH="0" baseline="0" noProof="0">
-                                        <a:ln>
-                                          <a:noFill/>
-                                        </a:ln>
-                                        <a:solidFill>
-                                          <a:prstClr val="black"/>
-                                        </a:solidFill>
-                                        <a:effectLst/>
-                                        <a:uLnTx/>
-                                        <a:uFillTx/>
+                                      <a:rPr lang="ar-AE" sz="2400" i="1">
                                         <a:latin typeface="Cambria Math" panose="02040503050406030204" pitchFamily="18" charset="0"/>
-                                        <a:ea typeface="+mn-ea"/>
-                                        <a:cs typeface="+mn-cs"/>
                                       </a:rPr>
                                     </m:ctrlPr>
                                   </m:sSupPr>
                                   <m:e>
                                     <m:r>
-                                      <a:rPr kumimoji="0" lang="ar-AE" sz="2100" b="0" i="0" u="none" strike="noStrike" kern="1200" cap="none" spc="0" normalizeH="0" baseline="0" noProof="0">
-                                        <a:ln>
-                                          <a:noFill/>
-                                        </a:ln>
-                                        <a:solidFill>
-                                          <a:prstClr val="black"/>
-                                        </a:solidFill>
-                                        <a:effectLst/>
-                                        <a:uLnTx/>
-                                        <a:uFillTx/>
+                                      <a:rPr lang="ar-AE" sz="2400">
                                         <a:latin typeface="Cambria Math" panose="02040503050406030204" pitchFamily="18" charset="0"/>
-                                        <a:ea typeface="+mn-ea"/>
-                                        <a:cs typeface="+mn-cs"/>
                                       </a:rPr>
                                       <m:t>|</m:t>
                                     </m:r>
                                   </m:e>
                                   <m:sup>
                                     <m:r>
-                                      <a:rPr kumimoji="0" lang="ar-AE" sz="2100" b="0" i="0" u="none" strike="noStrike" kern="1200" cap="none" spc="0" normalizeH="0" baseline="0" noProof="0">
-                                        <a:ln>
-                                          <a:noFill/>
-                                        </a:ln>
-                                        <a:solidFill>
-                                          <a:prstClr val="black"/>
-                                        </a:solidFill>
-                                        <a:effectLst/>
-                                        <a:uLnTx/>
-                                        <a:uFillTx/>
+                                      <a:rPr lang="ar-AE" sz="2400">
                                         <a:latin typeface="Cambria Math" panose="02040503050406030204" pitchFamily="18" charset="0"/>
-                                        <a:ea typeface="+mn-ea"/>
-                                        <a:cs typeface="+mn-cs"/>
                                       </a:rPr>
                                       <m:t>3</m:t>
                                     </m:r>
@@ -11133,92 +10532,37 @@
                               </m:den>
                             </m:f>
                             <m:r>
-                              <a:rPr kumimoji="0" lang="ar-AE" sz="2100" b="0" i="0" u="none" strike="noStrike" kern="1200" cap="none" spc="0" normalizeH="0" baseline="0" noProof="0">
-                                <a:ln>
-                                  <a:noFill/>
-                                </a:ln>
-                                <a:solidFill>
-                                  <a:prstClr val="black"/>
-                                </a:solidFill>
-                                <a:effectLst/>
-                                <a:uLnTx/>
-                                <a:uFillTx/>
+                              <a:rPr lang="ar-AE" sz="2400">
                                 <a:latin typeface="Cambria Math" panose="02040503050406030204" pitchFamily="18" charset="0"/>
-                                <a:ea typeface="+mn-ea"/>
-                                <a:cs typeface="+mn-cs"/>
                               </a:rPr>
                               <m:t>−</m:t>
                             </m:r>
                             <m:r>
-                              <a:rPr kumimoji="0" lang="ar-AE" sz="2100" b="0" i="0" u="none" strike="noStrike" kern="1200" cap="none" spc="0" normalizeH="0" baseline="0" noProof="0">
-                                <a:ln>
-                                  <a:noFill/>
-                                </a:ln>
-                                <a:solidFill>
-                                  <a:prstClr val="black"/>
-                                </a:solidFill>
-                                <a:effectLst/>
-                                <a:uLnTx/>
-                                <a:uFillTx/>
+                              <a:rPr lang="ar-AE" sz="2400">
                                 <a:latin typeface="Cambria Math" panose="02040503050406030204" pitchFamily="18" charset="0"/>
-                                <a:ea typeface="+mn-ea"/>
-                                <a:cs typeface="+mn-cs"/>
                               </a:rPr>
                               <m:t>𝐺</m:t>
                             </m:r>
                             <m:sSub>
                               <m:sSubPr>
                                 <m:ctrlPr>
-                                  <a:rPr kumimoji="0" lang="ar-AE" sz="2100" b="0" i="1" u="none" strike="noStrike" kern="1200" cap="none" spc="0" normalizeH="0" baseline="0" noProof="0">
-                                    <a:ln>
-                                      <a:noFill/>
-                                    </a:ln>
-                                    <a:solidFill>
-                                      <a:prstClr val="black"/>
-                                    </a:solidFill>
-                                    <a:effectLst/>
-                                    <a:uLnTx/>
-                                    <a:uFillTx/>
+                                  <a:rPr lang="ar-AE" sz="2400" i="1">
                                     <a:latin typeface="Cambria Math" panose="02040503050406030204" pitchFamily="18" charset="0"/>
-                                    <a:ea typeface="+mn-ea"/>
-                                    <a:cs typeface="+mn-cs"/>
                                   </a:rPr>
                                 </m:ctrlPr>
                               </m:sSubPr>
                               <m:e>
                                 <m:r>
-                                  <a:rPr kumimoji="0" lang="ar-AE" sz="2100" b="0" i="0" u="none" strike="noStrike" kern="1200" cap="none" spc="0" normalizeH="0" baseline="0" noProof="0">
-                                    <a:ln>
-                                      <a:noFill/>
-                                    </a:ln>
-                                    <a:solidFill>
-                                      <a:prstClr val="black"/>
-                                    </a:solidFill>
-                                    <a:effectLst/>
-                                    <a:uLnTx/>
-                                    <a:uFillTx/>
+                                  <a:rPr lang="ar-AE" sz="2400">
                                     <a:latin typeface="Cambria Math" panose="02040503050406030204" pitchFamily="18" charset="0"/>
-                                    <a:ea typeface="+mn-ea"/>
-                                    <a:cs typeface="+mn-cs"/>
                                   </a:rPr>
                                   <m:t>𝑚</m:t>
                                 </m:r>
                               </m:e>
                               <m:sub>
                                 <m:r>
-                                  <a:rPr kumimoji="0" lang="ar-AE" sz="2100" b="0" i="0" u="none" strike="noStrike" kern="1200" cap="none" spc="0" normalizeH="0" baseline="0" noProof="0">
-                                    <a:ln>
-                                      <a:noFill/>
-                                    </a:ln>
-                                    <a:solidFill>
-                                      <a:prstClr val="black"/>
-                                    </a:solidFill>
-                                    <a:effectLst/>
-                                    <a:uLnTx/>
-                                    <a:uFillTx/>
+                                  <a:rPr lang="ar-AE" sz="2400">
                                     <a:latin typeface="Cambria Math" panose="02040503050406030204" pitchFamily="18" charset="0"/>
-                                    <a:ea typeface="+mn-ea"/>
-                                    <a:cs typeface="+mn-cs"/>
                                   </a:rPr>
                                   <m:t>1</m:t>
                                 </m:r>
@@ -11227,19 +10571,8 @@
                             <m:f>
                               <m:fPr>
                                 <m:ctrlPr>
-                                  <a:rPr kumimoji="0" lang="ar-AE" sz="2100" b="0" i="1" u="none" strike="noStrike" kern="1200" cap="none" spc="0" normalizeH="0" baseline="0" noProof="0">
-                                    <a:ln>
-                                      <a:noFill/>
-                                    </a:ln>
-                                    <a:solidFill>
-                                      <a:prstClr val="black"/>
-                                    </a:solidFill>
-                                    <a:effectLst/>
-                                    <a:uLnTx/>
-                                    <a:uFillTx/>
+                                  <a:rPr lang="ar-AE" sz="2400" i="1">
                                     <a:latin typeface="Cambria Math" panose="02040503050406030204" pitchFamily="18" charset="0"/>
-                                    <a:ea typeface="+mn-ea"/>
-                                    <a:cs typeface="+mn-cs"/>
                                   </a:rPr>
                                 </m:ctrlPr>
                               </m:fPr>
@@ -11247,131 +10580,54 @@
                                 <m:sSub>
                                   <m:sSubPr>
                                     <m:ctrlPr>
-                                      <a:rPr kumimoji="0" lang="ar-AE" sz="2100" b="0" i="1" u="none" strike="noStrike" kern="1200" cap="none" spc="0" normalizeH="0" baseline="0" noProof="0">
-                                        <a:ln>
-                                          <a:noFill/>
-                                        </a:ln>
-                                        <a:solidFill>
-                                          <a:prstClr val="black"/>
-                                        </a:solidFill>
-                                        <a:effectLst/>
-                                        <a:uLnTx/>
-                                        <a:uFillTx/>
+                                      <a:rPr lang="ar-AE" sz="2400" i="1">
                                         <a:latin typeface="Cambria Math" panose="02040503050406030204" pitchFamily="18" charset="0"/>
-                                        <a:ea typeface="+mn-ea"/>
-                                        <a:cs typeface="+mn-cs"/>
                                       </a:rPr>
                                     </m:ctrlPr>
                                   </m:sSubPr>
                                   <m:e>
                                     <m:r>
-                                      <a:rPr kumimoji="0" lang="ar-AE" sz="2100" b="0" i="0" u="none" strike="noStrike" kern="1200" cap="none" spc="0" normalizeH="0" baseline="0" noProof="0">
-                                        <a:ln>
-                                          <a:noFill/>
-                                        </a:ln>
-                                        <a:solidFill>
-                                          <a:prstClr val="black"/>
-                                        </a:solidFill>
-                                        <a:effectLst/>
-                                        <a:uLnTx/>
-                                        <a:uFillTx/>
+                                      <a:rPr lang="ar-AE" sz="2400">
                                         <a:latin typeface="Cambria Math" panose="02040503050406030204" pitchFamily="18" charset="0"/>
-                                        <a:ea typeface="+mn-ea"/>
-                                        <a:cs typeface="+mn-cs"/>
                                       </a:rPr>
                                       <m:t>𝐫</m:t>
                                     </m:r>
                                   </m:e>
                                   <m:sub>
                                     <m:r>
-                                      <a:rPr kumimoji="0" lang="ar-AE" sz="2100" b="0" i="0" u="none" strike="noStrike" kern="1200" cap="none" spc="0" normalizeH="0" baseline="0" noProof="0">
-                                        <a:ln>
-                                          <a:noFill/>
-                                        </a:ln>
-                                        <a:solidFill>
-                                          <a:prstClr val="black"/>
-                                        </a:solidFill>
-                                        <a:effectLst/>
-                                        <a:uLnTx/>
-                                        <a:uFillTx/>
+                                      <a:rPr lang="ar-AE" sz="2400">
                                         <a:latin typeface="Cambria Math" panose="02040503050406030204" pitchFamily="18" charset="0"/>
-                                        <a:ea typeface="+mn-ea"/>
-                                        <a:cs typeface="+mn-cs"/>
                                       </a:rPr>
                                       <m:t>𝟐</m:t>
                                     </m:r>
                                   </m:sub>
                                 </m:sSub>
                                 <m:r>
-                                  <a:rPr kumimoji="0" lang="ar-AE" sz="2100" b="0" i="0" u="none" strike="noStrike" kern="1200" cap="none" spc="0" normalizeH="0" baseline="0" noProof="0">
-                                    <a:ln>
-                                      <a:noFill/>
-                                    </a:ln>
-                                    <a:solidFill>
-                                      <a:prstClr val="black"/>
-                                    </a:solidFill>
-                                    <a:effectLst/>
-                                    <a:uLnTx/>
-                                    <a:uFillTx/>
+                                  <a:rPr lang="ar-AE" sz="2400">
                                     <a:latin typeface="Cambria Math" panose="02040503050406030204" pitchFamily="18" charset="0"/>
-                                    <a:ea typeface="+mn-ea"/>
-                                    <a:cs typeface="+mn-cs"/>
                                   </a:rPr>
                                   <m:t>−</m:t>
                                 </m:r>
                                 <m:sSub>
                                   <m:sSubPr>
                                     <m:ctrlPr>
-                                      <a:rPr kumimoji="0" lang="ar-AE" sz="2100" b="0" i="1" u="none" strike="noStrike" kern="1200" cap="none" spc="0" normalizeH="0" baseline="0" noProof="0">
-                                        <a:ln>
-                                          <a:noFill/>
-                                        </a:ln>
-                                        <a:solidFill>
-                                          <a:prstClr val="black"/>
-                                        </a:solidFill>
-                                        <a:effectLst/>
-                                        <a:uLnTx/>
-                                        <a:uFillTx/>
+                                      <a:rPr lang="ar-AE" sz="2400" i="1">
                                         <a:latin typeface="Cambria Math" panose="02040503050406030204" pitchFamily="18" charset="0"/>
-                                        <a:ea typeface="+mn-ea"/>
-                                        <a:cs typeface="+mn-cs"/>
                                       </a:rPr>
                                     </m:ctrlPr>
                                   </m:sSubPr>
                                   <m:e>
                                     <m:r>
-                                      <a:rPr kumimoji="0" lang="ar-AE" sz="2100" b="0" i="0" u="none" strike="noStrike" kern="1200" cap="none" spc="0" normalizeH="0" baseline="0" noProof="0">
-                                        <a:ln>
-                                          <a:noFill/>
-                                        </a:ln>
-                                        <a:solidFill>
-                                          <a:prstClr val="black"/>
-                                        </a:solidFill>
-                                        <a:effectLst/>
-                                        <a:uLnTx/>
-                                        <a:uFillTx/>
+                                      <a:rPr lang="ar-AE" sz="2400">
                                         <a:latin typeface="Cambria Math" panose="02040503050406030204" pitchFamily="18" charset="0"/>
-                                        <a:ea typeface="+mn-ea"/>
-                                        <a:cs typeface="+mn-cs"/>
                                       </a:rPr>
                                       <m:t>𝐫</m:t>
                                     </m:r>
                                   </m:e>
                                   <m:sub>
                                     <m:r>
-                                      <a:rPr kumimoji="0" lang="ar-AE" sz="2100" b="0" i="0" u="none" strike="noStrike" kern="1200" cap="none" spc="0" normalizeH="0" baseline="0" noProof="0">
-                                        <a:ln>
-                                          <a:noFill/>
-                                        </a:ln>
-                                        <a:solidFill>
-                                          <a:prstClr val="black"/>
-                                        </a:solidFill>
-                                        <a:effectLst/>
-                                        <a:uLnTx/>
-                                        <a:uFillTx/>
+                                      <a:rPr lang="ar-AE" sz="2400">
                                         <a:latin typeface="Cambria Math" panose="02040503050406030204" pitchFamily="18" charset="0"/>
-                                        <a:ea typeface="+mn-ea"/>
-                                        <a:cs typeface="+mn-cs"/>
                                       </a:rPr>
                                       <m:t>𝟏</m:t>
                                     </m:r>
@@ -11380,150 +10636,62 @@
                               </m:num>
                               <m:den>
                                 <m:r>
-                                  <a:rPr kumimoji="0" lang="ar-AE" sz="2100" b="0" i="0" u="none" strike="noStrike" kern="1200" cap="none" spc="0" normalizeH="0" baseline="0" noProof="0">
-                                    <a:ln>
-                                      <a:noFill/>
-                                    </a:ln>
-                                    <a:solidFill>
-                                      <a:prstClr val="black"/>
-                                    </a:solidFill>
-                                    <a:effectLst/>
-                                    <a:uLnTx/>
-                                    <a:uFillTx/>
+                                  <a:rPr lang="ar-AE" sz="2400">
                                     <a:latin typeface="Cambria Math" panose="02040503050406030204" pitchFamily="18" charset="0"/>
-                                    <a:ea typeface="+mn-ea"/>
-                                    <a:cs typeface="+mn-cs"/>
                                   </a:rPr>
                                   <m:t>|</m:t>
                                 </m:r>
                                 <m:sSub>
                                   <m:sSubPr>
                                     <m:ctrlPr>
-                                      <a:rPr kumimoji="0" lang="ar-AE" sz="2100" b="0" i="1" u="none" strike="noStrike" kern="1200" cap="none" spc="0" normalizeH="0" baseline="0" noProof="0">
-                                        <a:ln>
-                                          <a:noFill/>
-                                        </a:ln>
-                                        <a:solidFill>
-                                          <a:prstClr val="black"/>
-                                        </a:solidFill>
-                                        <a:effectLst/>
-                                        <a:uLnTx/>
-                                        <a:uFillTx/>
+                                      <a:rPr lang="ar-AE" sz="2400" i="1">
                                         <a:latin typeface="Cambria Math" panose="02040503050406030204" pitchFamily="18" charset="0"/>
-                                        <a:ea typeface="+mn-ea"/>
-                                        <a:cs typeface="+mn-cs"/>
                                       </a:rPr>
                                     </m:ctrlPr>
                                   </m:sSubPr>
                                   <m:e>
                                     <m:r>
-                                      <a:rPr kumimoji="0" lang="ar-AE" sz="2100" b="0" i="0" u="none" strike="noStrike" kern="1200" cap="none" spc="0" normalizeH="0" baseline="0" noProof="0">
-                                        <a:ln>
-                                          <a:noFill/>
-                                        </a:ln>
-                                        <a:solidFill>
-                                          <a:prstClr val="black"/>
-                                        </a:solidFill>
-                                        <a:effectLst/>
-                                        <a:uLnTx/>
-                                        <a:uFillTx/>
+                                      <a:rPr lang="ar-AE" sz="2400">
                                         <a:latin typeface="Cambria Math" panose="02040503050406030204" pitchFamily="18" charset="0"/>
-                                        <a:ea typeface="+mn-ea"/>
-                                        <a:cs typeface="+mn-cs"/>
                                       </a:rPr>
                                       <m:t>𝐫</m:t>
                                     </m:r>
                                   </m:e>
                                   <m:sub>
                                     <m:r>
-                                      <a:rPr kumimoji="0" lang="ar-AE" sz="2100" b="0" i="0" u="none" strike="noStrike" kern="1200" cap="none" spc="0" normalizeH="0" baseline="0" noProof="0">
-                                        <a:ln>
-                                          <a:noFill/>
-                                        </a:ln>
-                                        <a:solidFill>
-                                          <a:prstClr val="black"/>
-                                        </a:solidFill>
-                                        <a:effectLst/>
-                                        <a:uLnTx/>
-                                        <a:uFillTx/>
+                                      <a:rPr lang="ar-AE" sz="2400">
                                         <a:latin typeface="Cambria Math" panose="02040503050406030204" pitchFamily="18" charset="0"/>
-                                        <a:ea typeface="+mn-ea"/>
-                                        <a:cs typeface="+mn-cs"/>
                                       </a:rPr>
                                       <m:t>𝟐</m:t>
                                     </m:r>
                                   </m:sub>
                                 </m:sSub>
                                 <m:r>
-                                  <a:rPr kumimoji="0" lang="ar-AE" sz="2100" b="0" i="0" u="none" strike="noStrike" kern="1200" cap="none" spc="0" normalizeH="0" baseline="0" noProof="0">
-                                    <a:ln>
-                                      <a:noFill/>
-                                    </a:ln>
-                                    <a:solidFill>
-                                      <a:prstClr val="black"/>
-                                    </a:solidFill>
-                                    <a:effectLst/>
-                                    <a:uLnTx/>
-                                    <a:uFillTx/>
+                                  <a:rPr lang="ar-AE" sz="2400">
                                     <a:latin typeface="Cambria Math" panose="02040503050406030204" pitchFamily="18" charset="0"/>
-                                    <a:ea typeface="+mn-ea"/>
-                                    <a:cs typeface="+mn-cs"/>
                                   </a:rPr>
                                   <m:t>−</m:t>
                                 </m:r>
                                 <m:sSub>
                                   <m:sSubPr>
                                     <m:ctrlPr>
-                                      <a:rPr kumimoji="0" lang="ar-AE" sz="2100" b="0" i="1" u="none" strike="noStrike" kern="1200" cap="none" spc="0" normalizeH="0" baseline="0" noProof="0">
-                                        <a:ln>
-                                          <a:noFill/>
-                                        </a:ln>
-                                        <a:solidFill>
-                                          <a:prstClr val="black"/>
-                                        </a:solidFill>
-                                        <a:effectLst/>
-                                        <a:uLnTx/>
-                                        <a:uFillTx/>
+                                      <a:rPr lang="ar-AE" sz="2400" i="1">
                                         <a:latin typeface="Cambria Math" panose="02040503050406030204" pitchFamily="18" charset="0"/>
-                                        <a:ea typeface="+mn-ea"/>
-                                        <a:cs typeface="+mn-cs"/>
                                       </a:rPr>
                                     </m:ctrlPr>
                                   </m:sSubPr>
                                   <m:e>
                                     <m:r>
-                                      <a:rPr kumimoji="0" lang="ar-AE" sz="2100" b="0" i="0" u="none" strike="noStrike" kern="1200" cap="none" spc="0" normalizeH="0" baseline="0" noProof="0">
-                                        <a:ln>
-                                          <a:noFill/>
-                                        </a:ln>
-                                        <a:solidFill>
-                                          <a:prstClr val="black"/>
-                                        </a:solidFill>
-                                        <a:effectLst/>
-                                        <a:uLnTx/>
-                                        <a:uFillTx/>
+                                      <a:rPr lang="ar-AE" sz="2400">
                                         <a:latin typeface="Cambria Math" panose="02040503050406030204" pitchFamily="18" charset="0"/>
-                                        <a:ea typeface="+mn-ea"/>
-                                        <a:cs typeface="+mn-cs"/>
                                       </a:rPr>
                                       <m:t>𝐫</m:t>
                                     </m:r>
                                   </m:e>
                                   <m:sub>
                                     <m:r>
-                                      <a:rPr kumimoji="0" lang="ar-AE" sz="2100" b="0" i="0" u="none" strike="noStrike" kern="1200" cap="none" spc="0" normalizeH="0" baseline="0" noProof="0">
-                                        <a:ln>
-                                          <a:noFill/>
-                                        </a:ln>
-                                        <a:solidFill>
-                                          <a:prstClr val="black"/>
-                                        </a:solidFill>
-                                        <a:effectLst/>
-                                        <a:uLnTx/>
-                                        <a:uFillTx/>
+                                      <a:rPr lang="ar-AE" sz="2400">
                                         <a:latin typeface="Cambria Math" panose="02040503050406030204" pitchFamily="18" charset="0"/>
-                                        <a:ea typeface="+mn-ea"/>
-                                        <a:cs typeface="+mn-cs"/>
                                       </a:rPr>
                                       <m:t>𝟏</m:t>
                                     </m:r>
@@ -11532,56 +10700,23 @@
                                 <m:sSup>
                                   <m:sSupPr>
                                     <m:ctrlPr>
-                                      <a:rPr kumimoji="0" lang="ar-AE" sz="2100" b="0" i="1" u="none" strike="noStrike" kern="1200" cap="none" spc="0" normalizeH="0" baseline="0" noProof="0">
-                                        <a:ln>
-                                          <a:noFill/>
-                                        </a:ln>
-                                        <a:solidFill>
-                                          <a:prstClr val="black"/>
-                                        </a:solidFill>
-                                        <a:effectLst/>
-                                        <a:uLnTx/>
-                                        <a:uFillTx/>
+                                      <a:rPr lang="ar-AE" sz="2400" i="1">
                                         <a:latin typeface="Cambria Math" panose="02040503050406030204" pitchFamily="18" charset="0"/>
-                                        <a:ea typeface="+mn-ea"/>
-                                        <a:cs typeface="+mn-cs"/>
                                       </a:rPr>
                                     </m:ctrlPr>
                                   </m:sSupPr>
                                   <m:e>
                                     <m:r>
-                                      <a:rPr kumimoji="0" lang="ar-AE" sz="2100" b="0" i="0" u="none" strike="noStrike" kern="1200" cap="none" spc="0" normalizeH="0" baseline="0" noProof="0">
-                                        <a:ln>
-                                          <a:noFill/>
-                                        </a:ln>
-                                        <a:solidFill>
-                                          <a:prstClr val="black"/>
-                                        </a:solidFill>
-                                        <a:effectLst/>
-                                        <a:uLnTx/>
-                                        <a:uFillTx/>
+                                      <a:rPr lang="ar-AE" sz="2400">
                                         <a:latin typeface="Cambria Math" panose="02040503050406030204" pitchFamily="18" charset="0"/>
-                                        <a:ea typeface="+mn-ea"/>
-                                        <a:cs typeface="+mn-cs"/>
                                       </a:rPr>
                                       <m:t>|</m:t>
                                     </m:r>
                                   </m:e>
                                   <m:sup>
                                     <m:r>
-                                      <a:rPr kumimoji="0" lang="ar-AE" sz="2100" b="0" i="0" u="none" strike="noStrike" kern="1200" cap="none" spc="0" normalizeH="0" baseline="0" noProof="0">
-                                        <a:ln>
-                                          <a:noFill/>
-                                        </a:ln>
-                                        <a:solidFill>
-                                          <a:prstClr val="black"/>
-                                        </a:solidFill>
-                                        <a:effectLst/>
-                                        <a:uLnTx/>
-                                        <a:uFillTx/>
+                                      <a:rPr lang="ar-AE" sz="2400">
                                         <a:latin typeface="Cambria Math" panose="02040503050406030204" pitchFamily="18" charset="0"/>
-                                        <a:ea typeface="+mn-ea"/>
-                                        <a:cs typeface="+mn-cs"/>
                                       </a:rPr>
                                       <m:t>3</m:t>
                                     </m:r>
@@ -11590,19 +10725,8 @@
                               </m:den>
                             </m:f>
                             <m:r>
-                              <a:rPr kumimoji="0" lang="ar-AE" sz="2100" b="0" i="0" u="none" strike="noStrike" kern="1200" cap="none" spc="0" normalizeH="0" baseline="0" noProof="0">
-                                <a:ln>
-                                  <a:noFill/>
-                                </a:ln>
-                                <a:solidFill>
-                                  <a:prstClr val="black"/>
-                                </a:solidFill>
-                                <a:effectLst/>
-                                <a:uLnTx/>
-                                <a:uFillTx/>
+                              <a:rPr lang="ar-AE" sz="2400">
                                 <a:latin typeface="Cambria Math" panose="02040503050406030204" pitchFamily="18" charset="0"/>
-                                <a:ea typeface="+mn-ea"/>
-                                <a:cs typeface="+mn-cs"/>
                               </a:rPr>
                               <m:t>,</m:t>
                             </m:r>
@@ -11613,19 +10737,8 @@
                             <m:sSub>
                               <m:sSubPr>
                                 <m:ctrlPr>
-                                  <a:rPr kumimoji="0" lang="ar-AE" sz="2100" b="0" i="1" u="none" strike="noStrike" kern="1200" cap="none" spc="0" normalizeH="0" baseline="0" noProof="0">
-                                    <a:ln>
-                                      <a:noFill/>
-                                    </a:ln>
-                                    <a:solidFill>
-                                      <a:prstClr val="black"/>
-                                    </a:solidFill>
-                                    <a:effectLst/>
-                                    <a:uLnTx/>
-                                    <a:uFillTx/>
+                                  <a:rPr lang="ar-AE" sz="2400" i="1">
                                     <a:latin typeface="Cambria Math" panose="02040503050406030204" pitchFamily="18" charset="0"/>
-                                    <a:ea typeface="+mn-ea"/>
-                                    <a:cs typeface="+mn-cs"/>
                                   </a:rPr>
                                 </m:ctrlPr>
                               </m:sSubPr>
@@ -11634,37 +10747,15 @@
                                   <m:accPr>
                                     <m:chr m:val="̈"/>
                                     <m:ctrlPr>
-                                      <a:rPr kumimoji="0" lang="ar-AE" sz="2100" b="0" i="1" u="none" strike="noStrike" kern="1200" cap="none" spc="0" normalizeH="0" baseline="0" noProof="0">
-                                        <a:ln>
-                                          <a:noFill/>
-                                        </a:ln>
-                                        <a:solidFill>
-                                          <a:prstClr val="black"/>
-                                        </a:solidFill>
-                                        <a:effectLst/>
-                                        <a:uLnTx/>
-                                        <a:uFillTx/>
+                                      <a:rPr lang="ar-AE" sz="2400" i="1">
                                         <a:latin typeface="Cambria Math" panose="02040503050406030204" pitchFamily="18" charset="0"/>
-                                        <a:ea typeface="+mn-ea"/>
-                                        <a:cs typeface="+mn-cs"/>
                                       </a:rPr>
                                     </m:ctrlPr>
                                   </m:accPr>
                                   <m:e>
                                     <m:r>
-                                      <a:rPr kumimoji="0" lang="ar-AE" sz="2100" b="0" i="0" u="none" strike="noStrike" kern="1200" cap="none" spc="0" normalizeH="0" baseline="0" noProof="0">
-                                        <a:ln>
-                                          <a:noFill/>
-                                        </a:ln>
-                                        <a:solidFill>
-                                          <a:prstClr val="black"/>
-                                        </a:solidFill>
-                                        <a:effectLst/>
-                                        <a:uLnTx/>
-                                        <a:uFillTx/>
+                                      <a:rPr lang="ar-AE" sz="2400">
                                         <a:latin typeface="Cambria Math" panose="02040503050406030204" pitchFamily="18" charset="0"/>
-                                        <a:ea typeface="+mn-ea"/>
-                                        <a:cs typeface="+mn-cs"/>
                                       </a:rPr>
                                       <m:t>𝐫</m:t>
                                     </m:r>
@@ -11673,19 +10764,8 @@
                               </m:e>
                               <m:sub>
                                 <m:r>
-                                  <a:rPr kumimoji="0" lang="ar-AE" sz="2100" b="0" i="0" u="none" strike="noStrike" kern="1200" cap="none" spc="0" normalizeH="0" baseline="0" noProof="0">
-                                    <a:ln>
-                                      <a:noFill/>
-                                    </a:ln>
-                                    <a:solidFill>
-                                      <a:prstClr val="black"/>
-                                    </a:solidFill>
-                                    <a:effectLst/>
-                                    <a:uLnTx/>
-                                    <a:uFillTx/>
+                                  <a:rPr lang="ar-AE" sz="2400">
                                     <a:latin typeface="Cambria Math" panose="02040503050406030204" pitchFamily="18" charset="0"/>
-                                    <a:ea typeface="+mn-ea"/>
-                                    <a:cs typeface="+mn-cs"/>
                                   </a:rPr>
                                   <m:t>𝟑</m:t>
                                 </m:r>
@@ -11694,92 +10774,37 @@
                           </m:e>
                           <m:e>
                             <m:r>
-                              <a:rPr kumimoji="0" lang="ar-AE" sz="2100" b="0" i="0" u="none" strike="noStrike" kern="1200" cap="none" spc="0" normalizeH="0" baseline="0" noProof="0">
-                                <a:ln>
-                                  <a:noFill/>
-                                </a:ln>
-                                <a:solidFill>
-                                  <a:prstClr val="black"/>
-                                </a:solidFill>
-                                <a:effectLst/>
-                                <a:uLnTx/>
-                                <a:uFillTx/>
+                              <a:rPr lang="ar-AE" sz="2400">
                                 <a:latin typeface="Cambria Math" panose="02040503050406030204" pitchFamily="18" charset="0"/>
-                                <a:ea typeface="+mn-ea"/>
-                                <a:cs typeface="+mn-cs"/>
                               </a:rPr>
                               <m:t>=−</m:t>
                             </m:r>
                             <m:r>
-                              <a:rPr kumimoji="0" lang="ar-AE" sz="2100" b="0" i="0" u="none" strike="noStrike" kern="1200" cap="none" spc="0" normalizeH="0" baseline="0" noProof="0">
-                                <a:ln>
-                                  <a:noFill/>
-                                </a:ln>
-                                <a:solidFill>
-                                  <a:prstClr val="black"/>
-                                </a:solidFill>
-                                <a:effectLst/>
-                                <a:uLnTx/>
-                                <a:uFillTx/>
+                              <a:rPr lang="ar-AE" sz="2400">
                                 <a:latin typeface="Cambria Math" panose="02040503050406030204" pitchFamily="18" charset="0"/>
-                                <a:ea typeface="+mn-ea"/>
-                                <a:cs typeface="+mn-cs"/>
                               </a:rPr>
                               <m:t>𝐺</m:t>
                             </m:r>
                             <m:sSub>
                               <m:sSubPr>
                                 <m:ctrlPr>
-                                  <a:rPr kumimoji="0" lang="ar-AE" sz="2100" b="0" i="1" u="none" strike="noStrike" kern="1200" cap="none" spc="0" normalizeH="0" baseline="0" noProof="0">
-                                    <a:ln>
-                                      <a:noFill/>
-                                    </a:ln>
-                                    <a:solidFill>
-                                      <a:prstClr val="black"/>
-                                    </a:solidFill>
-                                    <a:effectLst/>
-                                    <a:uLnTx/>
-                                    <a:uFillTx/>
+                                  <a:rPr lang="ar-AE" sz="2400" i="1">
                                     <a:latin typeface="Cambria Math" panose="02040503050406030204" pitchFamily="18" charset="0"/>
-                                    <a:ea typeface="+mn-ea"/>
-                                    <a:cs typeface="+mn-cs"/>
                                   </a:rPr>
                                 </m:ctrlPr>
                               </m:sSubPr>
                               <m:e>
                                 <m:r>
-                                  <a:rPr kumimoji="0" lang="ar-AE" sz="2100" b="0" i="0" u="none" strike="noStrike" kern="1200" cap="none" spc="0" normalizeH="0" baseline="0" noProof="0">
-                                    <a:ln>
-                                      <a:noFill/>
-                                    </a:ln>
-                                    <a:solidFill>
-                                      <a:prstClr val="black"/>
-                                    </a:solidFill>
-                                    <a:effectLst/>
-                                    <a:uLnTx/>
-                                    <a:uFillTx/>
+                                  <a:rPr lang="ar-AE" sz="2400">
                                     <a:latin typeface="Cambria Math" panose="02040503050406030204" pitchFamily="18" charset="0"/>
-                                    <a:ea typeface="+mn-ea"/>
-                                    <a:cs typeface="+mn-cs"/>
                                   </a:rPr>
                                   <m:t>𝑚</m:t>
                                 </m:r>
                               </m:e>
                               <m:sub>
                                 <m:r>
-                                  <a:rPr kumimoji="0" lang="ar-AE" sz="2100" b="0" i="0" u="none" strike="noStrike" kern="1200" cap="none" spc="0" normalizeH="0" baseline="0" noProof="0">
-                                    <a:ln>
-                                      <a:noFill/>
-                                    </a:ln>
-                                    <a:solidFill>
-                                      <a:prstClr val="black"/>
-                                    </a:solidFill>
-                                    <a:effectLst/>
-                                    <a:uLnTx/>
-                                    <a:uFillTx/>
+                                  <a:rPr lang="ar-AE" sz="2400">
                                     <a:latin typeface="Cambria Math" panose="02040503050406030204" pitchFamily="18" charset="0"/>
-                                    <a:ea typeface="+mn-ea"/>
-                                    <a:cs typeface="+mn-cs"/>
                                   </a:rPr>
                                   <m:t>1</m:t>
                                 </m:r>
@@ -11788,19 +10813,8 @@
                             <m:f>
                               <m:fPr>
                                 <m:ctrlPr>
-                                  <a:rPr kumimoji="0" lang="ar-AE" sz="2100" b="0" i="1" u="none" strike="noStrike" kern="1200" cap="none" spc="0" normalizeH="0" baseline="0" noProof="0">
-                                    <a:ln>
-                                      <a:noFill/>
-                                    </a:ln>
-                                    <a:solidFill>
-                                      <a:prstClr val="black"/>
-                                    </a:solidFill>
-                                    <a:effectLst/>
-                                    <a:uLnTx/>
-                                    <a:uFillTx/>
+                                  <a:rPr lang="ar-AE" sz="2400" i="1">
                                     <a:latin typeface="Cambria Math" panose="02040503050406030204" pitchFamily="18" charset="0"/>
-                                    <a:ea typeface="+mn-ea"/>
-                                    <a:cs typeface="+mn-cs"/>
                                   </a:rPr>
                                 </m:ctrlPr>
                               </m:fPr>
@@ -11808,131 +10822,54 @@
                                 <m:sSub>
                                   <m:sSubPr>
                                     <m:ctrlPr>
-                                      <a:rPr kumimoji="0" lang="ar-AE" sz="2100" b="0" i="1" u="none" strike="noStrike" kern="1200" cap="none" spc="0" normalizeH="0" baseline="0" noProof="0">
-                                        <a:ln>
-                                          <a:noFill/>
-                                        </a:ln>
-                                        <a:solidFill>
-                                          <a:prstClr val="black"/>
-                                        </a:solidFill>
-                                        <a:effectLst/>
-                                        <a:uLnTx/>
-                                        <a:uFillTx/>
+                                      <a:rPr lang="ar-AE" sz="2400" i="1">
                                         <a:latin typeface="Cambria Math" panose="02040503050406030204" pitchFamily="18" charset="0"/>
-                                        <a:ea typeface="+mn-ea"/>
-                                        <a:cs typeface="+mn-cs"/>
                                       </a:rPr>
                                     </m:ctrlPr>
                                   </m:sSubPr>
                                   <m:e>
                                     <m:r>
-                                      <a:rPr kumimoji="0" lang="ar-AE" sz="2100" b="0" i="0" u="none" strike="noStrike" kern="1200" cap="none" spc="0" normalizeH="0" baseline="0" noProof="0">
-                                        <a:ln>
-                                          <a:noFill/>
-                                        </a:ln>
-                                        <a:solidFill>
-                                          <a:prstClr val="black"/>
-                                        </a:solidFill>
-                                        <a:effectLst/>
-                                        <a:uLnTx/>
-                                        <a:uFillTx/>
+                                      <a:rPr lang="ar-AE" sz="2400">
                                         <a:latin typeface="Cambria Math" panose="02040503050406030204" pitchFamily="18" charset="0"/>
-                                        <a:ea typeface="+mn-ea"/>
-                                        <a:cs typeface="+mn-cs"/>
                                       </a:rPr>
                                       <m:t>𝐫</m:t>
                                     </m:r>
                                   </m:e>
                                   <m:sub>
                                     <m:r>
-                                      <a:rPr kumimoji="0" lang="ar-AE" sz="2100" b="0" i="0" u="none" strike="noStrike" kern="1200" cap="none" spc="0" normalizeH="0" baseline="0" noProof="0">
-                                        <a:ln>
-                                          <a:noFill/>
-                                        </a:ln>
-                                        <a:solidFill>
-                                          <a:prstClr val="black"/>
-                                        </a:solidFill>
-                                        <a:effectLst/>
-                                        <a:uLnTx/>
-                                        <a:uFillTx/>
+                                      <a:rPr lang="ar-AE" sz="2400">
                                         <a:latin typeface="Cambria Math" panose="02040503050406030204" pitchFamily="18" charset="0"/>
-                                        <a:ea typeface="+mn-ea"/>
-                                        <a:cs typeface="+mn-cs"/>
                                       </a:rPr>
                                       <m:t>𝟑</m:t>
                                     </m:r>
                                   </m:sub>
                                 </m:sSub>
                                 <m:r>
-                                  <a:rPr kumimoji="0" lang="ar-AE" sz="2100" b="0" i="0" u="none" strike="noStrike" kern="1200" cap="none" spc="0" normalizeH="0" baseline="0" noProof="0">
-                                    <a:ln>
-                                      <a:noFill/>
-                                    </a:ln>
-                                    <a:solidFill>
-                                      <a:prstClr val="black"/>
-                                    </a:solidFill>
-                                    <a:effectLst/>
-                                    <a:uLnTx/>
-                                    <a:uFillTx/>
+                                  <a:rPr lang="ar-AE" sz="2400">
                                     <a:latin typeface="Cambria Math" panose="02040503050406030204" pitchFamily="18" charset="0"/>
-                                    <a:ea typeface="+mn-ea"/>
-                                    <a:cs typeface="+mn-cs"/>
                                   </a:rPr>
                                   <m:t>−</m:t>
                                 </m:r>
                                 <m:sSub>
                                   <m:sSubPr>
                                     <m:ctrlPr>
-                                      <a:rPr kumimoji="0" lang="ar-AE" sz="2100" b="0" i="1" u="none" strike="noStrike" kern="1200" cap="none" spc="0" normalizeH="0" baseline="0" noProof="0">
-                                        <a:ln>
-                                          <a:noFill/>
-                                        </a:ln>
-                                        <a:solidFill>
-                                          <a:prstClr val="black"/>
-                                        </a:solidFill>
-                                        <a:effectLst/>
-                                        <a:uLnTx/>
-                                        <a:uFillTx/>
+                                      <a:rPr lang="ar-AE" sz="2400" i="1">
                                         <a:latin typeface="Cambria Math" panose="02040503050406030204" pitchFamily="18" charset="0"/>
-                                        <a:ea typeface="+mn-ea"/>
-                                        <a:cs typeface="+mn-cs"/>
                                       </a:rPr>
                                     </m:ctrlPr>
                                   </m:sSubPr>
                                   <m:e>
                                     <m:r>
-                                      <a:rPr kumimoji="0" lang="ar-AE" sz="2100" b="0" i="0" u="none" strike="noStrike" kern="1200" cap="none" spc="0" normalizeH="0" baseline="0" noProof="0">
-                                        <a:ln>
-                                          <a:noFill/>
-                                        </a:ln>
-                                        <a:solidFill>
-                                          <a:prstClr val="black"/>
-                                        </a:solidFill>
-                                        <a:effectLst/>
-                                        <a:uLnTx/>
-                                        <a:uFillTx/>
+                                      <a:rPr lang="ar-AE" sz="2400">
                                         <a:latin typeface="Cambria Math" panose="02040503050406030204" pitchFamily="18" charset="0"/>
-                                        <a:ea typeface="+mn-ea"/>
-                                        <a:cs typeface="+mn-cs"/>
                                       </a:rPr>
                                       <m:t>𝐫</m:t>
                                     </m:r>
                                   </m:e>
                                   <m:sub>
                                     <m:r>
-                                      <a:rPr kumimoji="0" lang="ar-AE" sz="2100" b="0" i="0" u="none" strike="noStrike" kern="1200" cap="none" spc="0" normalizeH="0" baseline="0" noProof="0">
-                                        <a:ln>
-                                          <a:noFill/>
-                                        </a:ln>
-                                        <a:solidFill>
-                                          <a:prstClr val="black"/>
-                                        </a:solidFill>
-                                        <a:effectLst/>
-                                        <a:uLnTx/>
-                                        <a:uFillTx/>
+                                      <a:rPr lang="ar-AE" sz="2400">
                                         <a:latin typeface="Cambria Math" panose="02040503050406030204" pitchFamily="18" charset="0"/>
-                                        <a:ea typeface="+mn-ea"/>
-                                        <a:cs typeface="+mn-cs"/>
                                       </a:rPr>
                                       <m:t>𝟏</m:t>
                                     </m:r>
@@ -11941,150 +10878,62 @@
                               </m:num>
                               <m:den>
                                 <m:r>
-                                  <a:rPr kumimoji="0" lang="ar-AE" sz="2100" b="0" i="0" u="none" strike="noStrike" kern="1200" cap="none" spc="0" normalizeH="0" baseline="0" noProof="0">
-                                    <a:ln>
-                                      <a:noFill/>
-                                    </a:ln>
-                                    <a:solidFill>
-                                      <a:prstClr val="black"/>
-                                    </a:solidFill>
-                                    <a:effectLst/>
-                                    <a:uLnTx/>
-                                    <a:uFillTx/>
+                                  <a:rPr lang="ar-AE" sz="2400">
                                     <a:latin typeface="Cambria Math" panose="02040503050406030204" pitchFamily="18" charset="0"/>
-                                    <a:ea typeface="+mn-ea"/>
-                                    <a:cs typeface="+mn-cs"/>
                                   </a:rPr>
                                   <m:t>|</m:t>
                                 </m:r>
                                 <m:sSub>
                                   <m:sSubPr>
                                     <m:ctrlPr>
-                                      <a:rPr kumimoji="0" lang="ar-AE" sz="2100" b="0" i="1" u="none" strike="noStrike" kern="1200" cap="none" spc="0" normalizeH="0" baseline="0" noProof="0">
-                                        <a:ln>
-                                          <a:noFill/>
-                                        </a:ln>
-                                        <a:solidFill>
-                                          <a:prstClr val="black"/>
-                                        </a:solidFill>
-                                        <a:effectLst/>
-                                        <a:uLnTx/>
-                                        <a:uFillTx/>
+                                      <a:rPr lang="ar-AE" sz="2400" i="1">
                                         <a:latin typeface="Cambria Math" panose="02040503050406030204" pitchFamily="18" charset="0"/>
-                                        <a:ea typeface="+mn-ea"/>
-                                        <a:cs typeface="+mn-cs"/>
                                       </a:rPr>
                                     </m:ctrlPr>
                                   </m:sSubPr>
                                   <m:e>
                                     <m:r>
-                                      <a:rPr kumimoji="0" lang="ar-AE" sz="2100" b="0" i="0" u="none" strike="noStrike" kern="1200" cap="none" spc="0" normalizeH="0" baseline="0" noProof="0">
-                                        <a:ln>
-                                          <a:noFill/>
-                                        </a:ln>
-                                        <a:solidFill>
-                                          <a:prstClr val="black"/>
-                                        </a:solidFill>
-                                        <a:effectLst/>
-                                        <a:uLnTx/>
-                                        <a:uFillTx/>
+                                      <a:rPr lang="ar-AE" sz="2400">
                                         <a:latin typeface="Cambria Math" panose="02040503050406030204" pitchFamily="18" charset="0"/>
-                                        <a:ea typeface="+mn-ea"/>
-                                        <a:cs typeface="+mn-cs"/>
                                       </a:rPr>
                                       <m:t>𝐫</m:t>
                                     </m:r>
                                   </m:e>
                                   <m:sub>
                                     <m:r>
-                                      <a:rPr kumimoji="0" lang="ar-AE" sz="2100" b="0" i="0" u="none" strike="noStrike" kern="1200" cap="none" spc="0" normalizeH="0" baseline="0" noProof="0">
-                                        <a:ln>
-                                          <a:noFill/>
-                                        </a:ln>
-                                        <a:solidFill>
-                                          <a:prstClr val="black"/>
-                                        </a:solidFill>
-                                        <a:effectLst/>
-                                        <a:uLnTx/>
-                                        <a:uFillTx/>
+                                      <a:rPr lang="ar-AE" sz="2400">
                                         <a:latin typeface="Cambria Math" panose="02040503050406030204" pitchFamily="18" charset="0"/>
-                                        <a:ea typeface="+mn-ea"/>
-                                        <a:cs typeface="+mn-cs"/>
                                       </a:rPr>
                                       <m:t>𝟑</m:t>
                                     </m:r>
                                   </m:sub>
                                 </m:sSub>
                                 <m:r>
-                                  <a:rPr kumimoji="0" lang="ar-AE" sz="2100" b="0" i="0" u="none" strike="noStrike" kern="1200" cap="none" spc="0" normalizeH="0" baseline="0" noProof="0">
-                                    <a:ln>
-                                      <a:noFill/>
-                                    </a:ln>
-                                    <a:solidFill>
-                                      <a:prstClr val="black"/>
-                                    </a:solidFill>
-                                    <a:effectLst/>
-                                    <a:uLnTx/>
-                                    <a:uFillTx/>
+                                  <a:rPr lang="ar-AE" sz="2400">
                                     <a:latin typeface="Cambria Math" panose="02040503050406030204" pitchFamily="18" charset="0"/>
-                                    <a:ea typeface="+mn-ea"/>
-                                    <a:cs typeface="+mn-cs"/>
                                   </a:rPr>
                                   <m:t>−</m:t>
                                 </m:r>
                                 <m:sSub>
                                   <m:sSubPr>
                                     <m:ctrlPr>
-                                      <a:rPr kumimoji="0" lang="ar-AE" sz="2100" b="0" i="1" u="none" strike="noStrike" kern="1200" cap="none" spc="0" normalizeH="0" baseline="0" noProof="0">
-                                        <a:ln>
-                                          <a:noFill/>
-                                        </a:ln>
-                                        <a:solidFill>
-                                          <a:prstClr val="black"/>
-                                        </a:solidFill>
-                                        <a:effectLst/>
-                                        <a:uLnTx/>
-                                        <a:uFillTx/>
+                                      <a:rPr lang="ar-AE" sz="2400" i="1">
                                         <a:latin typeface="Cambria Math" panose="02040503050406030204" pitchFamily="18" charset="0"/>
-                                        <a:ea typeface="+mn-ea"/>
-                                        <a:cs typeface="+mn-cs"/>
                                       </a:rPr>
                                     </m:ctrlPr>
                                   </m:sSubPr>
                                   <m:e>
                                     <m:r>
-                                      <a:rPr kumimoji="0" lang="ar-AE" sz="2100" b="0" i="0" u="none" strike="noStrike" kern="1200" cap="none" spc="0" normalizeH="0" baseline="0" noProof="0">
-                                        <a:ln>
-                                          <a:noFill/>
-                                        </a:ln>
-                                        <a:solidFill>
-                                          <a:prstClr val="black"/>
-                                        </a:solidFill>
-                                        <a:effectLst/>
-                                        <a:uLnTx/>
-                                        <a:uFillTx/>
+                                      <a:rPr lang="ar-AE" sz="2400">
                                         <a:latin typeface="Cambria Math" panose="02040503050406030204" pitchFamily="18" charset="0"/>
-                                        <a:ea typeface="+mn-ea"/>
-                                        <a:cs typeface="+mn-cs"/>
                                       </a:rPr>
                                       <m:t>𝐫</m:t>
                                     </m:r>
                                   </m:e>
                                   <m:sub>
                                     <m:r>
-                                      <a:rPr kumimoji="0" lang="ar-AE" sz="2100" b="0" i="0" u="none" strike="noStrike" kern="1200" cap="none" spc="0" normalizeH="0" baseline="0" noProof="0">
-                                        <a:ln>
-                                          <a:noFill/>
-                                        </a:ln>
-                                        <a:solidFill>
-                                          <a:prstClr val="black"/>
-                                        </a:solidFill>
-                                        <a:effectLst/>
-                                        <a:uLnTx/>
-                                        <a:uFillTx/>
+                                      <a:rPr lang="ar-AE" sz="2400">
                                         <a:latin typeface="Cambria Math" panose="02040503050406030204" pitchFamily="18" charset="0"/>
-                                        <a:ea typeface="+mn-ea"/>
-                                        <a:cs typeface="+mn-cs"/>
                                       </a:rPr>
                                       <m:t>𝟏</m:t>
                                     </m:r>
@@ -12093,56 +10942,23 @@
                                 <m:sSup>
                                   <m:sSupPr>
                                     <m:ctrlPr>
-                                      <a:rPr kumimoji="0" lang="ar-AE" sz="2100" b="0" i="1" u="none" strike="noStrike" kern="1200" cap="none" spc="0" normalizeH="0" baseline="0" noProof="0">
-                                        <a:ln>
-                                          <a:noFill/>
-                                        </a:ln>
-                                        <a:solidFill>
-                                          <a:prstClr val="black"/>
-                                        </a:solidFill>
-                                        <a:effectLst/>
-                                        <a:uLnTx/>
-                                        <a:uFillTx/>
+                                      <a:rPr lang="ar-AE" sz="2400" i="1">
                                         <a:latin typeface="Cambria Math" panose="02040503050406030204" pitchFamily="18" charset="0"/>
-                                        <a:ea typeface="+mn-ea"/>
-                                        <a:cs typeface="+mn-cs"/>
                                       </a:rPr>
                                     </m:ctrlPr>
                                   </m:sSupPr>
                                   <m:e>
                                     <m:r>
-                                      <a:rPr kumimoji="0" lang="ar-AE" sz="2100" b="0" i="0" u="none" strike="noStrike" kern="1200" cap="none" spc="0" normalizeH="0" baseline="0" noProof="0">
-                                        <a:ln>
-                                          <a:noFill/>
-                                        </a:ln>
-                                        <a:solidFill>
-                                          <a:prstClr val="black"/>
-                                        </a:solidFill>
-                                        <a:effectLst/>
-                                        <a:uLnTx/>
-                                        <a:uFillTx/>
+                                      <a:rPr lang="ar-AE" sz="2400">
                                         <a:latin typeface="Cambria Math" panose="02040503050406030204" pitchFamily="18" charset="0"/>
-                                        <a:ea typeface="+mn-ea"/>
-                                        <a:cs typeface="+mn-cs"/>
                                       </a:rPr>
                                       <m:t>|</m:t>
                                     </m:r>
                                   </m:e>
                                   <m:sup>
                                     <m:r>
-                                      <a:rPr kumimoji="0" lang="ar-AE" sz="2100" b="0" i="0" u="none" strike="noStrike" kern="1200" cap="none" spc="0" normalizeH="0" baseline="0" noProof="0">
-                                        <a:ln>
-                                          <a:noFill/>
-                                        </a:ln>
-                                        <a:solidFill>
-                                          <a:prstClr val="black"/>
-                                        </a:solidFill>
-                                        <a:effectLst/>
-                                        <a:uLnTx/>
-                                        <a:uFillTx/>
+                                      <a:rPr lang="ar-AE" sz="2400">
                                         <a:latin typeface="Cambria Math" panose="02040503050406030204" pitchFamily="18" charset="0"/>
-                                        <a:ea typeface="+mn-ea"/>
-                                        <a:cs typeface="+mn-cs"/>
                                       </a:rPr>
                                       <m:t>3</m:t>
                                     </m:r>
@@ -12151,92 +10967,37 @@
                               </m:den>
                             </m:f>
                             <m:r>
-                              <a:rPr kumimoji="0" lang="ar-AE" sz="2100" b="0" i="0" u="none" strike="noStrike" kern="1200" cap="none" spc="0" normalizeH="0" baseline="0" noProof="0">
-                                <a:ln>
-                                  <a:noFill/>
-                                </a:ln>
-                                <a:solidFill>
-                                  <a:prstClr val="black"/>
-                                </a:solidFill>
-                                <a:effectLst/>
-                                <a:uLnTx/>
-                                <a:uFillTx/>
+                              <a:rPr lang="ar-AE" sz="2400">
                                 <a:latin typeface="Cambria Math" panose="02040503050406030204" pitchFamily="18" charset="0"/>
-                                <a:ea typeface="+mn-ea"/>
-                                <a:cs typeface="+mn-cs"/>
                               </a:rPr>
                               <m:t>−</m:t>
                             </m:r>
                             <m:r>
-                              <a:rPr kumimoji="0" lang="ar-AE" sz="2100" b="0" i="0" u="none" strike="noStrike" kern="1200" cap="none" spc="0" normalizeH="0" baseline="0" noProof="0">
-                                <a:ln>
-                                  <a:noFill/>
-                                </a:ln>
-                                <a:solidFill>
-                                  <a:prstClr val="black"/>
-                                </a:solidFill>
-                                <a:effectLst/>
-                                <a:uLnTx/>
-                                <a:uFillTx/>
+                              <a:rPr lang="ar-AE" sz="2400">
                                 <a:latin typeface="Cambria Math" panose="02040503050406030204" pitchFamily="18" charset="0"/>
-                                <a:ea typeface="+mn-ea"/>
-                                <a:cs typeface="+mn-cs"/>
                               </a:rPr>
                               <m:t>𝐺</m:t>
                             </m:r>
                             <m:sSub>
                               <m:sSubPr>
                                 <m:ctrlPr>
-                                  <a:rPr kumimoji="0" lang="ar-AE" sz="2100" b="0" i="1" u="none" strike="noStrike" kern="1200" cap="none" spc="0" normalizeH="0" baseline="0" noProof="0">
-                                    <a:ln>
-                                      <a:noFill/>
-                                    </a:ln>
-                                    <a:solidFill>
-                                      <a:prstClr val="black"/>
-                                    </a:solidFill>
-                                    <a:effectLst/>
-                                    <a:uLnTx/>
-                                    <a:uFillTx/>
+                                  <a:rPr lang="ar-AE" sz="2400" i="1">
                                     <a:latin typeface="Cambria Math" panose="02040503050406030204" pitchFamily="18" charset="0"/>
-                                    <a:ea typeface="+mn-ea"/>
-                                    <a:cs typeface="+mn-cs"/>
                                   </a:rPr>
                                 </m:ctrlPr>
                               </m:sSubPr>
                               <m:e>
                                 <m:r>
-                                  <a:rPr kumimoji="0" lang="ar-AE" sz="2100" b="0" i="0" u="none" strike="noStrike" kern="1200" cap="none" spc="0" normalizeH="0" baseline="0" noProof="0">
-                                    <a:ln>
-                                      <a:noFill/>
-                                    </a:ln>
-                                    <a:solidFill>
-                                      <a:prstClr val="black"/>
-                                    </a:solidFill>
-                                    <a:effectLst/>
-                                    <a:uLnTx/>
-                                    <a:uFillTx/>
+                                  <a:rPr lang="ar-AE" sz="2400">
                                     <a:latin typeface="Cambria Math" panose="02040503050406030204" pitchFamily="18" charset="0"/>
-                                    <a:ea typeface="+mn-ea"/>
-                                    <a:cs typeface="+mn-cs"/>
                                   </a:rPr>
                                   <m:t>𝑚</m:t>
                                 </m:r>
                               </m:e>
                               <m:sub>
                                 <m:r>
-                                  <a:rPr kumimoji="0" lang="ar-AE" sz="2100" b="0" i="0" u="none" strike="noStrike" kern="1200" cap="none" spc="0" normalizeH="0" baseline="0" noProof="0">
-                                    <a:ln>
-                                      <a:noFill/>
-                                    </a:ln>
-                                    <a:solidFill>
-                                      <a:prstClr val="black"/>
-                                    </a:solidFill>
-                                    <a:effectLst/>
-                                    <a:uLnTx/>
-                                    <a:uFillTx/>
+                                  <a:rPr lang="ar-AE" sz="2400">
                                     <a:latin typeface="Cambria Math" panose="02040503050406030204" pitchFamily="18" charset="0"/>
-                                    <a:ea typeface="+mn-ea"/>
-                                    <a:cs typeface="+mn-cs"/>
                                   </a:rPr>
                                   <m:t>2</m:t>
                                 </m:r>
@@ -12245,19 +11006,8 @@
                             <m:f>
                               <m:fPr>
                                 <m:ctrlPr>
-                                  <a:rPr kumimoji="0" lang="ar-AE" sz="2100" b="0" i="1" u="none" strike="noStrike" kern="1200" cap="none" spc="0" normalizeH="0" baseline="0" noProof="0">
-                                    <a:ln>
-                                      <a:noFill/>
-                                    </a:ln>
-                                    <a:solidFill>
-                                      <a:prstClr val="black"/>
-                                    </a:solidFill>
-                                    <a:effectLst/>
-                                    <a:uLnTx/>
-                                    <a:uFillTx/>
+                                  <a:rPr lang="ar-AE" sz="2400" i="1">
                                     <a:latin typeface="Cambria Math" panose="02040503050406030204" pitchFamily="18" charset="0"/>
-                                    <a:ea typeface="+mn-ea"/>
-                                    <a:cs typeface="+mn-cs"/>
                                   </a:rPr>
                                 </m:ctrlPr>
                               </m:fPr>
@@ -12265,131 +11015,54 @@
                                 <m:sSub>
                                   <m:sSubPr>
                                     <m:ctrlPr>
-                                      <a:rPr kumimoji="0" lang="ar-AE" sz="2100" b="0" i="1" u="none" strike="noStrike" kern="1200" cap="none" spc="0" normalizeH="0" baseline="0" noProof="0">
-                                        <a:ln>
-                                          <a:noFill/>
-                                        </a:ln>
-                                        <a:solidFill>
-                                          <a:prstClr val="black"/>
-                                        </a:solidFill>
-                                        <a:effectLst/>
-                                        <a:uLnTx/>
-                                        <a:uFillTx/>
+                                      <a:rPr lang="ar-AE" sz="2400" i="1">
                                         <a:latin typeface="Cambria Math" panose="02040503050406030204" pitchFamily="18" charset="0"/>
-                                        <a:ea typeface="+mn-ea"/>
-                                        <a:cs typeface="+mn-cs"/>
                                       </a:rPr>
                                     </m:ctrlPr>
                                   </m:sSubPr>
                                   <m:e>
                                     <m:r>
-                                      <a:rPr kumimoji="0" lang="ar-AE" sz="2100" b="0" i="0" u="none" strike="noStrike" kern="1200" cap="none" spc="0" normalizeH="0" baseline="0" noProof="0">
-                                        <a:ln>
-                                          <a:noFill/>
-                                        </a:ln>
-                                        <a:solidFill>
-                                          <a:prstClr val="black"/>
-                                        </a:solidFill>
-                                        <a:effectLst/>
-                                        <a:uLnTx/>
-                                        <a:uFillTx/>
+                                      <a:rPr lang="ar-AE" sz="2400">
                                         <a:latin typeface="Cambria Math" panose="02040503050406030204" pitchFamily="18" charset="0"/>
-                                        <a:ea typeface="+mn-ea"/>
-                                        <a:cs typeface="+mn-cs"/>
                                       </a:rPr>
                                       <m:t>𝐫</m:t>
                                     </m:r>
                                   </m:e>
                                   <m:sub>
                                     <m:r>
-                                      <a:rPr kumimoji="0" lang="ar-AE" sz="2100" b="0" i="0" u="none" strike="noStrike" kern="1200" cap="none" spc="0" normalizeH="0" baseline="0" noProof="0">
-                                        <a:ln>
-                                          <a:noFill/>
-                                        </a:ln>
-                                        <a:solidFill>
-                                          <a:prstClr val="black"/>
-                                        </a:solidFill>
-                                        <a:effectLst/>
-                                        <a:uLnTx/>
-                                        <a:uFillTx/>
+                                      <a:rPr lang="ar-AE" sz="2400">
                                         <a:latin typeface="Cambria Math" panose="02040503050406030204" pitchFamily="18" charset="0"/>
-                                        <a:ea typeface="+mn-ea"/>
-                                        <a:cs typeface="+mn-cs"/>
                                       </a:rPr>
                                       <m:t>𝟑</m:t>
                                     </m:r>
                                   </m:sub>
                                 </m:sSub>
                                 <m:r>
-                                  <a:rPr kumimoji="0" lang="ar-AE" sz="2100" b="0" i="0" u="none" strike="noStrike" kern="1200" cap="none" spc="0" normalizeH="0" baseline="0" noProof="0">
-                                    <a:ln>
-                                      <a:noFill/>
-                                    </a:ln>
-                                    <a:solidFill>
-                                      <a:prstClr val="black"/>
-                                    </a:solidFill>
-                                    <a:effectLst/>
-                                    <a:uLnTx/>
-                                    <a:uFillTx/>
+                                  <a:rPr lang="ar-AE" sz="2400">
                                     <a:latin typeface="Cambria Math" panose="02040503050406030204" pitchFamily="18" charset="0"/>
-                                    <a:ea typeface="+mn-ea"/>
-                                    <a:cs typeface="+mn-cs"/>
                                   </a:rPr>
                                   <m:t>−</m:t>
                                 </m:r>
                                 <m:sSub>
                                   <m:sSubPr>
                                     <m:ctrlPr>
-                                      <a:rPr kumimoji="0" lang="ar-AE" sz="2100" b="0" i="1" u="none" strike="noStrike" kern="1200" cap="none" spc="0" normalizeH="0" baseline="0" noProof="0">
-                                        <a:ln>
-                                          <a:noFill/>
-                                        </a:ln>
-                                        <a:solidFill>
-                                          <a:prstClr val="black"/>
-                                        </a:solidFill>
-                                        <a:effectLst/>
-                                        <a:uLnTx/>
-                                        <a:uFillTx/>
+                                      <a:rPr lang="ar-AE" sz="2400" i="1">
                                         <a:latin typeface="Cambria Math" panose="02040503050406030204" pitchFamily="18" charset="0"/>
-                                        <a:ea typeface="+mn-ea"/>
-                                        <a:cs typeface="+mn-cs"/>
                                       </a:rPr>
                                     </m:ctrlPr>
                                   </m:sSubPr>
                                   <m:e>
                                     <m:r>
-                                      <a:rPr kumimoji="0" lang="ar-AE" sz="2100" b="0" i="0" u="none" strike="noStrike" kern="1200" cap="none" spc="0" normalizeH="0" baseline="0" noProof="0">
-                                        <a:ln>
-                                          <a:noFill/>
-                                        </a:ln>
-                                        <a:solidFill>
-                                          <a:prstClr val="black"/>
-                                        </a:solidFill>
-                                        <a:effectLst/>
-                                        <a:uLnTx/>
-                                        <a:uFillTx/>
+                                      <a:rPr lang="ar-AE" sz="2400">
                                         <a:latin typeface="Cambria Math" panose="02040503050406030204" pitchFamily="18" charset="0"/>
-                                        <a:ea typeface="+mn-ea"/>
-                                        <a:cs typeface="+mn-cs"/>
                                       </a:rPr>
                                       <m:t>𝐫</m:t>
                                     </m:r>
                                   </m:e>
                                   <m:sub>
                                     <m:r>
-                                      <a:rPr kumimoji="0" lang="ar-AE" sz="2100" b="0" i="0" u="none" strike="noStrike" kern="1200" cap="none" spc="0" normalizeH="0" baseline="0" noProof="0">
-                                        <a:ln>
-                                          <a:noFill/>
-                                        </a:ln>
-                                        <a:solidFill>
-                                          <a:prstClr val="black"/>
-                                        </a:solidFill>
-                                        <a:effectLst/>
-                                        <a:uLnTx/>
-                                        <a:uFillTx/>
+                                      <a:rPr lang="ar-AE" sz="2400">
                                         <a:latin typeface="Cambria Math" panose="02040503050406030204" pitchFamily="18" charset="0"/>
-                                        <a:ea typeface="+mn-ea"/>
-                                        <a:cs typeface="+mn-cs"/>
                                       </a:rPr>
                                       <m:t>𝟐</m:t>
                                     </m:r>
@@ -12398,150 +11071,62 @@
                               </m:num>
                               <m:den>
                                 <m:r>
-                                  <a:rPr kumimoji="0" lang="ar-AE" sz="2100" b="0" i="0" u="none" strike="noStrike" kern="1200" cap="none" spc="0" normalizeH="0" baseline="0" noProof="0">
-                                    <a:ln>
-                                      <a:noFill/>
-                                    </a:ln>
-                                    <a:solidFill>
-                                      <a:prstClr val="black"/>
-                                    </a:solidFill>
-                                    <a:effectLst/>
-                                    <a:uLnTx/>
-                                    <a:uFillTx/>
+                                  <a:rPr lang="ar-AE" sz="2400">
                                     <a:latin typeface="Cambria Math" panose="02040503050406030204" pitchFamily="18" charset="0"/>
-                                    <a:ea typeface="+mn-ea"/>
-                                    <a:cs typeface="+mn-cs"/>
                                   </a:rPr>
                                   <m:t>|</m:t>
                                 </m:r>
                                 <m:sSub>
                                   <m:sSubPr>
                                     <m:ctrlPr>
-                                      <a:rPr kumimoji="0" lang="ar-AE" sz="2100" b="0" i="1" u="none" strike="noStrike" kern="1200" cap="none" spc="0" normalizeH="0" baseline="0" noProof="0">
-                                        <a:ln>
-                                          <a:noFill/>
-                                        </a:ln>
-                                        <a:solidFill>
-                                          <a:prstClr val="black"/>
-                                        </a:solidFill>
-                                        <a:effectLst/>
-                                        <a:uLnTx/>
-                                        <a:uFillTx/>
+                                      <a:rPr lang="ar-AE" sz="2400" i="1">
                                         <a:latin typeface="Cambria Math" panose="02040503050406030204" pitchFamily="18" charset="0"/>
-                                        <a:ea typeface="+mn-ea"/>
-                                        <a:cs typeface="+mn-cs"/>
                                       </a:rPr>
                                     </m:ctrlPr>
                                   </m:sSubPr>
                                   <m:e>
                                     <m:r>
-                                      <a:rPr kumimoji="0" lang="ar-AE" sz="2100" b="0" i="0" u="none" strike="noStrike" kern="1200" cap="none" spc="0" normalizeH="0" baseline="0" noProof="0">
-                                        <a:ln>
-                                          <a:noFill/>
-                                        </a:ln>
-                                        <a:solidFill>
-                                          <a:prstClr val="black"/>
-                                        </a:solidFill>
-                                        <a:effectLst/>
-                                        <a:uLnTx/>
-                                        <a:uFillTx/>
+                                      <a:rPr lang="ar-AE" sz="2400">
                                         <a:latin typeface="Cambria Math" panose="02040503050406030204" pitchFamily="18" charset="0"/>
-                                        <a:ea typeface="+mn-ea"/>
-                                        <a:cs typeface="+mn-cs"/>
                                       </a:rPr>
                                       <m:t>𝐫</m:t>
                                     </m:r>
                                   </m:e>
                                   <m:sub>
                                     <m:r>
-                                      <a:rPr kumimoji="0" lang="ar-AE" sz="2100" b="0" i="0" u="none" strike="noStrike" kern="1200" cap="none" spc="0" normalizeH="0" baseline="0" noProof="0">
-                                        <a:ln>
-                                          <a:noFill/>
-                                        </a:ln>
-                                        <a:solidFill>
-                                          <a:prstClr val="black"/>
-                                        </a:solidFill>
-                                        <a:effectLst/>
-                                        <a:uLnTx/>
-                                        <a:uFillTx/>
+                                      <a:rPr lang="ar-AE" sz="2400">
                                         <a:latin typeface="Cambria Math" panose="02040503050406030204" pitchFamily="18" charset="0"/>
-                                        <a:ea typeface="+mn-ea"/>
-                                        <a:cs typeface="+mn-cs"/>
                                       </a:rPr>
                                       <m:t>𝟑</m:t>
                                     </m:r>
                                   </m:sub>
                                 </m:sSub>
                                 <m:r>
-                                  <a:rPr kumimoji="0" lang="ar-AE" sz="2100" b="0" i="0" u="none" strike="noStrike" kern="1200" cap="none" spc="0" normalizeH="0" baseline="0" noProof="0">
-                                    <a:ln>
-                                      <a:noFill/>
-                                    </a:ln>
-                                    <a:solidFill>
-                                      <a:prstClr val="black"/>
-                                    </a:solidFill>
-                                    <a:effectLst/>
-                                    <a:uLnTx/>
-                                    <a:uFillTx/>
+                                  <a:rPr lang="ar-AE" sz="2400">
                                     <a:latin typeface="Cambria Math" panose="02040503050406030204" pitchFamily="18" charset="0"/>
-                                    <a:ea typeface="+mn-ea"/>
-                                    <a:cs typeface="+mn-cs"/>
                                   </a:rPr>
                                   <m:t>−</m:t>
                                 </m:r>
                                 <m:sSub>
                                   <m:sSubPr>
                                     <m:ctrlPr>
-                                      <a:rPr kumimoji="0" lang="ar-AE" sz="2100" b="0" i="1" u="none" strike="noStrike" kern="1200" cap="none" spc="0" normalizeH="0" baseline="0" noProof="0">
-                                        <a:ln>
-                                          <a:noFill/>
-                                        </a:ln>
-                                        <a:solidFill>
-                                          <a:prstClr val="black"/>
-                                        </a:solidFill>
-                                        <a:effectLst/>
-                                        <a:uLnTx/>
-                                        <a:uFillTx/>
+                                      <a:rPr lang="ar-AE" sz="2400" i="1">
                                         <a:latin typeface="Cambria Math" panose="02040503050406030204" pitchFamily="18" charset="0"/>
-                                        <a:ea typeface="+mn-ea"/>
-                                        <a:cs typeface="+mn-cs"/>
                                       </a:rPr>
                                     </m:ctrlPr>
                                   </m:sSubPr>
                                   <m:e>
                                     <m:r>
-                                      <a:rPr kumimoji="0" lang="ar-AE" sz="2100" b="0" i="0" u="none" strike="noStrike" kern="1200" cap="none" spc="0" normalizeH="0" baseline="0" noProof="0">
-                                        <a:ln>
-                                          <a:noFill/>
-                                        </a:ln>
-                                        <a:solidFill>
-                                          <a:prstClr val="black"/>
-                                        </a:solidFill>
-                                        <a:effectLst/>
-                                        <a:uLnTx/>
-                                        <a:uFillTx/>
+                                      <a:rPr lang="ar-AE" sz="2400">
                                         <a:latin typeface="Cambria Math" panose="02040503050406030204" pitchFamily="18" charset="0"/>
-                                        <a:ea typeface="+mn-ea"/>
-                                        <a:cs typeface="+mn-cs"/>
                                       </a:rPr>
                                       <m:t>𝐫</m:t>
                                     </m:r>
                                   </m:e>
                                   <m:sub>
                                     <m:r>
-                                      <a:rPr kumimoji="0" lang="ar-AE" sz="2100" b="0" i="0" u="none" strike="noStrike" kern="1200" cap="none" spc="0" normalizeH="0" baseline="0" noProof="0">
-                                        <a:ln>
-                                          <a:noFill/>
-                                        </a:ln>
-                                        <a:solidFill>
-                                          <a:prstClr val="black"/>
-                                        </a:solidFill>
-                                        <a:effectLst/>
-                                        <a:uLnTx/>
-                                        <a:uFillTx/>
+                                      <a:rPr lang="ar-AE" sz="2400">
                                         <a:latin typeface="Cambria Math" panose="02040503050406030204" pitchFamily="18" charset="0"/>
-                                        <a:ea typeface="+mn-ea"/>
-                                        <a:cs typeface="+mn-cs"/>
                                       </a:rPr>
                                       <m:t>𝟐</m:t>
                                     </m:r>
@@ -12550,56 +11135,23 @@
                                 <m:sSup>
                                   <m:sSupPr>
                                     <m:ctrlPr>
-                                      <a:rPr kumimoji="0" lang="ar-AE" sz="2100" b="0" i="1" u="none" strike="noStrike" kern="1200" cap="none" spc="0" normalizeH="0" baseline="0" noProof="0">
-                                        <a:ln>
-                                          <a:noFill/>
-                                        </a:ln>
-                                        <a:solidFill>
-                                          <a:prstClr val="black"/>
-                                        </a:solidFill>
-                                        <a:effectLst/>
-                                        <a:uLnTx/>
-                                        <a:uFillTx/>
+                                      <a:rPr lang="ar-AE" sz="2400" i="1">
                                         <a:latin typeface="Cambria Math" panose="02040503050406030204" pitchFamily="18" charset="0"/>
-                                        <a:ea typeface="+mn-ea"/>
-                                        <a:cs typeface="+mn-cs"/>
                                       </a:rPr>
                                     </m:ctrlPr>
                                   </m:sSupPr>
                                   <m:e>
                                     <m:r>
-                                      <a:rPr kumimoji="0" lang="ar-AE" sz="2100" b="0" i="0" u="none" strike="noStrike" kern="1200" cap="none" spc="0" normalizeH="0" baseline="0" noProof="0">
-                                        <a:ln>
-                                          <a:noFill/>
-                                        </a:ln>
-                                        <a:solidFill>
-                                          <a:prstClr val="black"/>
-                                        </a:solidFill>
-                                        <a:effectLst/>
-                                        <a:uLnTx/>
-                                        <a:uFillTx/>
+                                      <a:rPr lang="ar-AE" sz="2400">
                                         <a:latin typeface="Cambria Math" panose="02040503050406030204" pitchFamily="18" charset="0"/>
-                                        <a:ea typeface="+mn-ea"/>
-                                        <a:cs typeface="+mn-cs"/>
                                       </a:rPr>
                                       <m:t>|</m:t>
                                     </m:r>
                                   </m:e>
                                   <m:sup>
                                     <m:r>
-                                      <a:rPr kumimoji="0" lang="ar-AE" sz="2100" b="0" i="0" u="none" strike="noStrike" kern="1200" cap="none" spc="0" normalizeH="0" baseline="0" noProof="0">
-                                        <a:ln>
-                                          <a:noFill/>
-                                        </a:ln>
-                                        <a:solidFill>
-                                          <a:prstClr val="black"/>
-                                        </a:solidFill>
-                                        <a:effectLst/>
-                                        <a:uLnTx/>
-                                        <a:uFillTx/>
+                                      <a:rPr lang="ar-AE" sz="2400">
                                         <a:latin typeface="Cambria Math" panose="02040503050406030204" pitchFamily="18" charset="0"/>
-                                        <a:ea typeface="+mn-ea"/>
-                                        <a:cs typeface="+mn-cs"/>
                                       </a:rPr>
                                       <m:t>3</m:t>
                                     </m:r>
@@ -12608,19 +11160,8 @@
                               </m:den>
                             </m:f>
                             <m:r>
-                              <a:rPr kumimoji="0" lang="fr-FR" sz="2100" b="0" i="0" u="none" strike="noStrike" kern="1200" cap="none" spc="0" normalizeH="0" baseline="0" noProof="0" smtClean="0">
-                                <a:ln>
-                                  <a:noFill/>
-                                </a:ln>
-                                <a:solidFill>
-                                  <a:prstClr val="black"/>
-                                </a:solidFill>
-                                <a:effectLst/>
-                                <a:uLnTx/>
-                                <a:uFillTx/>
+                              <a:rPr lang="ar-AE" sz="2400" b="0" i="1" smtClean="0">
                                 <a:latin typeface="Cambria Math" panose="02040503050406030204" pitchFamily="18" charset="0"/>
-                                <a:ea typeface="+mn-ea"/>
-                                <a:cs typeface="+mn-cs"/>
                               </a:rPr>
                               <m:t>.</m:t>
                             </m:r>
@@ -12630,7 +11171,10 @@
                     </m:oMath>
                   </m:oMathPara>
                 </a14:m>
-                <a:endParaRPr lang="fr-FR" dirty="0"/>
+                <a:endParaRPr sz="2400" dirty="0">
+                  <a:latin typeface="Arial" panose="020B0604020202020204" pitchFamily="34" charset="0"/>
+                  <a:cs typeface="Arial" panose="020B0604020202020204" pitchFamily="34" charset="0"/>
+                </a:endParaRPr>
               </a:p>
             </p:txBody>
           </p:sp>
@@ -12638,30 +11182,29 @@
         <mc:Fallback>
           <p:sp>
             <p:nvSpPr>
-              <p:cNvPr id="9" name="ZoneTexte 8">
+              <p:cNvPr id="11" name="Content Placeholder 2">
                 <a:extLst>
                   <a:ext uri="{FF2B5EF4-FFF2-40B4-BE49-F238E27FC236}">
-                    <a16:creationId xmlns:a16="http://schemas.microsoft.com/office/drawing/2014/main" id="{48935827-3995-4D81-AE76-A28B09323603}"/>
+                    <a16:creationId xmlns:a16="http://schemas.microsoft.com/office/drawing/2014/main" id="{A2814AD1-5127-49A9-B9AC-0F11DC09BF8D}"/>
                   </a:ext>
                 </a:extLst>
               </p:cNvPr>
-              <p:cNvSpPr txBox="1">
-                <a:spLocks noRot="1" noChangeAspect="1" noMove="1" noResize="1" noEditPoints="1" noAdjustHandles="1" noChangeArrowheads="1" noChangeShapeType="1" noTextEdit="1"/>
+              <p:cNvSpPr>
+                <a:spLocks noGrp="1" noRot="1" noChangeAspect="1" noMove="1" noResize="1" noEditPoints="1" noAdjustHandles="1" noChangeArrowheads="1" noChangeShapeType="1" noTextEdit="1"/>
               </p:cNvSpPr>
-              <p:nvPr/>
+              <p:nvPr>
+                <p:ph idx="1"/>
+              </p:nvPr>
             </p:nvSpPr>
             <p:spPr>
               <a:xfrm>
-                <a:off x="2248293" y="2188573"/>
-                <a:ext cx="4647414" cy="2022798"/>
+                <a:off x="294539" y="1511273"/>
+                <a:ext cx="8229600" cy="4525963"/>
               </a:xfrm>
-              <a:prstGeom prst="rect">
-                <a:avLst/>
-              </a:prstGeom>
               <a:blipFill>
                 <a:blip r:embed="rId3"/>
                 <a:stretch>
-                  <a:fillRect r="-2625"/>
+                  <a:fillRect t="-1752"/>
                 </a:stretch>
               </a:blipFill>
             </p:spPr>
@@ -12720,10 +11263,10 @@
       </p:grpSpPr>
       <p:sp useBgFill="1">
         <p:nvSpPr>
-          <p:cNvPr id="67" name="Rectangle 6">
-            <a:extLst>
-              <a:ext uri="{FF2B5EF4-FFF2-40B4-BE49-F238E27FC236}">
-                <a16:creationId xmlns:a16="http://schemas.microsoft.com/office/drawing/2014/main" id="{577D6B2E-37A3-429E-A37C-F30ED6487282}"/>
+          <p:cNvPr id="25" name="Rectangle 6">
+            <a:extLst>
+              <a:ext uri="{FF2B5EF4-FFF2-40B4-BE49-F238E27FC236}">
+                <a16:creationId xmlns:a16="http://schemas.microsoft.com/office/drawing/2014/main" id="{6F5A5072-7B47-4D32-B52A-4EBBF590B8A5}"/>
               </a:ext>
               <a:ext uri="{C183D7F6-B498-43B3-948B-1728B52AA6E4}">
                 <adec:decorative xmlns:adec="http://schemas.microsoft.com/office/drawing/2017/decorative" val="1"/>
@@ -12796,10 +11339,10 @@
       </p:sp>
       <p:sp>
         <p:nvSpPr>
-          <p:cNvPr id="68" name="Rectangle 8">
-            <a:extLst>
-              <a:ext uri="{FF2B5EF4-FFF2-40B4-BE49-F238E27FC236}">
-                <a16:creationId xmlns:a16="http://schemas.microsoft.com/office/drawing/2014/main" id="{5CEAD642-85CF-4750-8432-7C80C901F001}"/>
+          <p:cNvPr id="26" name="Rectangle 8">
+            <a:extLst>
+              <a:ext uri="{FF2B5EF4-FFF2-40B4-BE49-F238E27FC236}">
+                <a16:creationId xmlns:a16="http://schemas.microsoft.com/office/drawing/2014/main" id="{9715DAF0-AE1B-46C9-8A6B-DB2AA05AB91D}"/>
               </a:ext>
               <a:ext uri="{C183D7F6-B498-43B3-948B-1728B52AA6E4}">
                 <adec:decorative xmlns:adec="http://schemas.microsoft.com/office/drawing/2017/decorative" val="1"/>
@@ -12819,8 +11362,8 @@
         </p:nvSpPr>
         <p:spPr>
           <a:xfrm rot="10800000">
-            <a:off x="-8792" y="-1"/>
-            <a:ext cx="9169464" cy="6868071"/>
+            <a:off x="-1" y="-22693"/>
+            <a:ext cx="9143998" cy="4374129"/>
           </a:xfrm>
           <a:prstGeom prst="rect">
             <a:avLst/>
@@ -12828,15 +11371,15 @@
           <a:gradFill>
             <a:gsLst>
               <a:gs pos="0">
-                <a:srgbClr val="000000"/>
-              </a:gs>
-              <a:gs pos="100000">
                 <a:schemeClr val="accent1">
                   <a:lumMod val="75000"/>
                 </a:schemeClr>
               </a:gs>
+              <a:gs pos="100000">
+                <a:srgbClr val="000000"/>
+              </a:gs>
             </a:gsLst>
-            <a:lin ang="4200000" scaled="0"/>
+            <a:lin ang="15000000" scaled="0"/>
           </a:gradFill>
           <a:ln>
             <a:noFill/>
@@ -12869,10 +11412,10 @@
       </p:sp>
       <p:sp>
         <p:nvSpPr>
-          <p:cNvPr id="69" name="Rectangle 10">
-            <a:extLst>
-              <a:ext uri="{FF2B5EF4-FFF2-40B4-BE49-F238E27FC236}">
-                <a16:creationId xmlns:a16="http://schemas.microsoft.com/office/drawing/2014/main" id="{FA33EEAE-15D5-4119-8C1E-89D943F911EF}"/>
+          <p:cNvPr id="27" name="Rectangle 10">
+            <a:extLst>
+              <a:ext uri="{FF2B5EF4-FFF2-40B4-BE49-F238E27FC236}">
+                <a16:creationId xmlns:a16="http://schemas.microsoft.com/office/drawing/2014/main" id="{6016219D-510E-4184-9090-6D5578A87BD1}"/>
               </a:ext>
               <a:ext uri="{C183D7F6-B498-43B3-948B-1728B52AA6E4}">
                 <adec:decorative xmlns:adec="http://schemas.microsoft.com/office/drawing/2017/decorative" val="1"/>
@@ -12891,24 +11434,317 @@
           </p:nvPr>
         </p:nvSpPr>
         <p:spPr>
-          <a:xfrm rot="10800000" flipH="1">
-            <a:off x="331469" y="-3"/>
-            <a:ext cx="8829202" cy="6868074"/>
+          <a:xfrm rot="5400000">
+            <a:off x="2384720" y="-2407841"/>
+            <a:ext cx="4374557" cy="9144000"/>
           </a:xfrm>
           <a:prstGeom prst="rect">
             <a:avLst/>
           </a:prstGeom>
           <a:gradFill>
             <a:gsLst>
-              <a:gs pos="21000">
+              <a:gs pos="40000">
                 <a:schemeClr val="accent1">
-                  <a:lumMod val="50000"/>
-                  <a:alpha val="83000"/>
+                  <a:alpha val="0"/>
                 </a:schemeClr>
               </a:gs>
               <a:gs pos="100000">
                 <a:schemeClr val="accent1">
+                  <a:lumMod val="75000"/>
+                  <a:alpha val="52000"/>
+                </a:schemeClr>
+              </a:gs>
+            </a:gsLst>
+            <a:lin ang="2400000" scaled="0"/>
+          </a:gradFill>
+          <a:ln>
+            <a:noFill/>
+          </a:ln>
+        </p:spPr>
+        <p:style>
+          <a:lnRef idx="2">
+            <a:schemeClr val="accent1">
+              <a:shade val="50000"/>
+            </a:schemeClr>
+          </a:lnRef>
+          <a:fillRef idx="1">
+            <a:schemeClr val="accent1"/>
+          </a:fillRef>
+          <a:effectRef idx="0">
+            <a:schemeClr val="accent1"/>
+          </a:effectRef>
+          <a:fontRef idx="minor">
+            <a:schemeClr val="lt1"/>
+          </a:fontRef>
+        </p:style>
+        <p:txBody>
+          <a:bodyPr rtlCol="0" anchor="ctr"/>
+          <a:lstStyle/>
+          <a:p>
+            <a:pPr algn="ctr"/>
+            <a:endParaRPr lang="en-US"/>
+          </a:p>
+        </p:txBody>
+      </p:sp>
+      <p:sp>
+        <p:nvSpPr>
+          <p:cNvPr id="28" name="Rectangle 12">
+            <a:extLst>
+              <a:ext uri="{FF2B5EF4-FFF2-40B4-BE49-F238E27FC236}">
+                <a16:creationId xmlns:a16="http://schemas.microsoft.com/office/drawing/2014/main" id="{AFF4A713-7B75-4B21-90D7-5AB19547C728}"/>
+              </a:ext>
+              <a:ext uri="{C183D7F6-B498-43B3-948B-1728B52AA6E4}">
+                <adec:decorative xmlns:adec="http://schemas.microsoft.com/office/drawing/2017/decorative" val="1"/>
+              </a:ext>
+            </a:extLst>
+          </p:cNvPr>
+          <p:cNvSpPr>
+            <a:spLocks noGrp="1" noRot="1" noChangeAspect="1" noMove="1" noResize="1" noEditPoints="1" noAdjustHandles="1" noChangeArrowheads="1" noChangeShapeType="1" noTextEdit="1"/>
+          </p:cNvSpPr>
+          <p:nvPr>
+            <p:extLst>
+              <p:ext uri="{386F3935-93C4-4BCD-93E2-E3B085C9AB24}">
+                <p16:designElem xmlns:p16="http://schemas.microsoft.com/office/powerpoint/2015/main" val="1"/>
+              </p:ext>
+            </p:extLst>
+          </p:nvPr>
+        </p:nvSpPr>
+        <p:spPr>
+          <a:xfrm rot="5400000">
+            <a:off x="2555756" y="-2236808"/>
+            <a:ext cx="4374128" cy="8802359"/>
+          </a:xfrm>
+          <a:prstGeom prst="rect">
+            <a:avLst/>
+          </a:prstGeom>
+          <a:gradFill>
+            <a:gsLst>
+              <a:gs pos="17000">
+                <a:schemeClr val="accent1">
                   <a:alpha val="0"/>
+                </a:schemeClr>
+              </a:gs>
+              <a:gs pos="100000">
+                <a:srgbClr val="000000">
+                  <a:alpha val="37000"/>
+                </a:srgbClr>
+              </a:gs>
+            </a:gsLst>
+            <a:lin ang="7800000" scaled="0"/>
+          </a:gradFill>
+          <a:ln>
+            <a:noFill/>
+          </a:ln>
+        </p:spPr>
+        <p:style>
+          <a:lnRef idx="2">
+            <a:schemeClr val="accent1">
+              <a:shade val="50000"/>
+            </a:schemeClr>
+          </a:lnRef>
+          <a:fillRef idx="1">
+            <a:schemeClr val="accent1"/>
+          </a:fillRef>
+          <a:effectRef idx="0">
+            <a:schemeClr val="accent1"/>
+          </a:effectRef>
+          <a:fontRef idx="minor">
+            <a:schemeClr val="lt1"/>
+          </a:fontRef>
+        </p:style>
+        <p:txBody>
+          <a:bodyPr rtlCol="0" anchor="ctr"/>
+          <a:lstStyle/>
+          <a:p>
+            <a:pPr algn="ctr"/>
+            <a:endParaRPr lang="en-US"/>
+          </a:p>
+        </p:txBody>
+      </p:sp>
+      <p:sp>
+        <p:nvSpPr>
+          <p:cNvPr id="29" name="Rectangle 14">
+            <a:extLst>
+              <a:ext uri="{FF2B5EF4-FFF2-40B4-BE49-F238E27FC236}">
+                <a16:creationId xmlns:a16="http://schemas.microsoft.com/office/drawing/2014/main" id="{DC631C0B-6DA6-4E57-8231-CE32B3434A7E}"/>
+              </a:ext>
+              <a:ext uri="{C183D7F6-B498-43B3-948B-1728B52AA6E4}">
+                <adec:decorative xmlns:adec="http://schemas.microsoft.com/office/drawing/2017/decorative" val="1"/>
+              </a:ext>
+            </a:extLst>
+          </p:cNvPr>
+          <p:cNvSpPr>
+            <a:spLocks noGrp="1" noRot="1" noChangeAspect="1" noMove="1" noResize="1" noEditPoints="1" noAdjustHandles="1" noChangeArrowheads="1" noChangeShapeType="1" noTextEdit="1"/>
+          </p:cNvSpPr>
+          <p:nvPr>
+            <p:extLst>
+              <p:ext uri="{386F3935-93C4-4BCD-93E2-E3B085C9AB24}">
+                <p16:designElem xmlns:p16="http://schemas.microsoft.com/office/powerpoint/2015/main" val="1"/>
+              </p:ext>
+            </p:extLst>
+          </p:nvPr>
+        </p:nvSpPr>
+        <p:spPr>
+          <a:xfrm>
+            <a:off x="-3" y="-22690"/>
+            <a:ext cx="6406863" cy="4374126"/>
+          </a:xfrm>
+          <a:prstGeom prst="rect">
+            <a:avLst/>
+          </a:prstGeom>
+          <a:gradFill>
+            <a:gsLst>
+              <a:gs pos="0">
+                <a:schemeClr val="accent1">
+                  <a:lumMod val="50000"/>
+                  <a:alpha val="0"/>
+                </a:schemeClr>
+              </a:gs>
+              <a:gs pos="100000">
+                <a:srgbClr val="000000">
+                  <a:alpha val="25000"/>
+                </a:srgbClr>
+              </a:gs>
+            </a:gsLst>
+            <a:lin ang="18600000" scaled="0"/>
+          </a:gradFill>
+          <a:ln>
+            <a:noFill/>
+          </a:ln>
+        </p:spPr>
+        <p:style>
+          <a:lnRef idx="2">
+            <a:schemeClr val="accent1">
+              <a:shade val="50000"/>
+            </a:schemeClr>
+          </a:lnRef>
+          <a:fillRef idx="1">
+            <a:schemeClr val="accent1"/>
+          </a:fillRef>
+          <a:effectRef idx="0">
+            <a:schemeClr val="accent1"/>
+          </a:effectRef>
+          <a:fontRef idx="minor">
+            <a:schemeClr val="lt1"/>
+          </a:fontRef>
+        </p:style>
+        <p:txBody>
+          <a:bodyPr rtlCol="0" anchor="ctr"/>
+          <a:lstStyle/>
+          <a:p>
+            <a:pPr algn="ctr"/>
+            <a:endParaRPr lang="en-US"/>
+          </a:p>
+        </p:txBody>
+      </p:sp>
+      <p:sp>
+        <p:nvSpPr>
+          <p:cNvPr id="30" name="Freeform: Shape 16">
+            <a:extLst>
+              <a:ext uri="{FF2B5EF4-FFF2-40B4-BE49-F238E27FC236}">
+                <a16:creationId xmlns:a16="http://schemas.microsoft.com/office/drawing/2014/main" id="{C29501E6-A978-4A61-9689-9085AF97A53A}"/>
+              </a:ext>
+              <a:ext uri="{C183D7F6-B498-43B3-948B-1728B52AA6E4}">
+                <adec:decorative xmlns:adec="http://schemas.microsoft.com/office/drawing/2017/decorative" val="1"/>
+              </a:ext>
+            </a:extLst>
+          </p:cNvPr>
+          <p:cNvSpPr>
+            <a:spLocks noGrp="1" noRot="1" noChangeAspect="1" noMove="1" noResize="1" noEditPoints="1" noAdjustHandles="1" noChangeArrowheads="1" noChangeShapeType="1" noTextEdit="1"/>
+          </p:cNvSpPr>
+          <p:nvPr>
+            <p:extLst>
+              <p:ext uri="{386F3935-93C4-4BCD-93E2-E3B085C9AB24}">
+                <p16:designElem xmlns:p16="http://schemas.microsoft.com/office/powerpoint/2015/main" val="1"/>
+              </p:ext>
+            </p:extLst>
+          </p:nvPr>
+        </p:nvSpPr>
+        <p:spPr>
+          <a:xfrm rot="12508972">
+            <a:off x="4459073" y="-1032053"/>
+            <a:ext cx="3742610" cy="4439131"/>
+          </a:xfrm>
+          <a:custGeom>
+            <a:avLst/>
+            <a:gdLst>
+              <a:gd name="connsiteX0" fmla="*/ 4990147 w 4990147"/>
+              <a:gd name="connsiteY0" fmla="*/ 2229378 h 4439131"/>
+              <a:gd name="connsiteX1" fmla="*/ 917384 w 4990147"/>
+              <a:gd name="connsiteY1" fmla="*/ 4439131 h 4439131"/>
+              <a:gd name="connsiteX2" fmla="*/ 910814 w 4990147"/>
+              <a:gd name="connsiteY2" fmla="*/ 4434219 h 4439131"/>
+              <a:gd name="connsiteX3" fmla="*/ 0 w 4990147"/>
+              <a:gd name="connsiteY3" fmla="*/ 2502877 h 4439131"/>
+              <a:gd name="connsiteX4" fmla="*/ 2502877 w 4990147"/>
+              <a:gd name="connsiteY4" fmla="*/ 0 h 4439131"/>
+              <a:gd name="connsiteX5" fmla="*/ 4954904 w 4990147"/>
+              <a:gd name="connsiteY5" fmla="*/ 1998460 h 4439131"/>
+            </a:gdLst>
+            <a:ahLst/>
+            <a:cxnLst>
+              <a:cxn ang="0">
+                <a:pos x="connsiteX0" y="connsiteY0"/>
+              </a:cxn>
+              <a:cxn ang="0">
+                <a:pos x="connsiteX1" y="connsiteY1"/>
+              </a:cxn>
+              <a:cxn ang="0">
+                <a:pos x="connsiteX2" y="connsiteY2"/>
+              </a:cxn>
+              <a:cxn ang="0">
+                <a:pos x="connsiteX3" y="connsiteY3"/>
+              </a:cxn>
+              <a:cxn ang="0">
+                <a:pos x="connsiteX4" y="connsiteY4"/>
+              </a:cxn>
+              <a:cxn ang="0">
+                <a:pos x="connsiteX5" y="connsiteY5"/>
+              </a:cxn>
+            </a:cxnLst>
+            <a:rect l="l" t="t" r="r" b="b"/>
+            <a:pathLst>
+              <a:path w="4990147" h="4439131">
+                <a:moveTo>
+                  <a:pt x="4990147" y="2229378"/>
+                </a:moveTo>
+                <a:lnTo>
+                  <a:pt x="917384" y="4439131"/>
+                </a:lnTo>
+                <a:lnTo>
+                  <a:pt x="910814" y="4434219"/>
+                </a:lnTo>
+                <a:cubicBezTo>
+                  <a:pt x="354557" y="3975154"/>
+                  <a:pt x="0" y="3280421"/>
+                  <a:pt x="0" y="2502877"/>
+                </a:cubicBezTo>
+                <a:cubicBezTo>
+                  <a:pt x="0" y="1120576"/>
+                  <a:pt x="1120576" y="0"/>
+                  <a:pt x="2502877" y="0"/>
+                </a:cubicBezTo>
+                <a:cubicBezTo>
+                  <a:pt x="3712390" y="0"/>
+                  <a:pt x="4721520" y="857941"/>
+                  <a:pt x="4954904" y="1998460"/>
+                </a:cubicBezTo>
+                <a:close/>
+              </a:path>
+            </a:pathLst>
+          </a:custGeom>
+          <a:gradFill>
+            <a:gsLst>
+              <a:gs pos="0">
+                <a:schemeClr val="accent1">
+                  <a:alpha val="22000"/>
+                </a:schemeClr>
+              </a:gs>
+              <a:gs pos="87000">
+                <a:schemeClr val="accent1">
+                  <a:lumMod val="60000"/>
+                  <a:lumOff val="40000"/>
+                  <a:alpha val="2000"/>
                 </a:schemeClr>
               </a:gs>
             </a:gsLst>
@@ -12935,312 +11771,9 @@
           </a:fontRef>
         </p:style>
         <p:txBody>
-          <a:bodyPr rtlCol="0" anchor="ctr"/>
-          <a:lstStyle/>
-          <a:p>
-            <a:pPr algn="ctr"/>
-            <a:endParaRPr lang="en-US"/>
-          </a:p>
-        </p:txBody>
-      </p:sp>
-      <p:sp>
-        <p:nvSpPr>
-          <p:cNvPr id="70" name="Rectangle 12">
-            <a:extLst>
-              <a:ext uri="{FF2B5EF4-FFF2-40B4-BE49-F238E27FC236}">
-                <a16:creationId xmlns:a16="http://schemas.microsoft.com/office/drawing/2014/main" id="{730D8B3B-9B80-4025-B934-26DC7D7CD231}"/>
-              </a:ext>
-              <a:ext uri="{C183D7F6-B498-43B3-948B-1728B52AA6E4}">
-                <adec:decorative xmlns:adec="http://schemas.microsoft.com/office/drawing/2017/decorative" val="1"/>
-              </a:ext>
-            </a:extLst>
-          </p:cNvPr>
-          <p:cNvSpPr>
-            <a:spLocks noGrp="1" noRot="1" noChangeAspect="1" noMove="1" noResize="1" noEditPoints="1" noAdjustHandles="1" noChangeArrowheads="1" noChangeShapeType="1" noTextEdit="1"/>
-          </p:cNvSpPr>
-          <p:nvPr>
-            <p:extLst>
-              <p:ext uri="{386F3935-93C4-4BCD-93E2-E3B085C9AB24}">
-                <p16:designElem xmlns:p16="http://schemas.microsoft.com/office/powerpoint/2015/main" val="1"/>
-              </p:ext>
-            </p:extLst>
-          </p:nvPr>
-        </p:nvSpPr>
-        <p:spPr>
-          <a:xfrm rot="10800000">
-            <a:off x="-11400" y="0"/>
-            <a:ext cx="2717530" cy="6868072"/>
-          </a:xfrm>
-          <a:prstGeom prst="rect">
-            <a:avLst/>
-          </a:prstGeom>
-          <a:gradFill>
-            <a:gsLst>
-              <a:gs pos="0">
-                <a:schemeClr val="accent1">
-                  <a:lumMod val="75000"/>
-                  <a:alpha val="0"/>
-                </a:schemeClr>
-              </a:gs>
-              <a:gs pos="99000">
-                <a:srgbClr val="000000">
-                  <a:alpha val="41000"/>
-                </a:srgbClr>
-              </a:gs>
-            </a:gsLst>
-            <a:lin ang="13200000" scaled="0"/>
-          </a:gradFill>
-          <a:ln>
-            <a:noFill/>
-          </a:ln>
-        </p:spPr>
-        <p:style>
-          <a:lnRef idx="2">
-            <a:schemeClr val="accent1">
-              <a:shade val="50000"/>
-            </a:schemeClr>
-          </a:lnRef>
-          <a:fillRef idx="1">
-            <a:schemeClr val="accent1"/>
-          </a:fillRef>
-          <a:effectRef idx="0">
-            <a:schemeClr val="accent1"/>
-          </a:effectRef>
-          <a:fontRef idx="minor">
-            <a:schemeClr val="lt1"/>
-          </a:fontRef>
-        </p:style>
-        <p:txBody>
-          <a:bodyPr rtlCol="0" anchor="ctr"/>
-          <a:lstStyle/>
-          <a:p>
-            <a:pPr algn="ctr"/>
-            <a:endParaRPr lang="en-US"/>
-          </a:p>
-        </p:txBody>
-      </p:sp>
-      <p:sp>
-        <p:nvSpPr>
-          <p:cNvPr id="71" name="Rectangle 14">
-            <a:extLst>
-              <a:ext uri="{FF2B5EF4-FFF2-40B4-BE49-F238E27FC236}">
-                <a16:creationId xmlns:a16="http://schemas.microsoft.com/office/drawing/2014/main" id="{1064D5D5-227B-4F66-9AEA-46F570E793BD}"/>
-              </a:ext>
-              <a:ext uri="{C183D7F6-B498-43B3-948B-1728B52AA6E4}">
-                <adec:decorative xmlns:adec="http://schemas.microsoft.com/office/drawing/2017/decorative" val="1"/>
-              </a:ext>
-            </a:extLst>
-          </p:cNvPr>
-          <p:cNvSpPr>
-            <a:spLocks noGrp="1" noRot="1" noChangeAspect="1" noMove="1" noResize="1" noEditPoints="1" noAdjustHandles="1" noChangeArrowheads="1" noChangeShapeType="1" noTextEdit="1"/>
-          </p:cNvSpPr>
-          <p:nvPr>
-            <p:extLst>
-              <p:ext uri="{386F3935-93C4-4BCD-93E2-E3B085C9AB24}">
-                <p16:designElem xmlns:p16="http://schemas.microsoft.com/office/powerpoint/2015/main" val="1"/>
-              </p:ext>
-            </p:extLst>
-          </p:nvPr>
-        </p:nvSpPr>
-        <p:spPr>
-          <a:xfrm flipH="1">
-            <a:off x="-11906" y="-3"/>
-            <a:ext cx="9175185" cy="6868076"/>
-          </a:xfrm>
-          <a:prstGeom prst="rect">
-            <a:avLst/>
-          </a:prstGeom>
-          <a:gradFill>
-            <a:gsLst>
-              <a:gs pos="3000">
-                <a:schemeClr val="accent1">
-                  <a:lumMod val="75000"/>
-                  <a:alpha val="0"/>
-                </a:schemeClr>
-              </a:gs>
-              <a:gs pos="100000">
-                <a:srgbClr val="000000">
-                  <a:alpha val="73000"/>
-                </a:srgbClr>
-              </a:gs>
-            </a:gsLst>
-            <a:lin ang="17400000" scaled="0"/>
-          </a:gradFill>
-          <a:ln>
-            <a:noFill/>
-          </a:ln>
-        </p:spPr>
-        <p:style>
-          <a:lnRef idx="2">
-            <a:schemeClr val="accent1">
-              <a:shade val="50000"/>
-            </a:schemeClr>
-          </a:lnRef>
-          <a:fillRef idx="1">
-            <a:schemeClr val="accent1"/>
-          </a:fillRef>
-          <a:effectRef idx="0">
-            <a:schemeClr val="accent1"/>
-          </a:effectRef>
-          <a:fontRef idx="minor">
-            <a:schemeClr val="lt1"/>
-          </a:fontRef>
-        </p:style>
-        <p:txBody>
-          <a:bodyPr rtlCol="0" anchor="ctr"/>
-          <a:lstStyle/>
-          <a:p>
-            <a:pPr algn="ctr"/>
-            <a:endParaRPr lang="en-US"/>
-          </a:p>
-        </p:txBody>
-      </p:sp>
-      <p:sp>
-        <p:nvSpPr>
-          <p:cNvPr id="72" name="Rectangle 16">
-            <a:extLst>
-              <a:ext uri="{FF2B5EF4-FFF2-40B4-BE49-F238E27FC236}">
-                <a16:creationId xmlns:a16="http://schemas.microsoft.com/office/drawing/2014/main" id="{646B67A4-D328-4747-A82B-65E84FA46368}"/>
-              </a:ext>
-              <a:ext uri="{C183D7F6-B498-43B3-948B-1728B52AA6E4}">
-                <adec:decorative xmlns:adec="http://schemas.microsoft.com/office/drawing/2017/decorative" val="1"/>
-              </a:ext>
-            </a:extLst>
-          </p:cNvPr>
-          <p:cNvSpPr>
-            <a:spLocks noGrp="1" noRot="1" noChangeAspect="1" noMove="1" noResize="1" noEditPoints="1" noAdjustHandles="1" noChangeArrowheads="1" noChangeShapeType="1" noTextEdit="1"/>
-          </p:cNvSpPr>
-          <p:nvPr>
-            <p:extLst>
-              <p:ext uri="{386F3935-93C4-4BCD-93E2-E3B085C9AB24}">
-                <p16:designElem xmlns:p16="http://schemas.microsoft.com/office/powerpoint/2015/main" val="1"/>
-              </p:ext>
-            </p:extLst>
-          </p:nvPr>
-        </p:nvSpPr>
-        <p:spPr>
-          <a:xfrm rot="5400000" flipH="1">
-            <a:off x="2505509" y="212908"/>
-            <a:ext cx="6861931" cy="6448394"/>
-          </a:xfrm>
-          <a:prstGeom prst="rect">
-            <a:avLst/>
-          </a:prstGeom>
-          <a:gradFill>
-            <a:gsLst>
-              <a:gs pos="3000">
-                <a:schemeClr val="accent1">
-                  <a:lumMod val="75000"/>
-                  <a:alpha val="0"/>
-                </a:schemeClr>
-              </a:gs>
-              <a:gs pos="100000">
-                <a:srgbClr val="000000">
-                  <a:alpha val="27000"/>
-                </a:srgbClr>
-              </a:gs>
-            </a:gsLst>
-            <a:lin ang="13800000" scaled="0"/>
-          </a:gradFill>
-          <a:ln>
-            <a:noFill/>
-          </a:ln>
-        </p:spPr>
-        <p:style>
-          <a:lnRef idx="2">
-            <a:schemeClr val="accent1">
-              <a:shade val="50000"/>
-            </a:schemeClr>
-          </a:lnRef>
-          <a:fillRef idx="1">
-            <a:schemeClr val="accent1"/>
-          </a:fillRef>
-          <a:effectRef idx="0">
-            <a:schemeClr val="accent1"/>
-          </a:effectRef>
-          <a:fontRef idx="minor">
-            <a:schemeClr val="lt1"/>
-          </a:fontRef>
-        </p:style>
-        <p:txBody>
-          <a:bodyPr rtlCol="0" anchor="ctr"/>
-          <a:lstStyle/>
-          <a:p>
-            <a:pPr algn="ctr"/>
-            <a:endParaRPr lang="en-US"/>
-          </a:p>
-        </p:txBody>
-      </p:sp>
-      <p:sp>
-        <p:nvSpPr>
-          <p:cNvPr id="73" name="Oval 18">
-            <a:extLst>
-              <a:ext uri="{FF2B5EF4-FFF2-40B4-BE49-F238E27FC236}">
-                <a16:creationId xmlns:a16="http://schemas.microsoft.com/office/drawing/2014/main" id="{B5A1B09C-1565-46F8-B70F-621C5EB48A09}"/>
-              </a:ext>
-              <a:ext uri="{C183D7F6-B498-43B3-948B-1728B52AA6E4}">
-                <adec:decorative xmlns:adec="http://schemas.microsoft.com/office/drawing/2017/decorative" val="1"/>
-              </a:ext>
-            </a:extLst>
-          </p:cNvPr>
-          <p:cNvSpPr>
-            <a:spLocks noGrp="1" noRot="1" noChangeAspect="1" noMove="1" noResize="1" noEditPoints="1" noAdjustHandles="1" noChangeArrowheads="1" noChangeShapeType="1" noTextEdit="1"/>
-          </p:cNvSpPr>
-          <p:nvPr>
-            <p:extLst>
-              <p:ext uri="{386F3935-93C4-4BCD-93E2-E3B085C9AB24}">
-                <p16:designElem xmlns:p16="http://schemas.microsoft.com/office/powerpoint/2015/main" val="1"/>
-              </p:ext>
-            </p:extLst>
-          </p:nvPr>
-        </p:nvSpPr>
-        <p:spPr>
-          <a:xfrm rot="5993193">
-            <a:off x="269287" y="1712598"/>
-            <a:ext cx="4967533" cy="3741293"/>
-          </a:xfrm>
-          <a:prstGeom prst="ellipse">
-            <a:avLst/>
-          </a:prstGeom>
-          <a:gradFill>
-            <a:gsLst>
-              <a:gs pos="0">
-                <a:schemeClr val="accent1">
-                  <a:alpha val="26000"/>
-                </a:schemeClr>
-              </a:gs>
-              <a:gs pos="85000">
-                <a:schemeClr val="accent1">
-                  <a:lumMod val="60000"/>
-                  <a:lumOff val="40000"/>
-                  <a:alpha val="0"/>
-                </a:schemeClr>
-              </a:gs>
-            </a:gsLst>
-            <a:lin ang="14400000" scaled="0"/>
-          </a:gradFill>
-          <a:ln>
-            <a:noFill/>
-          </a:ln>
-        </p:spPr>
-        <p:style>
-          <a:lnRef idx="2">
-            <a:schemeClr val="accent1">
-              <a:shade val="50000"/>
-            </a:schemeClr>
-          </a:lnRef>
-          <a:fillRef idx="1">
-            <a:schemeClr val="accent1"/>
-          </a:fillRef>
-          <a:effectRef idx="0">
-            <a:schemeClr val="accent1"/>
-          </a:effectRef>
-          <a:fontRef idx="minor">
-            <a:schemeClr val="lt1"/>
-          </a:fontRef>
-        </p:style>
-        <p:txBody>
-          <a:bodyPr rtlCol="0" anchor="ctr"/>
+          <a:bodyPr wrap="square" rtlCol="0" anchor="ctr">
+            <a:noAutofit/>
+          </a:bodyPr>
           <a:lstStyle/>
           <a:p>
             <a:pPr algn="ctr"/>
@@ -13260,8 +11793,8 @@
         </p:nvSpPr>
         <p:spPr>
           <a:xfrm>
-            <a:off x="3121925" y="818984"/>
-            <a:ext cx="5036024" cy="3178689"/>
+            <a:off x="986118" y="735106"/>
+            <a:ext cx="7540322" cy="2928470"/>
           </a:xfrm>
         </p:spPr>
         <p:txBody>
@@ -13272,7 +11805,7 @@
           <a:p>
             <a:pPr marL="0" lvl="0" indent="0" defTabSz="914400"/>
             <a:r>
-              <a:rPr lang="en-US" sz="4200" b="1" kern="1200" dirty="0" err="1">
+              <a:rPr lang="en-US" sz="4400" b="1" kern="1200" dirty="0" err="1">
                 <a:solidFill>
                   <a:srgbClr val="FFFFFF"/>
                 </a:solidFill>
@@ -13282,7 +11815,7 @@
               </a:rPr>
               <a:t>Visualisation</a:t>
             </a:r>
-            <a:endParaRPr lang="en-US" sz="4200" b="1" kern="1200" dirty="0">
+            <a:endParaRPr lang="en-US" sz="4400" b="1" kern="1200" dirty="0">
               <a:solidFill>
                 <a:srgbClr val="FFFFFF"/>
               </a:solidFill>
@@ -13293,83 +11826,42 @@
           </a:p>
         </p:txBody>
       </p:sp>
-      <p:sp>
-        <p:nvSpPr>
-          <p:cNvPr id="74" name="Rectangle 20">
-            <a:extLst>
-              <a:ext uri="{FF2B5EF4-FFF2-40B4-BE49-F238E27FC236}">
-                <a16:creationId xmlns:a16="http://schemas.microsoft.com/office/drawing/2014/main" id="{8C516CC8-80AC-446C-A56E-9F54B7210402}"/>
-              </a:ext>
-              <a:ext uri="{C183D7F6-B498-43B3-948B-1728B52AA6E4}">
-                <adec:decorative xmlns:adec="http://schemas.microsoft.com/office/drawing/2017/decorative" val="1"/>
-              </a:ext>
-            </a:extLst>
-          </p:cNvPr>
-          <p:cNvSpPr>
-            <a:spLocks noGrp="1" noRot="1" noChangeAspect="1" noMove="1" noResize="1" noEditPoints="1" noAdjustHandles="1" noChangeArrowheads="1" noChangeShapeType="1" noTextEdit="1"/>
-          </p:cNvSpPr>
-          <p:nvPr>
-            <p:extLst>
-              <p:ext uri="{386F3935-93C4-4BCD-93E2-E3B085C9AB24}">
-                <p16:designElem xmlns:p16="http://schemas.microsoft.com/office/powerpoint/2015/main" val="1"/>
-              </p:ext>
-            </p:extLst>
-          </p:nvPr>
-        </p:nvSpPr>
+      <p:pic>
+        <p:nvPicPr>
+          <p:cNvPr id="24" name="Image 23">
+            <a:extLst>
+              <a:ext uri="{FF2B5EF4-FFF2-40B4-BE49-F238E27FC236}">
+                <a16:creationId xmlns:a16="http://schemas.microsoft.com/office/drawing/2014/main" id="{F6E23D51-A49F-4CA2-B066-B97B4817D5AD}"/>
+              </a:ext>
+            </a:extLst>
+          </p:cNvPr>
+          <p:cNvPicPr>
+            <a:picLocks noChangeAspect="1"/>
+          </p:cNvPicPr>
+          <p:nvPr/>
+        </p:nvPicPr>
+        <p:blipFill>
+          <a:blip r:embed="rId2"/>
+          <a:stretch>
+            <a:fillRect/>
+          </a:stretch>
+        </p:blipFill>
         <p:spPr>
-          <a:xfrm flipH="1">
-            <a:off x="-2" y="4490110"/>
-            <a:ext cx="9163282" cy="2377962"/>
+          <a:xfrm>
+            <a:off x="0" y="4351436"/>
+            <a:ext cx="9144000" cy="2506564"/>
           </a:xfrm>
           <a:prstGeom prst="rect">
             <a:avLst/>
           </a:prstGeom>
-          <a:gradFill>
-            <a:gsLst>
-              <a:gs pos="0">
-                <a:schemeClr val="accent1">
-                  <a:lumMod val="75000"/>
-                  <a:alpha val="50000"/>
-                </a:schemeClr>
-              </a:gs>
-              <a:gs pos="99000">
-                <a:srgbClr val="000000">
-                  <a:alpha val="34000"/>
-                </a:srgbClr>
-              </a:gs>
-            </a:gsLst>
-            <a:lin ang="13200000" scaled="0"/>
-          </a:gradFill>
-          <a:ln>
-            <a:noFill/>
-          </a:ln>
         </p:spPr>
-        <p:style>
-          <a:lnRef idx="2">
-            <a:schemeClr val="accent1">
-              <a:shade val="50000"/>
-            </a:schemeClr>
-          </a:lnRef>
-          <a:fillRef idx="1">
-            <a:schemeClr val="accent1"/>
-          </a:fillRef>
-          <a:effectRef idx="0">
-            <a:schemeClr val="accent1"/>
-          </a:effectRef>
-          <a:fontRef idx="minor">
-            <a:schemeClr val="lt1"/>
-          </a:fontRef>
-        </p:style>
-        <p:txBody>
-          <a:bodyPr rtlCol="0" anchor="ctr"/>
-          <a:lstStyle/>
-          <a:p>
-            <a:pPr algn="ctr"/>
-            <a:endParaRPr lang="en-US"/>
-          </a:p>
-        </p:txBody>
-      </p:sp>
+      </p:pic>
     </p:spTree>
+    <p:extLst>
+      <p:ext uri="{BB962C8B-B14F-4D97-AF65-F5344CB8AC3E}">
+        <p14:creationId xmlns:p14="http://schemas.microsoft.com/office/powerpoint/2010/main" val="1929163941"/>
+      </p:ext>
+    </p:extLst>
   </p:cSld>
   <p:clrMapOvr>
     <a:masterClrMapping/>
@@ -13404,10 +11896,10 @@
       </p:grpSpPr>
       <p:sp useBgFill="1">
         <p:nvSpPr>
-          <p:cNvPr id="15" name="Rectangle 14">
-            <a:extLst>
-              <a:ext uri="{FF2B5EF4-FFF2-40B4-BE49-F238E27FC236}">
-                <a16:creationId xmlns:a16="http://schemas.microsoft.com/office/drawing/2014/main" id="{A4E37431-20F0-4DD6-84A9-ED2B644943A2}"/>
+          <p:cNvPr id="91" name="Rectangle 50">
+            <a:extLst>
+              <a:ext uri="{FF2B5EF4-FFF2-40B4-BE49-F238E27FC236}">
+                <a16:creationId xmlns:a16="http://schemas.microsoft.com/office/drawing/2014/main" id="{979E27D9-03C7-44E2-9FF8-15D0C8506AF7}"/>
               </a:ext>
               <a:ext uri="{C183D7F6-B498-43B3-948B-1728B52AA6E4}">
                 <adec:decorative xmlns:adec="http://schemas.microsoft.com/office/drawing/2017/decorative" val="1"/>
@@ -13478,12 +11970,79 @@
           </a:p>
         </p:txBody>
       </p:sp>
+      <p:pic>
+        <p:nvPicPr>
+          <p:cNvPr id="4" name="Image 3">
+            <a:extLst>
+              <a:ext uri="{FF2B5EF4-FFF2-40B4-BE49-F238E27FC236}">
+                <a16:creationId xmlns:a16="http://schemas.microsoft.com/office/drawing/2014/main" id="{75CD7126-81CB-4F9E-971B-55D6AA480B84}"/>
+              </a:ext>
+            </a:extLst>
+          </p:cNvPr>
+          <p:cNvPicPr>
+            <a:picLocks noChangeAspect="1"/>
+          </p:cNvPicPr>
+          <p:nvPr/>
+        </p:nvPicPr>
+        <p:blipFill>
+          <a:blip r:embed="rId2"/>
+          <a:stretch>
+            <a:fillRect/>
+          </a:stretch>
+        </p:blipFill>
+        <p:spPr>
+          <a:xfrm>
+            <a:off x="0" y="-428"/>
+            <a:ext cx="9144000" cy="6400799"/>
+          </a:xfrm>
+          <a:prstGeom prst="rect">
+            <a:avLst/>
+          </a:prstGeom>
+        </p:spPr>
+      </p:pic>
       <p:sp>
         <p:nvSpPr>
-          <p:cNvPr id="17" name="Rectangle 16">
-            <a:extLst>
-              <a:ext uri="{FF2B5EF4-FFF2-40B4-BE49-F238E27FC236}">
-                <a16:creationId xmlns:a16="http://schemas.microsoft.com/office/drawing/2014/main" id="{0AE98B72-66C6-4AB4-AF0D-BA830DE86393}"/>
+          <p:cNvPr id="2" name="Title 1"/>
+          <p:cNvSpPr>
+            <a:spLocks noGrp="1"/>
+          </p:cNvSpPr>
+          <p:nvPr>
+            <p:ph type="title"/>
+          </p:nvPr>
+        </p:nvSpPr>
+        <p:spPr>
+          <a:xfrm>
+            <a:off x="619860" y="457629"/>
+            <a:ext cx="8222481" cy="1152660"/>
+          </a:xfrm>
+        </p:spPr>
+        <p:txBody>
+          <a:bodyPr anchor="t">
+            <a:noAutofit/>
+          </a:bodyPr>
+          <a:lstStyle/>
+          <a:p>
+            <a:pPr marL="0" lvl="0" indent="0">
+              <a:buNone/>
+            </a:pPr>
+            <a:r>
+              <a:rPr lang="en-US" sz="4000" b="1" kern="1200" dirty="0">
+                <a:latin typeface="+mj-lt"/>
+                <a:ea typeface="+mj-ea"/>
+                <a:cs typeface="+mj-cs"/>
+              </a:rPr>
+              <a:t>Alpha Centauri A et Alpha Centauri B</a:t>
+            </a:r>
+            <a:endParaRPr lang="fr-FR" sz="4000" b="1" dirty="0"/>
+          </a:p>
+        </p:txBody>
+      </p:sp>
+      <p:sp>
+        <p:nvSpPr>
+          <p:cNvPr id="92" name="Rectangle 52">
+            <a:extLst>
+              <a:ext uri="{FF2B5EF4-FFF2-40B4-BE49-F238E27FC236}">
+                <a16:creationId xmlns:a16="http://schemas.microsoft.com/office/drawing/2014/main" id="{EEBF1590-3B36-48EE-A89D-3B6F3CB256AB}"/>
               </a:ext>
               <a:ext uri="{C183D7F6-B498-43B3-948B-1728B52AA6E4}">
                 <adec:decorative xmlns:adec="http://schemas.microsoft.com/office/drawing/2017/decorative" val="1"/>
@@ -13502,17 +12061,90 @@
           </p:nvPr>
         </p:nvSpPr>
         <p:spPr>
-          <a:xfrm rot="5400000" flipH="1">
-            <a:off x="-1336136" y="1336710"/>
-            <a:ext cx="6858000" cy="4184580"/>
+          <a:xfrm rot="10800000" flipH="1">
+            <a:off x="0" y="6400799"/>
+            <a:ext cx="9144000" cy="456773"/>
           </a:xfrm>
           <a:prstGeom prst="rect">
             <a:avLst/>
           </a:prstGeom>
           <a:gradFill>
             <a:gsLst>
-              <a:gs pos="8000">
+              <a:gs pos="0">
+                <a:schemeClr val="accent1"/>
+              </a:gs>
+              <a:gs pos="78000">
                 <a:srgbClr val="000000"/>
+              </a:gs>
+            </a:gsLst>
+            <a:lin ang="7200000" scaled="0"/>
+          </a:gradFill>
+          <a:ln>
+            <a:noFill/>
+          </a:ln>
+        </p:spPr>
+        <p:style>
+          <a:lnRef idx="2">
+            <a:schemeClr val="accent1">
+              <a:shade val="50000"/>
+            </a:schemeClr>
+          </a:lnRef>
+          <a:fillRef idx="1">
+            <a:schemeClr val="accent1"/>
+          </a:fillRef>
+          <a:effectRef idx="0">
+            <a:schemeClr val="accent1"/>
+          </a:effectRef>
+          <a:fontRef idx="minor">
+            <a:schemeClr val="lt1"/>
+          </a:fontRef>
+        </p:style>
+        <p:txBody>
+          <a:bodyPr rtlCol="0" anchor="ctr"/>
+          <a:lstStyle/>
+          <a:p>
+            <a:pPr algn="ctr"/>
+            <a:endParaRPr lang="en-US"/>
+          </a:p>
+        </p:txBody>
+      </p:sp>
+      <p:sp>
+        <p:nvSpPr>
+          <p:cNvPr id="93" name="Rectangle 54">
+            <a:extLst>
+              <a:ext uri="{FF2B5EF4-FFF2-40B4-BE49-F238E27FC236}">
+                <a16:creationId xmlns:a16="http://schemas.microsoft.com/office/drawing/2014/main" id="{AC8F6C8C-AB5A-4548-942D-E3FD40ACBC49}"/>
+              </a:ext>
+              <a:ext uri="{C183D7F6-B498-43B3-948B-1728B52AA6E4}">
+                <adec:decorative xmlns:adec="http://schemas.microsoft.com/office/drawing/2017/decorative" val="1"/>
+              </a:ext>
+            </a:extLst>
+          </p:cNvPr>
+          <p:cNvSpPr>
+            <a:spLocks noGrp="1" noRot="1" noChangeAspect="1" noMove="1" noResize="1" noEditPoints="1" noAdjustHandles="1" noChangeArrowheads="1" noChangeShapeType="1" noTextEdit="1"/>
+          </p:cNvSpPr>
+          <p:nvPr>
+            <p:extLst>
+              <p:ext uri="{386F3935-93C4-4BCD-93E2-E3B085C9AB24}">
+                <p16:designElem xmlns:p16="http://schemas.microsoft.com/office/powerpoint/2015/main" val="1"/>
+              </p:ext>
+            </p:extLst>
+          </p:nvPr>
+        </p:nvSpPr>
+        <p:spPr>
+          <a:xfrm flipH="1">
+            <a:off x="0" y="6400800"/>
+            <a:ext cx="6115048" cy="456772"/>
+          </a:xfrm>
+          <a:prstGeom prst="rect">
+            <a:avLst/>
+          </a:prstGeom>
+          <a:gradFill>
+            <a:gsLst>
+              <a:gs pos="0">
+                <a:srgbClr val="000000">
+                  <a:alpha val="28000"/>
+                </a:srgbClr>
               </a:gs>
               <a:gs pos="100000">
                 <a:schemeClr val="accent1">
@@ -13551,381 +12183,15 @@
           </a:p>
         </p:txBody>
       </p:sp>
-      <p:sp>
-        <p:nvSpPr>
-          <p:cNvPr id="19" name="Rectangle 18">
-            <a:extLst>
-              <a:ext uri="{FF2B5EF4-FFF2-40B4-BE49-F238E27FC236}">
-                <a16:creationId xmlns:a16="http://schemas.microsoft.com/office/drawing/2014/main" id="{407EAFC6-733F-403D-BB4D-05A3A28742F1}"/>
-              </a:ext>
-              <a:ext uri="{C183D7F6-B498-43B3-948B-1728B52AA6E4}">
-                <adec:decorative xmlns:adec="http://schemas.microsoft.com/office/drawing/2017/decorative" val="1"/>
-              </a:ext>
-            </a:extLst>
-          </p:cNvPr>
-          <p:cNvSpPr>
-            <a:spLocks noGrp="1" noRot="1" noChangeAspect="1" noMove="1" noResize="1" noEditPoints="1" noAdjustHandles="1" noChangeArrowheads="1" noChangeShapeType="1" noTextEdit="1"/>
-          </p:cNvSpPr>
-          <p:nvPr>
-            <p:extLst>
-              <p:ext uri="{386F3935-93C4-4BCD-93E2-E3B085C9AB24}">
-                <p16:designElem xmlns:p16="http://schemas.microsoft.com/office/powerpoint/2015/main" val="1"/>
-              </p:ext>
-            </p:extLst>
-          </p:nvPr>
-        </p:nvSpPr>
-        <p:spPr>
-          <a:xfrm rot="5400000" flipH="1">
-            <a:off x="-1088181" y="1092216"/>
-            <a:ext cx="6346209" cy="4182060"/>
-          </a:xfrm>
-          <a:prstGeom prst="rect">
-            <a:avLst/>
-          </a:prstGeom>
-          <a:gradFill>
-            <a:gsLst>
-              <a:gs pos="0">
-                <a:srgbClr val="000000">
-                  <a:alpha val="0"/>
-                </a:srgbClr>
-              </a:gs>
-              <a:gs pos="99000">
-                <a:schemeClr val="accent1">
-                  <a:alpha val="0"/>
-                </a:schemeClr>
-              </a:gs>
-            </a:gsLst>
-            <a:lin ang="1800000" scaled="0"/>
-          </a:gradFill>
-          <a:ln>
-            <a:noFill/>
-          </a:ln>
-        </p:spPr>
-        <p:style>
-          <a:lnRef idx="2">
-            <a:schemeClr val="accent1">
-              <a:shade val="50000"/>
-            </a:schemeClr>
-          </a:lnRef>
-          <a:fillRef idx="1">
-            <a:schemeClr val="accent1"/>
-          </a:fillRef>
-          <a:effectRef idx="0">
-            <a:schemeClr val="accent1"/>
-          </a:effectRef>
-          <a:fontRef idx="minor">
-            <a:schemeClr val="lt1"/>
-          </a:fontRef>
-        </p:style>
-        <p:txBody>
-          <a:bodyPr rtlCol="0" anchor="ctr"/>
-          <a:lstStyle/>
-          <a:p>
-            <a:pPr algn="ctr"/>
-            <a:endParaRPr lang="en-US"/>
-          </a:p>
-        </p:txBody>
-      </p:sp>
-      <p:sp>
-        <p:nvSpPr>
-          <p:cNvPr id="21" name="Rectangle 20">
-            <a:extLst>
-              <a:ext uri="{FF2B5EF4-FFF2-40B4-BE49-F238E27FC236}">
-                <a16:creationId xmlns:a16="http://schemas.microsoft.com/office/drawing/2014/main" id="{17A36730-4CB0-4F61-AD11-A44C9765833F}"/>
-              </a:ext>
-              <a:ext uri="{C183D7F6-B498-43B3-948B-1728B52AA6E4}">
-                <adec:decorative xmlns:adec="http://schemas.microsoft.com/office/drawing/2017/decorative" val="1"/>
-              </a:ext>
-            </a:extLst>
-          </p:cNvPr>
-          <p:cNvSpPr>
-            <a:spLocks noGrp="1" noRot="1" noChangeAspect="1" noMove="1" noResize="1" noEditPoints="1" noAdjustHandles="1" noChangeArrowheads="1" noChangeShapeType="1" noTextEdit="1"/>
-          </p:cNvSpPr>
-          <p:nvPr>
-            <p:extLst>
-              <p:ext uri="{386F3935-93C4-4BCD-93E2-E3B085C9AB24}">
-                <p16:designElem xmlns:p16="http://schemas.microsoft.com/office/powerpoint/2015/main" val="1"/>
-              </p:ext>
-            </p:extLst>
-          </p:nvPr>
-        </p:nvSpPr>
-        <p:spPr>
-          <a:xfrm rot="5400000" flipH="1">
-            <a:off x="833933" y="3515977"/>
-            <a:ext cx="2501979" cy="4182060"/>
-          </a:xfrm>
-          <a:prstGeom prst="rect">
-            <a:avLst/>
-          </a:prstGeom>
-          <a:gradFill>
-            <a:gsLst>
-              <a:gs pos="2000">
-                <a:schemeClr val="accent1">
-                  <a:alpha val="29000"/>
-                </a:schemeClr>
-              </a:gs>
-              <a:gs pos="100000">
-                <a:srgbClr val="000000">
-                  <a:alpha val="30000"/>
-                </a:srgbClr>
-              </a:gs>
-            </a:gsLst>
-            <a:lin ang="7800000" scaled="0"/>
-          </a:gradFill>
-          <a:ln>
-            <a:noFill/>
-          </a:ln>
-        </p:spPr>
-        <p:style>
-          <a:lnRef idx="2">
-            <a:schemeClr val="accent1">
-              <a:shade val="50000"/>
-            </a:schemeClr>
-          </a:lnRef>
-          <a:fillRef idx="1">
-            <a:schemeClr val="accent1"/>
-          </a:fillRef>
-          <a:effectRef idx="0">
-            <a:schemeClr val="accent1"/>
-          </a:effectRef>
-          <a:fontRef idx="minor">
-            <a:schemeClr val="lt1"/>
-          </a:fontRef>
-        </p:style>
-        <p:txBody>
-          <a:bodyPr rtlCol="0" anchor="ctr"/>
-          <a:lstStyle/>
-          <a:p>
-            <a:pPr algn="ctr"/>
-            <a:endParaRPr lang="en-US" dirty="0"/>
-          </a:p>
-        </p:txBody>
-      </p:sp>
-      <p:sp>
-        <p:nvSpPr>
-          <p:cNvPr id="23" name="Rectangle 22">
-            <a:extLst>
-              <a:ext uri="{FF2B5EF4-FFF2-40B4-BE49-F238E27FC236}">
-                <a16:creationId xmlns:a16="http://schemas.microsoft.com/office/drawing/2014/main" id="{C69C79E1-F916-4929-A4F3-DE763D4BFA57}"/>
-              </a:ext>
-              <a:ext uri="{C183D7F6-B498-43B3-948B-1728B52AA6E4}">
-                <adec:decorative xmlns:adec="http://schemas.microsoft.com/office/drawing/2017/decorative" val="1"/>
-              </a:ext>
-            </a:extLst>
-          </p:cNvPr>
-          <p:cNvSpPr>
-            <a:spLocks noGrp="1" noRot="1" noChangeAspect="1" noMove="1" noResize="1" noEditPoints="1" noAdjustHandles="1" noChangeArrowheads="1" noChangeShapeType="1" noTextEdit="1"/>
-          </p:cNvSpPr>
-          <p:nvPr>
-            <p:extLst>
-              <p:ext uri="{386F3935-93C4-4BCD-93E2-E3B085C9AB24}">
-                <p16:designElem xmlns:p16="http://schemas.microsoft.com/office/powerpoint/2015/main" val="1"/>
-              </p:ext>
-            </p:extLst>
-          </p:nvPr>
-        </p:nvSpPr>
-        <p:spPr>
-          <a:xfrm rot="5400000" flipH="1">
-            <a:off x="-1176002" y="1496845"/>
-            <a:ext cx="6858001" cy="3864309"/>
-          </a:xfrm>
-          <a:prstGeom prst="rect">
-            <a:avLst/>
-          </a:prstGeom>
-          <a:gradFill>
-            <a:gsLst>
-              <a:gs pos="0">
-                <a:srgbClr val="000000">
-                  <a:alpha val="0"/>
-                </a:srgbClr>
-              </a:gs>
-              <a:gs pos="99000">
-                <a:schemeClr val="accent1">
-                  <a:alpha val="11000"/>
-                </a:schemeClr>
-              </a:gs>
-            </a:gsLst>
-            <a:lin ang="7800000" scaled="0"/>
-          </a:gradFill>
-          <a:ln>
-            <a:noFill/>
-          </a:ln>
-        </p:spPr>
-        <p:style>
-          <a:lnRef idx="2">
-            <a:schemeClr val="accent1">
-              <a:shade val="50000"/>
-            </a:schemeClr>
-          </a:lnRef>
-          <a:fillRef idx="1">
-            <a:schemeClr val="accent1"/>
-          </a:fillRef>
-          <a:effectRef idx="0">
-            <a:schemeClr val="accent1"/>
-          </a:effectRef>
-          <a:fontRef idx="minor">
-            <a:schemeClr val="lt1"/>
-          </a:fontRef>
-        </p:style>
-        <p:txBody>
-          <a:bodyPr rtlCol="0" anchor="ctr"/>
-          <a:lstStyle/>
-          <a:p>
-            <a:pPr algn="ctr"/>
-            <a:endParaRPr lang="en-US"/>
-          </a:p>
-        </p:txBody>
-      </p:sp>
-      <p:sp>
-        <p:nvSpPr>
-          <p:cNvPr id="25" name="Oval 24">
-            <a:extLst>
-              <a:ext uri="{FF2B5EF4-FFF2-40B4-BE49-F238E27FC236}">
-                <a16:creationId xmlns:a16="http://schemas.microsoft.com/office/drawing/2014/main" id="{767334AB-16BD-4EC7-8C6B-4B5171600933}"/>
-              </a:ext>
-              <a:ext uri="{C183D7F6-B498-43B3-948B-1728B52AA6E4}">
-                <adec:decorative xmlns:adec="http://schemas.microsoft.com/office/drawing/2017/decorative" val="1"/>
-              </a:ext>
-            </a:extLst>
-          </p:cNvPr>
-          <p:cNvSpPr>
-            <a:spLocks noGrp="1" noRot="1" noChangeAspect="1" noMove="1" noResize="1" noEditPoints="1" noAdjustHandles="1" noChangeArrowheads="1" noChangeShapeType="1" noTextEdit="1"/>
-          </p:cNvSpPr>
-          <p:nvPr>
-            <p:extLst>
-              <p:ext uri="{386F3935-93C4-4BCD-93E2-E3B085C9AB24}">
-                <p16:designElem xmlns:p16="http://schemas.microsoft.com/office/powerpoint/2015/main" val="1"/>
-              </p:ext>
-            </p:extLst>
-          </p:nvPr>
-        </p:nvSpPr>
-        <p:spPr>
-          <a:xfrm rot="6097846">
-            <a:off x="74277" y="1668285"/>
-            <a:ext cx="4318303" cy="3238727"/>
-          </a:xfrm>
-          <a:prstGeom prst="ellipse">
-            <a:avLst/>
-          </a:prstGeom>
-          <a:gradFill>
-            <a:gsLst>
-              <a:gs pos="39000">
-                <a:schemeClr val="accent1">
-                  <a:alpha val="0"/>
-                </a:schemeClr>
-              </a:gs>
-              <a:gs pos="100000">
-                <a:schemeClr val="accent1">
-                  <a:lumMod val="60000"/>
-                  <a:lumOff val="40000"/>
-                  <a:alpha val="15000"/>
-                </a:schemeClr>
-              </a:gs>
-            </a:gsLst>
-            <a:lin ang="17400000" scaled="0"/>
-          </a:gradFill>
-          <a:ln>
-            <a:noFill/>
-          </a:ln>
-        </p:spPr>
-        <p:style>
-          <a:lnRef idx="2">
-            <a:schemeClr val="accent1">
-              <a:shade val="50000"/>
-            </a:schemeClr>
-          </a:lnRef>
-          <a:fillRef idx="1">
-            <a:schemeClr val="accent1"/>
-          </a:fillRef>
-          <a:effectRef idx="0">
-            <a:schemeClr val="accent1"/>
-          </a:effectRef>
-          <a:fontRef idx="minor">
-            <a:schemeClr val="lt1"/>
-          </a:fontRef>
-        </p:style>
-        <p:txBody>
-          <a:bodyPr rtlCol="0" anchor="ctr"/>
-          <a:lstStyle/>
-          <a:p>
-            <a:pPr algn="ctr"/>
-            <a:endParaRPr lang="en-US" dirty="0"/>
-          </a:p>
-        </p:txBody>
-      </p:sp>
-      <p:sp>
-        <p:nvSpPr>
-          <p:cNvPr id="2" name="Title 1"/>
-          <p:cNvSpPr>
-            <a:spLocks noGrp="1"/>
-          </p:cNvSpPr>
-          <p:nvPr>
-            <p:ph type="title"/>
-          </p:nvPr>
-        </p:nvSpPr>
-        <p:spPr>
-          <a:xfrm>
-            <a:off x="436698" y="1913637"/>
-            <a:ext cx="3309016" cy="3030724"/>
-          </a:xfrm>
-          <a:prstGeom prst="ellipse">
-            <a:avLst/>
-          </a:prstGeom>
-        </p:spPr>
-        <p:txBody>
-          <a:bodyPr vert="horz" lIns="91440" tIns="45720" rIns="91440" bIns="45720" rtlCol="0" anchor="b">
-            <a:normAutofit/>
-          </a:bodyPr>
-          <a:lstStyle/>
-          <a:p>
-            <a:pPr marL="0" lvl="0" indent="0" algn="ctr" defTabSz="914400"/>
-            <a:r>
-              <a:rPr lang="en-US" sz="3500" b="1" kern="1200" dirty="0">
-                <a:solidFill>
-                  <a:srgbClr val="FFFFFF"/>
-                </a:solidFill>
-                <a:latin typeface="+mj-lt"/>
-                <a:ea typeface="+mj-ea"/>
-                <a:cs typeface="+mj-cs"/>
-              </a:rPr>
-              <a:t>Alpha Centauri A et Alpha Centauri B</a:t>
-            </a:r>
-          </a:p>
-        </p:txBody>
-      </p:sp>
       <p:pic>
         <p:nvPicPr>
-          <p:cNvPr id="4" name="Image 3">
-            <a:extLst>
-              <a:ext uri="{FF2B5EF4-FFF2-40B4-BE49-F238E27FC236}">
-                <a16:creationId xmlns:a16="http://schemas.microsoft.com/office/drawing/2014/main" id="{C0DFCA84-FD89-4283-8FBB-CB3F78DD4A77}"/>
-              </a:ext>
-            </a:extLst>
-          </p:cNvPr>
-          <p:cNvPicPr>
-            <a:picLocks noChangeAspect="1"/>
-          </p:cNvPicPr>
-          <p:nvPr/>
-        </p:nvPicPr>
-        <p:blipFill>
-          <a:blip r:embed="rId2"/>
-          <a:stretch>
-            <a:fillRect/>
-          </a:stretch>
-        </p:blipFill>
-        <p:spPr>
-          <a:xfrm>
-            <a:off x="4175953" y="10141"/>
-            <a:ext cx="4974154" cy="6857999"/>
-          </a:xfrm>
-          <a:prstGeom prst="rect">
-            <a:avLst/>
-          </a:prstGeom>
-        </p:spPr>
-      </p:pic>
-      <p:pic>
-        <p:nvPicPr>
-          <p:cNvPr id="3" name="Picture 1" descr="Images/Img.png"/>
+          <p:cNvPr id="8" name="Picture 1" descr="Images/Img.png">
+            <a:extLst>
+              <a:ext uri="{FF2B5EF4-FFF2-40B4-BE49-F238E27FC236}">
+                <a16:creationId xmlns:a16="http://schemas.microsoft.com/office/drawing/2014/main" id="{0FA6B5C0-B60D-4A4C-B264-085D12D98CC2}"/>
+              </a:ext>
+            </a:extLst>
+          </p:cNvPr>
           <p:cNvPicPr>
             <a:picLocks noGrp="1" noChangeAspect="1"/>
           </p:cNvPicPr>
@@ -13939,8 +12205,8 @@
         </p:blipFill>
         <p:spPr bwMode="auto">
           <a:xfrm>
-            <a:off x="4572000" y="1345718"/>
-            <a:ext cx="4206240" cy="4122114"/>
+            <a:off x="2351516" y="1252927"/>
+            <a:ext cx="4440967" cy="4352146"/>
           </a:xfrm>
           <a:prstGeom prst="rect">
             <a:avLst/>
@@ -13949,6 +12215,11 @@
         </p:spPr>
       </p:pic>
     </p:spTree>
+    <p:extLst>
+      <p:ext uri="{BB962C8B-B14F-4D97-AF65-F5344CB8AC3E}">
+        <p14:creationId xmlns:p14="http://schemas.microsoft.com/office/powerpoint/2010/main" val="2188270786"/>
+      </p:ext>
+    </p:extLst>
   </p:cSld>
   <p:clrMapOvr>
     <a:masterClrMapping/>
